--- a/notes/IoC.pptx
+++ b/notes/IoC.pptx
@@ -4,6 +4,9 @@
   <p:sldMasterIdLst>
     <p:sldMasterId id="2147483648" r:id="rId1"/>
   </p:sldMasterIdLst>
+  <p:notesMasterIdLst>
+    <p:notesMasterId r:id="rId53"/>
+  </p:notesMasterIdLst>
   <p:sldIdLst>
     <p:sldId id="256" r:id="rId2"/>
     <p:sldId id="357" r:id="rId3"/>
@@ -162,6 +165,439 @@
 </p:presentation>
 </file>
 
+<file path=ppt/notesMasters/notesMaster1.xml><?xml version="1.0" encoding="utf-8"?>
+<p:notesMaster xmlns:a="http://schemas.openxmlformats.org/drawingml/2006/main" xmlns:r="http://schemas.openxmlformats.org/officeDocument/2006/relationships" xmlns:p="http://schemas.openxmlformats.org/presentationml/2006/main">
+  <p:cSld>
+    <p:bg>
+      <p:bgRef idx="1001">
+        <a:schemeClr val="bg1"/>
+      </p:bgRef>
+    </p:bg>
+    <p:spTree>
+      <p:nvGrpSpPr>
+        <p:cNvPr id="1" name=""/>
+        <p:cNvGrpSpPr/>
+        <p:nvPr/>
+      </p:nvGrpSpPr>
+      <p:grpSpPr>
+        <a:xfrm>
+          <a:off x="0" y="0"/>
+          <a:ext cx="0" cy="0"/>
+          <a:chOff x="0" y="0"/>
+          <a:chExt cx="0" cy="0"/>
+        </a:xfrm>
+      </p:grpSpPr>
+      <p:sp>
+        <p:nvSpPr>
+          <p:cNvPr id="2" name="머리글 개체 틀 1"/>
+          <p:cNvSpPr>
+            <a:spLocks noGrp="1"/>
+          </p:cNvSpPr>
+          <p:nvPr>
+            <p:ph type="hdr" sz="quarter"/>
+          </p:nvPr>
+        </p:nvSpPr>
+        <p:spPr>
+          <a:xfrm>
+            <a:off x="0" y="0"/>
+            <a:ext cx="2971800" cy="458788"/>
+          </a:xfrm>
+          <a:prstGeom prst="rect">
+            <a:avLst/>
+          </a:prstGeom>
+        </p:spPr>
+        <p:txBody>
+          <a:bodyPr vert="horz" lIns="91440" tIns="45720" rIns="91440" bIns="45720" rtlCol="0"/>
+          <a:lstStyle>
+            <a:lvl1pPr algn="l">
+              <a:defRPr sz="1200"/>
+            </a:lvl1pPr>
+          </a:lstStyle>
+          <a:p>
+            <a:endParaRPr lang="ko-KR" altLang="en-US"/>
+          </a:p>
+        </p:txBody>
+      </p:sp>
+      <p:sp>
+        <p:nvSpPr>
+          <p:cNvPr id="3" name="날짜 개체 틀 2"/>
+          <p:cNvSpPr>
+            <a:spLocks noGrp="1"/>
+          </p:cNvSpPr>
+          <p:nvPr>
+            <p:ph type="dt" idx="1"/>
+          </p:nvPr>
+        </p:nvSpPr>
+        <p:spPr>
+          <a:xfrm>
+            <a:off x="3884613" y="0"/>
+            <a:ext cx="2971800" cy="458788"/>
+          </a:xfrm>
+          <a:prstGeom prst="rect">
+            <a:avLst/>
+          </a:prstGeom>
+        </p:spPr>
+        <p:txBody>
+          <a:bodyPr vert="horz" lIns="91440" tIns="45720" rIns="91440" bIns="45720" rtlCol="0"/>
+          <a:lstStyle>
+            <a:lvl1pPr algn="r">
+              <a:defRPr sz="1200"/>
+            </a:lvl1pPr>
+          </a:lstStyle>
+          <a:p>
+            <a:fld id="{C43FDFFC-4157-4789-B17D-39F4816026EB}" type="datetimeFigureOut">
+              <a:rPr lang="ko-KR" altLang="en-US" smtClean="0"/>
+              <a:t>2024-06-26</a:t>
+            </a:fld>
+            <a:endParaRPr lang="ko-KR" altLang="en-US"/>
+          </a:p>
+        </p:txBody>
+      </p:sp>
+      <p:sp>
+        <p:nvSpPr>
+          <p:cNvPr id="4" name="슬라이드 이미지 개체 틀 3"/>
+          <p:cNvSpPr>
+            <a:spLocks noGrp="1" noRot="1" noChangeAspect="1"/>
+          </p:cNvSpPr>
+          <p:nvPr>
+            <p:ph type="sldImg" idx="2"/>
+          </p:nvPr>
+        </p:nvSpPr>
+        <p:spPr>
+          <a:xfrm>
+            <a:off x="685800" y="1143000"/>
+            <a:ext cx="5486400" cy="3086100"/>
+          </a:xfrm>
+          <a:prstGeom prst="rect">
+            <a:avLst/>
+          </a:prstGeom>
+          <a:noFill/>
+          <a:ln w="12700">
+            <a:solidFill>
+              <a:prstClr val="black"/>
+            </a:solidFill>
+          </a:ln>
+        </p:spPr>
+        <p:txBody>
+          <a:bodyPr vert="horz" lIns="91440" tIns="45720" rIns="91440" bIns="45720" rtlCol="0" anchor="ctr"/>
+          <a:lstStyle/>
+          <a:p>
+            <a:endParaRPr lang="ko-KR" altLang="en-US"/>
+          </a:p>
+        </p:txBody>
+      </p:sp>
+      <p:sp>
+        <p:nvSpPr>
+          <p:cNvPr id="5" name="슬라이드 노트 개체 틀 4"/>
+          <p:cNvSpPr>
+            <a:spLocks noGrp="1"/>
+          </p:cNvSpPr>
+          <p:nvPr>
+            <p:ph type="body" sz="quarter" idx="3"/>
+          </p:nvPr>
+        </p:nvSpPr>
+        <p:spPr>
+          <a:xfrm>
+            <a:off x="685800" y="4400550"/>
+            <a:ext cx="5486400" cy="3600450"/>
+          </a:xfrm>
+          <a:prstGeom prst="rect">
+            <a:avLst/>
+          </a:prstGeom>
+        </p:spPr>
+        <p:txBody>
+          <a:bodyPr vert="horz" lIns="91440" tIns="45720" rIns="91440" bIns="45720" rtlCol="0"/>
+          <a:lstStyle/>
+          <a:p>
+            <a:pPr lvl="0"/>
+            <a:r>
+              <a:rPr lang="ko-KR" altLang="en-US"/>
+              <a:t>마스터 텍스트 스타일을 편집하려면 클릭</a:t>
+            </a:r>
+          </a:p>
+          <a:p>
+            <a:pPr lvl="1"/>
+            <a:r>
+              <a:rPr lang="ko-KR" altLang="en-US"/>
+              <a:t>두 번째 수준</a:t>
+            </a:r>
+          </a:p>
+          <a:p>
+            <a:pPr lvl="2"/>
+            <a:r>
+              <a:rPr lang="ko-KR" altLang="en-US"/>
+              <a:t>세 번째 수준</a:t>
+            </a:r>
+          </a:p>
+          <a:p>
+            <a:pPr lvl="3"/>
+            <a:r>
+              <a:rPr lang="ko-KR" altLang="en-US"/>
+              <a:t>네 번째 수준</a:t>
+            </a:r>
+          </a:p>
+          <a:p>
+            <a:pPr lvl="4"/>
+            <a:r>
+              <a:rPr lang="ko-KR" altLang="en-US"/>
+              <a:t>다섯 번째 수준</a:t>
+            </a:r>
+          </a:p>
+        </p:txBody>
+      </p:sp>
+      <p:sp>
+        <p:nvSpPr>
+          <p:cNvPr id="6" name="바닥글 개체 틀 5"/>
+          <p:cNvSpPr>
+            <a:spLocks noGrp="1"/>
+          </p:cNvSpPr>
+          <p:nvPr>
+            <p:ph type="ftr" sz="quarter" idx="4"/>
+          </p:nvPr>
+        </p:nvSpPr>
+        <p:spPr>
+          <a:xfrm>
+            <a:off x="0" y="8685213"/>
+            <a:ext cx="2971800" cy="458787"/>
+          </a:xfrm>
+          <a:prstGeom prst="rect">
+            <a:avLst/>
+          </a:prstGeom>
+        </p:spPr>
+        <p:txBody>
+          <a:bodyPr vert="horz" lIns="91440" tIns="45720" rIns="91440" bIns="45720" rtlCol="0" anchor="b"/>
+          <a:lstStyle>
+            <a:lvl1pPr algn="l">
+              <a:defRPr sz="1200"/>
+            </a:lvl1pPr>
+          </a:lstStyle>
+          <a:p>
+            <a:endParaRPr lang="ko-KR" altLang="en-US"/>
+          </a:p>
+        </p:txBody>
+      </p:sp>
+      <p:sp>
+        <p:nvSpPr>
+          <p:cNvPr id="7" name="슬라이드 번호 개체 틀 6"/>
+          <p:cNvSpPr>
+            <a:spLocks noGrp="1"/>
+          </p:cNvSpPr>
+          <p:nvPr>
+            <p:ph type="sldNum" sz="quarter" idx="5"/>
+          </p:nvPr>
+        </p:nvSpPr>
+        <p:spPr>
+          <a:xfrm>
+            <a:off x="3884613" y="8685213"/>
+            <a:ext cx="2971800" cy="458787"/>
+          </a:xfrm>
+          <a:prstGeom prst="rect">
+            <a:avLst/>
+          </a:prstGeom>
+        </p:spPr>
+        <p:txBody>
+          <a:bodyPr vert="horz" lIns="91440" tIns="45720" rIns="91440" bIns="45720" rtlCol="0" anchor="b"/>
+          <a:lstStyle>
+            <a:lvl1pPr algn="r">
+              <a:defRPr sz="1200"/>
+            </a:lvl1pPr>
+          </a:lstStyle>
+          <a:p>
+            <a:fld id="{5C89D12D-55F5-4BD8-91FA-E7EC646B62F7}" type="slidenum">
+              <a:rPr lang="ko-KR" altLang="en-US" smtClean="0"/>
+              <a:t>‹#›</a:t>
+            </a:fld>
+            <a:endParaRPr lang="ko-KR" altLang="en-US"/>
+          </a:p>
+        </p:txBody>
+      </p:sp>
+    </p:spTree>
+    <p:extLst>
+      <p:ext uri="{BB962C8B-B14F-4D97-AF65-F5344CB8AC3E}">
+        <p14:creationId xmlns:p14="http://schemas.microsoft.com/office/powerpoint/2010/main" val="1485619384"/>
+      </p:ext>
+    </p:extLst>
+  </p:cSld>
+  <p:clrMap bg1="lt1" tx1="dk1" bg2="lt2" tx2="dk2" accent1="accent1" accent2="accent2" accent3="accent3" accent4="accent4" accent5="accent5" accent6="accent6" hlink="hlink" folHlink="folHlink"/>
+  <p:notesStyle>
+    <a:lvl1pPr marL="0" algn="l" defTabSz="914400" rtl="0" eaLnBrk="1" latinLnBrk="1" hangingPunct="1">
+      <a:defRPr sz="1200" kern="1200">
+        <a:solidFill>
+          <a:schemeClr val="tx1"/>
+        </a:solidFill>
+        <a:latin typeface="+mn-lt"/>
+        <a:ea typeface="+mn-ea"/>
+        <a:cs typeface="+mn-cs"/>
+      </a:defRPr>
+    </a:lvl1pPr>
+    <a:lvl2pPr marL="457200" algn="l" defTabSz="914400" rtl="0" eaLnBrk="1" latinLnBrk="1" hangingPunct="1">
+      <a:defRPr sz="1200" kern="1200">
+        <a:solidFill>
+          <a:schemeClr val="tx1"/>
+        </a:solidFill>
+        <a:latin typeface="+mn-lt"/>
+        <a:ea typeface="+mn-ea"/>
+        <a:cs typeface="+mn-cs"/>
+      </a:defRPr>
+    </a:lvl2pPr>
+    <a:lvl3pPr marL="914400" algn="l" defTabSz="914400" rtl="0" eaLnBrk="1" latinLnBrk="1" hangingPunct="1">
+      <a:defRPr sz="1200" kern="1200">
+        <a:solidFill>
+          <a:schemeClr val="tx1"/>
+        </a:solidFill>
+        <a:latin typeface="+mn-lt"/>
+        <a:ea typeface="+mn-ea"/>
+        <a:cs typeface="+mn-cs"/>
+      </a:defRPr>
+    </a:lvl3pPr>
+    <a:lvl4pPr marL="1371600" algn="l" defTabSz="914400" rtl="0" eaLnBrk="1" latinLnBrk="1" hangingPunct="1">
+      <a:defRPr sz="1200" kern="1200">
+        <a:solidFill>
+          <a:schemeClr val="tx1"/>
+        </a:solidFill>
+        <a:latin typeface="+mn-lt"/>
+        <a:ea typeface="+mn-ea"/>
+        <a:cs typeface="+mn-cs"/>
+      </a:defRPr>
+    </a:lvl4pPr>
+    <a:lvl5pPr marL="1828800" algn="l" defTabSz="914400" rtl="0" eaLnBrk="1" latinLnBrk="1" hangingPunct="1">
+      <a:defRPr sz="1200" kern="1200">
+        <a:solidFill>
+          <a:schemeClr val="tx1"/>
+        </a:solidFill>
+        <a:latin typeface="+mn-lt"/>
+        <a:ea typeface="+mn-ea"/>
+        <a:cs typeface="+mn-cs"/>
+      </a:defRPr>
+    </a:lvl5pPr>
+    <a:lvl6pPr marL="2286000" algn="l" defTabSz="914400" rtl="0" eaLnBrk="1" latinLnBrk="1" hangingPunct="1">
+      <a:defRPr sz="1200" kern="1200">
+        <a:solidFill>
+          <a:schemeClr val="tx1"/>
+        </a:solidFill>
+        <a:latin typeface="+mn-lt"/>
+        <a:ea typeface="+mn-ea"/>
+        <a:cs typeface="+mn-cs"/>
+      </a:defRPr>
+    </a:lvl6pPr>
+    <a:lvl7pPr marL="2743200" algn="l" defTabSz="914400" rtl="0" eaLnBrk="1" latinLnBrk="1" hangingPunct="1">
+      <a:defRPr sz="1200" kern="1200">
+        <a:solidFill>
+          <a:schemeClr val="tx1"/>
+        </a:solidFill>
+        <a:latin typeface="+mn-lt"/>
+        <a:ea typeface="+mn-ea"/>
+        <a:cs typeface="+mn-cs"/>
+      </a:defRPr>
+    </a:lvl7pPr>
+    <a:lvl8pPr marL="3200400" algn="l" defTabSz="914400" rtl="0" eaLnBrk="1" latinLnBrk="1" hangingPunct="1">
+      <a:defRPr sz="1200" kern="1200">
+        <a:solidFill>
+          <a:schemeClr val="tx1"/>
+        </a:solidFill>
+        <a:latin typeface="+mn-lt"/>
+        <a:ea typeface="+mn-ea"/>
+        <a:cs typeface="+mn-cs"/>
+      </a:defRPr>
+    </a:lvl8pPr>
+    <a:lvl9pPr marL="3657600" algn="l" defTabSz="914400" rtl="0" eaLnBrk="1" latinLnBrk="1" hangingPunct="1">
+      <a:defRPr sz="1200" kern="1200">
+        <a:solidFill>
+          <a:schemeClr val="tx1"/>
+        </a:solidFill>
+        <a:latin typeface="+mn-lt"/>
+        <a:ea typeface="+mn-ea"/>
+        <a:cs typeface="+mn-cs"/>
+      </a:defRPr>
+    </a:lvl9pPr>
+  </p:notesStyle>
+</p:notesMaster>
+</file>
+
+<file path=ppt/notesSlides/notesSlide1.xml><?xml version="1.0" encoding="utf-8"?>
+<p:notes xmlns:a="http://schemas.openxmlformats.org/drawingml/2006/main" xmlns:r="http://schemas.openxmlformats.org/officeDocument/2006/relationships" xmlns:p="http://schemas.openxmlformats.org/presentationml/2006/main">
+  <p:cSld>
+    <p:spTree>
+      <p:nvGrpSpPr>
+        <p:cNvPr id="1" name=""/>
+        <p:cNvGrpSpPr/>
+        <p:nvPr/>
+      </p:nvGrpSpPr>
+      <p:grpSpPr>
+        <a:xfrm>
+          <a:off x="0" y="0"/>
+          <a:ext cx="0" cy="0"/>
+          <a:chOff x="0" y="0"/>
+          <a:chExt cx="0" cy="0"/>
+        </a:xfrm>
+      </p:grpSpPr>
+      <p:sp>
+        <p:nvSpPr>
+          <p:cNvPr id="2" name="슬라이드 이미지 개체 틀 1"/>
+          <p:cNvSpPr>
+            <a:spLocks noGrp="1" noRot="1" noChangeAspect="1"/>
+          </p:cNvSpPr>
+          <p:nvPr>
+            <p:ph type="sldImg"/>
+          </p:nvPr>
+        </p:nvSpPr>
+        <p:spPr/>
+      </p:sp>
+      <p:sp>
+        <p:nvSpPr>
+          <p:cNvPr id="3" name="슬라이드 노트 개체 틀 2"/>
+          <p:cNvSpPr>
+            <a:spLocks noGrp="1"/>
+          </p:cNvSpPr>
+          <p:nvPr>
+            <p:ph type="body" idx="1"/>
+          </p:nvPr>
+        </p:nvSpPr>
+        <p:spPr/>
+        <p:txBody>
+          <a:bodyPr/>
+          <a:lstStyle/>
+          <a:p>
+            <a:endParaRPr lang="ko-KR" altLang="en-US" dirty="0"/>
+          </a:p>
+        </p:txBody>
+      </p:sp>
+      <p:sp>
+        <p:nvSpPr>
+          <p:cNvPr id="4" name="슬라이드 번호 개체 틀 3"/>
+          <p:cNvSpPr>
+            <a:spLocks noGrp="1"/>
+          </p:cNvSpPr>
+          <p:nvPr>
+            <p:ph type="sldNum" sz="quarter" idx="5"/>
+          </p:nvPr>
+        </p:nvSpPr>
+        <p:spPr/>
+        <p:txBody>
+          <a:bodyPr/>
+          <a:lstStyle/>
+          <a:p>
+            <a:fld id="{5C89D12D-55F5-4BD8-91FA-E7EC646B62F7}" type="slidenum">
+              <a:rPr lang="ko-KR" altLang="en-US" smtClean="0"/>
+              <a:t>8</a:t>
+            </a:fld>
+            <a:endParaRPr lang="ko-KR" altLang="en-US"/>
+          </a:p>
+        </p:txBody>
+      </p:sp>
+    </p:spTree>
+    <p:extLst>
+      <p:ext uri="{BB962C8B-B14F-4D97-AF65-F5344CB8AC3E}">
+        <p14:creationId xmlns:p14="http://schemas.microsoft.com/office/powerpoint/2010/main" val="2544525516"/>
+      </p:ext>
+    </p:extLst>
+  </p:cSld>
+  <p:clrMapOvr>
+    <a:masterClrMapping/>
+  </p:clrMapOvr>
+</p:notes>
+</file>
+
 <file path=ppt/slideLayouts/slideLayout1.xml><?xml version="1.0" encoding="utf-8"?>
 <p:sldLayout xmlns:a="http://schemas.openxmlformats.org/drawingml/2006/main" xmlns:r="http://schemas.openxmlformats.org/officeDocument/2006/relationships" xmlns:p="http://schemas.openxmlformats.org/presentationml/2006/main" type="title" preserve="1">
   <p:cSld name="제목 슬라이드">
@@ -291,7 +727,7 @@
           <a:p>
             <a:fld id="{DFC765C5-6852-43C5-8B75-F362625B4446}" type="datetimeFigureOut">
               <a:rPr lang="ko-KR" altLang="en-US" smtClean="0"/>
-              <a:t>2023-12-11</a:t>
+              <a:t>2024-06-26</a:t>
             </a:fld>
             <a:endParaRPr lang="ko-KR" altLang="en-US"/>
           </a:p>
@@ -459,7 +895,7 @@
           <a:p>
             <a:fld id="{DFC765C5-6852-43C5-8B75-F362625B4446}" type="datetimeFigureOut">
               <a:rPr lang="ko-KR" altLang="en-US" smtClean="0"/>
-              <a:t>2023-12-11</a:t>
+              <a:t>2024-06-26</a:t>
             </a:fld>
             <a:endParaRPr lang="ko-KR" altLang="en-US"/>
           </a:p>
@@ -637,7 +1073,7 @@
           <a:p>
             <a:fld id="{DFC765C5-6852-43C5-8B75-F362625B4446}" type="datetimeFigureOut">
               <a:rPr lang="ko-KR" altLang="en-US" smtClean="0"/>
-              <a:t>2023-12-11</a:t>
+              <a:t>2024-06-26</a:t>
             </a:fld>
             <a:endParaRPr lang="ko-KR" altLang="en-US"/>
           </a:p>
@@ -805,7 +1241,7 @@
           <a:p>
             <a:fld id="{DFC765C5-6852-43C5-8B75-F362625B4446}" type="datetimeFigureOut">
               <a:rPr lang="ko-KR" altLang="en-US" smtClean="0"/>
-              <a:t>2023-12-11</a:t>
+              <a:t>2024-06-26</a:t>
             </a:fld>
             <a:endParaRPr lang="ko-KR" altLang="en-US"/>
           </a:p>
@@ -1050,7 +1486,7 @@
           <a:p>
             <a:fld id="{DFC765C5-6852-43C5-8B75-F362625B4446}" type="datetimeFigureOut">
               <a:rPr lang="ko-KR" altLang="en-US" smtClean="0"/>
-              <a:t>2023-12-11</a:t>
+              <a:t>2024-06-26</a:t>
             </a:fld>
             <a:endParaRPr lang="ko-KR" altLang="en-US"/>
           </a:p>
@@ -1279,7 +1715,7 @@
           <a:p>
             <a:fld id="{DFC765C5-6852-43C5-8B75-F362625B4446}" type="datetimeFigureOut">
               <a:rPr lang="ko-KR" altLang="en-US" smtClean="0"/>
-              <a:t>2023-12-11</a:t>
+              <a:t>2024-06-26</a:t>
             </a:fld>
             <a:endParaRPr lang="ko-KR" altLang="en-US"/>
           </a:p>
@@ -1643,7 +2079,7 @@
           <a:p>
             <a:fld id="{DFC765C5-6852-43C5-8B75-F362625B4446}" type="datetimeFigureOut">
               <a:rPr lang="ko-KR" altLang="en-US" smtClean="0"/>
-              <a:t>2023-12-11</a:t>
+              <a:t>2024-06-26</a:t>
             </a:fld>
             <a:endParaRPr lang="ko-KR" altLang="en-US"/>
           </a:p>
@@ -1760,7 +2196,7 @@
           <a:p>
             <a:fld id="{DFC765C5-6852-43C5-8B75-F362625B4446}" type="datetimeFigureOut">
               <a:rPr lang="ko-KR" altLang="en-US" smtClean="0"/>
-              <a:t>2023-12-11</a:t>
+              <a:t>2024-06-26</a:t>
             </a:fld>
             <a:endParaRPr lang="ko-KR" altLang="en-US"/>
           </a:p>
@@ -1855,7 +2291,7 @@
           <a:p>
             <a:fld id="{DFC765C5-6852-43C5-8B75-F362625B4446}" type="datetimeFigureOut">
               <a:rPr lang="ko-KR" altLang="en-US" smtClean="0"/>
-              <a:t>2023-12-11</a:t>
+              <a:t>2024-06-26</a:t>
             </a:fld>
             <a:endParaRPr lang="ko-KR" altLang="en-US"/>
           </a:p>
@@ -2130,7 +2566,7 @@
           <a:p>
             <a:fld id="{DFC765C5-6852-43C5-8B75-F362625B4446}" type="datetimeFigureOut">
               <a:rPr lang="ko-KR" altLang="en-US" smtClean="0"/>
-              <a:t>2023-12-11</a:t>
+              <a:t>2024-06-26</a:t>
             </a:fld>
             <a:endParaRPr lang="ko-KR" altLang="en-US"/>
           </a:p>
@@ -2382,7 +2818,7 @@
           <a:p>
             <a:fld id="{DFC765C5-6852-43C5-8B75-F362625B4446}" type="datetimeFigureOut">
               <a:rPr lang="ko-KR" altLang="en-US" smtClean="0"/>
-              <a:t>2023-12-11</a:t>
+              <a:t>2024-06-26</a:t>
             </a:fld>
             <a:endParaRPr lang="ko-KR" altLang="en-US"/>
           </a:p>
@@ -2593,7 +3029,7 @@
           <a:p>
             <a:fld id="{DFC765C5-6852-43C5-8B75-F362625B4446}" type="datetimeFigureOut">
               <a:rPr lang="ko-KR" altLang="en-US" smtClean="0"/>
-              <a:t>2023-12-11</a:t>
+              <a:t>2024-06-26</a:t>
             </a:fld>
             <a:endParaRPr lang="ko-KR" altLang="en-US"/>
           </a:p>
@@ -14044,4 +14480,319 @@
     </a:ext>
   </a:extLst>
 </a:theme>
+</file>
+
+<file path=ppt/theme/theme2.xml><?xml version="1.0" encoding="utf-8"?>
+<a:theme xmlns:a="http://schemas.openxmlformats.org/drawingml/2006/main" name="Office 테마">
+  <a:themeElements>
+    <a:clrScheme name="Office">
+      <a:dk1>
+        <a:sysClr val="windowText" lastClr="000000"/>
+      </a:dk1>
+      <a:lt1>
+        <a:sysClr val="window" lastClr="FFFFFF"/>
+      </a:lt1>
+      <a:dk2>
+        <a:srgbClr val="0E2841"/>
+      </a:dk2>
+      <a:lt2>
+        <a:srgbClr val="E8E8E8"/>
+      </a:lt2>
+      <a:accent1>
+        <a:srgbClr val="156082"/>
+      </a:accent1>
+      <a:accent2>
+        <a:srgbClr val="E97132"/>
+      </a:accent2>
+      <a:accent3>
+        <a:srgbClr val="196B24"/>
+      </a:accent3>
+      <a:accent4>
+        <a:srgbClr val="0F9ED5"/>
+      </a:accent4>
+      <a:accent5>
+        <a:srgbClr val="A02B93"/>
+      </a:accent5>
+      <a:accent6>
+        <a:srgbClr val="4EA72E"/>
+      </a:accent6>
+      <a:hlink>
+        <a:srgbClr val="467886"/>
+      </a:hlink>
+      <a:folHlink>
+        <a:srgbClr val="96607D"/>
+      </a:folHlink>
+    </a:clrScheme>
+    <a:fontScheme name="Office">
+      <a:majorFont>
+        <a:latin typeface="맑은 고딕" panose="02110004020202020204"/>
+        <a:ea typeface=""/>
+        <a:cs typeface=""/>
+        <a:font script="Jpan" typeface="游ゴシック Light"/>
+        <a:font script="Hang" typeface="맑은 고딕"/>
+        <a:font script="Hans" typeface="等线 Light"/>
+        <a:font script="Hant" typeface="新細明體"/>
+        <a:font script="Arab" typeface="Times New Roman"/>
+        <a:font script="Hebr" typeface="Times New Roman"/>
+        <a:font script="Thai" typeface="Angsana New"/>
+        <a:font script="Ethi" typeface="Nyala"/>
+        <a:font script="Beng" typeface="Vrinda"/>
+        <a:font script="Gujr" typeface="Shruti"/>
+        <a:font script="Khmr" typeface="MoolBoran"/>
+        <a:font script="Knda" typeface="Tunga"/>
+        <a:font script="Guru" typeface="Raavi"/>
+        <a:font script="Cans" typeface="Euphemia"/>
+        <a:font script="Cher" typeface="Plantagenet Cherokee"/>
+        <a:font script="Yiii" typeface="Microsoft Yi Baiti"/>
+        <a:font script="Tibt" typeface="Microsoft Himalaya"/>
+        <a:font script="Thaa" typeface="MV Boli"/>
+        <a:font script="Deva" typeface="Mangal"/>
+        <a:font script="Telu" typeface="Gautami"/>
+        <a:font script="Taml" typeface="Latha"/>
+        <a:font script="Syrc" typeface="Estrangelo Edessa"/>
+        <a:font script="Orya" typeface="Kalinga"/>
+        <a:font script="Mlym" typeface="Kartika"/>
+        <a:font script="Laoo" typeface="DokChampa"/>
+        <a:font script="Sinh" typeface="Iskoola Pota"/>
+        <a:font script="Mong" typeface="Mongolian Baiti"/>
+        <a:font script="Viet" typeface="Times New Roman"/>
+        <a:font script="Uigh" typeface="Microsoft Uighur"/>
+        <a:font script="Geor" typeface="Sylfaen"/>
+        <a:font script="Armn" typeface="Arial"/>
+        <a:font script="Bugi" typeface="Leelawadee UI"/>
+        <a:font script="Bopo" typeface="Microsoft JhengHei"/>
+        <a:font script="Java" typeface="Javanese Text"/>
+        <a:font script="Lisu" typeface="Segoe UI"/>
+        <a:font script="Mymr" typeface="Myanmar Text"/>
+        <a:font script="Nkoo" typeface="Ebrima"/>
+        <a:font script="Olck" typeface="Nirmala UI"/>
+        <a:font script="Osma" typeface="Ebrima"/>
+        <a:font script="Phag" typeface="Phagspa"/>
+        <a:font script="Syrn" typeface="Estrangelo Edessa"/>
+        <a:font script="Syrj" typeface="Estrangelo Edessa"/>
+        <a:font script="Syre" typeface="Estrangelo Edessa"/>
+        <a:font script="Sora" typeface="Nirmala UI"/>
+        <a:font script="Tale" typeface="Microsoft Tai Le"/>
+        <a:font script="Talu" typeface="Microsoft New Tai Lue"/>
+        <a:font script="Tfng" typeface="Ebrima"/>
+      </a:majorFont>
+      <a:minorFont>
+        <a:latin typeface="맑은 고딕" panose="02110004020202020204"/>
+        <a:ea typeface=""/>
+        <a:cs typeface=""/>
+        <a:font script="Jpan" typeface="游ゴシック"/>
+        <a:font script="Hang" typeface="맑은 고딕"/>
+        <a:font script="Hans" typeface="等线"/>
+        <a:font script="Hant" typeface="新細明體"/>
+        <a:font script="Arab" typeface="Arial"/>
+        <a:font script="Hebr" typeface="Arial"/>
+        <a:font script="Thai" typeface="Cordia New"/>
+        <a:font script="Ethi" typeface="Nyala"/>
+        <a:font script="Beng" typeface="Vrinda"/>
+        <a:font script="Gujr" typeface="Shruti"/>
+        <a:font script="Khmr" typeface="DaunPenh"/>
+        <a:font script="Knda" typeface="Tunga"/>
+        <a:font script="Guru" typeface="Raavi"/>
+        <a:font script="Cans" typeface="Euphemia"/>
+        <a:font script="Cher" typeface="Plantagenet Cherokee"/>
+        <a:font script="Yiii" typeface="Microsoft Yi Baiti"/>
+        <a:font script="Tibt" typeface="Microsoft Himalaya"/>
+        <a:font script="Thaa" typeface="MV Boli"/>
+        <a:font script="Deva" typeface="Mangal"/>
+        <a:font script="Telu" typeface="Gautami"/>
+        <a:font script="Taml" typeface="Latha"/>
+        <a:font script="Syrc" typeface="Estrangelo Edessa"/>
+        <a:font script="Orya" typeface="Kalinga"/>
+        <a:font script="Mlym" typeface="Kartika"/>
+        <a:font script="Laoo" typeface="DokChampa"/>
+        <a:font script="Sinh" typeface="Iskoola Pota"/>
+        <a:font script="Mong" typeface="Mongolian Baiti"/>
+        <a:font script="Viet" typeface="Arial"/>
+        <a:font script="Uigh" typeface="Microsoft Uighur"/>
+        <a:font script="Geor" typeface="Sylfaen"/>
+        <a:font script="Armn" typeface="Arial"/>
+        <a:font script="Bugi" typeface="Leelawadee UI"/>
+        <a:font script="Bopo" typeface="Microsoft JhengHei"/>
+        <a:font script="Java" typeface="Javanese Text"/>
+        <a:font script="Lisu" typeface="Segoe UI"/>
+        <a:font script="Mymr" typeface="Myanmar Text"/>
+        <a:font script="Nkoo" typeface="Ebrima"/>
+        <a:font script="Olck" typeface="Nirmala UI"/>
+        <a:font script="Osma" typeface="Ebrima"/>
+        <a:font script="Phag" typeface="Phagspa"/>
+        <a:font script="Syrn" typeface="Estrangelo Edessa"/>
+        <a:font script="Syrj" typeface="Estrangelo Edessa"/>
+        <a:font script="Syre" typeface="Estrangelo Edessa"/>
+        <a:font script="Sora" typeface="Nirmala UI"/>
+        <a:font script="Tale" typeface="Microsoft Tai Le"/>
+        <a:font script="Talu" typeface="Microsoft New Tai Lue"/>
+        <a:font script="Tfng" typeface="Ebrima"/>
+      </a:minorFont>
+    </a:fontScheme>
+    <a:fmtScheme name="Office">
+      <a:fillStyleLst>
+        <a:solidFill>
+          <a:schemeClr val="phClr"/>
+        </a:solidFill>
+        <a:gradFill rotWithShape="1">
+          <a:gsLst>
+            <a:gs pos="0">
+              <a:schemeClr val="phClr">
+                <a:lumMod val="110000"/>
+                <a:satMod val="105000"/>
+                <a:tint val="67000"/>
+              </a:schemeClr>
+            </a:gs>
+            <a:gs pos="50000">
+              <a:schemeClr val="phClr">
+                <a:lumMod val="105000"/>
+                <a:satMod val="103000"/>
+                <a:tint val="73000"/>
+              </a:schemeClr>
+            </a:gs>
+            <a:gs pos="100000">
+              <a:schemeClr val="phClr">
+                <a:lumMod val="105000"/>
+                <a:satMod val="109000"/>
+                <a:tint val="81000"/>
+              </a:schemeClr>
+            </a:gs>
+          </a:gsLst>
+          <a:lin ang="5400000" scaled="0"/>
+        </a:gradFill>
+        <a:gradFill rotWithShape="1">
+          <a:gsLst>
+            <a:gs pos="0">
+              <a:schemeClr val="phClr">
+                <a:satMod val="103000"/>
+                <a:lumMod val="102000"/>
+                <a:tint val="94000"/>
+              </a:schemeClr>
+            </a:gs>
+            <a:gs pos="50000">
+              <a:schemeClr val="phClr">
+                <a:satMod val="110000"/>
+                <a:lumMod val="100000"/>
+                <a:shade val="100000"/>
+              </a:schemeClr>
+            </a:gs>
+            <a:gs pos="100000">
+              <a:schemeClr val="phClr">
+                <a:lumMod val="99000"/>
+                <a:satMod val="120000"/>
+                <a:shade val="78000"/>
+              </a:schemeClr>
+            </a:gs>
+          </a:gsLst>
+          <a:lin ang="5400000" scaled="0"/>
+        </a:gradFill>
+      </a:fillStyleLst>
+      <a:lnStyleLst>
+        <a:ln w="12700" cap="flat" cmpd="sng" algn="ctr">
+          <a:solidFill>
+            <a:schemeClr val="phClr"/>
+          </a:solidFill>
+          <a:prstDash val="solid"/>
+          <a:miter lim="800000"/>
+        </a:ln>
+        <a:ln w="19050" cap="flat" cmpd="sng" algn="ctr">
+          <a:solidFill>
+            <a:schemeClr val="phClr"/>
+          </a:solidFill>
+          <a:prstDash val="solid"/>
+          <a:miter lim="800000"/>
+        </a:ln>
+        <a:ln w="25400" cap="flat" cmpd="sng" algn="ctr">
+          <a:solidFill>
+            <a:schemeClr val="phClr"/>
+          </a:solidFill>
+          <a:prstDash val="solid"/>
+          <a:miter lim="800000"/>
+        </a:ln>
+      </a:lnStyleLst>
+      <a:effectStyleLst>
+        <a:effectStyle>
+          <a:effectLst/>
+        </a:effectStyle>
+        <a:effectStyle>
+          <a:effectLst/>
+        </a:effectStyle>
+        <a:effectStyle>
+          <a:effectLst>
+            <a:outerShdw blurRad="57150" dist="19050" dir="5400000" algn="ctr" rotWithShape="0">
+              <a:srgbClr val="000000">
+                <a:alpha val="63000"/>
+              </a:srgbClr>
+            </a:outerShdw>
+          </a:effectLst>
+        </a:effectStyle>
+      </a:effectStyleLst>
+      <a:bgFillStyleLst>
+        <a:solidFill>
+          <a:schemeClr val="phClr"/>
+        </a:solidFill>
+        <a:solidFill>
+          <a:schemeClr val="phClr">
+            <a:tint val="95000"/>
+            <a:satMod val="170000"/>
+          </a:schemeClr>
+        </a:solidFill>
+        <a:gradFill rotWithShape="1">
+          <a:gsLst>
+            <a:gs pos="0">
+              <a:schemeClr val="phClr">
+                <a:tint val="93000"/>
+                <a:satMod val="150000"/>
+                <a:shade val="98000"/>
+                <a:lumMod val="102000"/>
+              </a:schemeClr>
+            </a:gs>
+            <a:gs pos="50000">
+              <a:schemeClr val="phClr">
+                <a:tint val="98000"/>
+                <a:satMod val="130000"/>
+                <a:shade val="90000"/>
+                <a:lumMod val="103000"/>
+              </a:schemeClr>
+            </a:gs>
+            <a:gs pos="100000">
+              <a:schemeClr val="phClr">
+                <a:shade val="63000"/>
+                <a:satMod val="120000"/>
+              </a:schemeClr>
+            </a:gs>
+          </a:gsLst>
+          <a:lin ang="5400000" scaled="0"/>
+        </a:gradFill>
+      </a:bgFillStyleLst>
+    </a:fmtScheme>
+  </a:themeElements>
+  <a:objectDefaults>
+    <a:lnDef>
+      <a:spPr/>
+      <a:bodyPr/>
+      <a:lstStyle/>
+      <a:style>
+        <a:lnRef idx="2">
+          <a:schemeClr val="accent1"/>
+        </a:lnRef>
+        <a:fillRef idx="0">
+          <a:schemeClr val="accent1"/>
+        </a:fillRef>
+        <a:effectRef idx="1">
+          <a:schemeClr val="accent1"/>
+        </a:effectRef>
+        <a:fontRef idx="minor">
+          <a:schemeClr val="tx1"/>
+        </a:fontRef>
+      </a:style>
+    </a:lnDef>
+  </a:objectDefaults>
+  <a:extraClrSchemeLst/>
+  <a:extLst>
+    <a:ext uri="{05A4C25C-085E-4340-85A3-A5531E510DB2}">
+      <thm15:themeFamily xmlns:thm15="http://schemas.microsoft.com/office/thememl/2012/main" name="Office Theme" id="{2E142A2C-CD16-42D6-873A-C26D2A0506FA}" vid="{1BDDFF52-6CD6-40A5-AB3C-68EB2F1E4D0A}"/>
+    </a:ext>
+  </a:extLst>
+</a:theme>
 </file>
--- a/notes/IoC.pptx
+++ b/notes/IoC.pptx
@@ -247,7 +247,7 @@
           <a:p>
             <a:fld id="{C43FDFFC-4157-4789-B17D-39F4816026EB}" type="datetimeFigureOut">
               <a:rPr lang="ko-KR" altLang="en-US" smtClean="0"/>
-              <a:t>2024-06-26</a:t>
+              <a:t>2024-06-29</a:t>
             </a:fld>
             <a:endParaRPr lang="ko-KR" altLang="en-US"/>
           </a:p>
@@ -558,7 +558,85 @@
           <a:bodyPr/>
           <a:lstStyle/>
           <a:p>
-            <a:endParaRPr lang="ko-KR" altLang="en-US" dirty="0"/>
+            <a:r>
+              <a:rPr lang="en-US" altLang="ko-KR" dirty="0"/>
+              <a:t>IoC(Inversion</a:t>
+            </a:r>
+            <a:r>
+              <a:rPr lang="ko-KR" altLang="en-US" dirty="0"/>
+              <a:t> </a:t>
+            </a:r>
+            <a:r>
+              <a:rPr lang="en-US" altLang="ko-KR" dirty="0"/>
+              <a:t>of</a:t>
+            </a:r>
+            <a:r>
+              <a:rPr lang="ko-KR" altLang="en-US" dirty="0"/>
+              <a:t> </a:t>
+            </a:r>
+            <a:r>
+              <a:rPr lang="en-US" altLang="ko-KR" dirty="0"/>
+              <a:t>Control)</a:t>
+            </a:r>
+          </a:p>
+          <a:p>
+            <a:r>
+              <a:rPr lang="ko-KR" altLang="en-US" dirty="0" err="1"/>
+              <a:t>역제어</a:t>
+            </a:r>
+            <a:r>
+              <a:rPr lang="ko-KR" altLang="en-US" dirty="0"/>
+              <a:t> </a:t>
+            </a:r>
+            <a:r>
+              <a:rPr lang="en-US" altLang="ko-KR" dirty="0"/>
+              <a:t>– </a:t>
+            </a:r>
+            <a:r>
+              <a:rPr lang="ko-KR" altLang="en-US" dirty="0"/>
+              <a:t>무엇에 대한 제어</a:t>
+            </a:r>
+            <a:r>
+              <a:rPr lang="en-US" altLang="ko-KR" dirty="0"/>
+              <a:t>? </a:t>
+            </a:r>
+            <a:r>
+              <a:rPr lang="ko-KR" altLang="en-US" dirty="0"/>
+              <a:t> 객체에 대한 제어</a:t>
+            </a:r>
+            <a:r>
+              <a:rPr lang="en-US" altLang="ko-KR" dirty="0"/>
+              <a:t>. </a:t>
+            </a:r>
+          </a:p>
+          <a:p>
+            <a:endParaRPr lang="en-US" altLang="ko-KR" dirty="0"/>
+          </a:p>
+          <a:p>
+            <a:r>
+              <a:rPr lang="ko-KR" altLang="en-US" dirty="0"/>
+              <a:t>객체 제어 </a:t>
+            </a:r>
+            <a:r>
+              <a:rPr lang="en-US" altLang="ko-KR" dirty="0"/>
+              <a:t>: </a:t>
+            </a:r>
+            <a:r>
+              <a:rPr lang="ko-KR" altLang="en-US" dirty="0"/>
+              <a:t>생성</a:t>
+            </a:r>
+            <a:r>
+              <a:rPr lang="en-US" altLang="ko-KR" dirty="0"/>
+              <a:t>(new), </a:t>
+            </a:r>
+            <a:r>
+              <a:rPr lang="ko-KR" altLang="en-US" dirty="0"/>
+              <a:t>의존관계</a:t>
+            </a:r>
+            <a:r>
+              <a:rPr lang="en-US" altLang="ko-KR" dirty="0"/>
+              <a:t>(dependency)</a:t>
+            </a:r>
           </a:p>
         </p:txBody>
       </p:sp>
@@ -727,7 +805,7 @@
           <a:p>
             <a:fld id="{DFC765C5-6852-43C5-8B75-F362625B4446}" type="datetimeFigureOut">
               <a:rPr lang="ko-KR" altLang="en-US" smtClean="0"/>
-              <a:t>2024-06-26</a:t>
+              <a:t>2024-06-29</a:t>
             </a:fld>
             <a:endParaRPr lang="ko-KR" altLang="en-US"/>
           </a:p>
@@ -895,7 +973,7 @@
           <a:p>
             <a:fld id="{DFC765C5-6852-43C5-8B75-F362625B4446}" type="datetimeFigureOut">
               <a:rPr lang="ko-KR" altLang="en-US" smtClean="0"/>
-              <a:t>2024-06-26</a:t>
+              <a:t>2024-06-29</a:t>
             </a:fld>
             <a:endParaRPr lang="ko-KR" altLang="en-US"/>
           </a:p>
@@ -1073,7 +1151,7 @@
           <a:p>
             <a:fld id="{DFC765C5-6852-43C5-8B75-F362625B4446}" type="datetimeFigureOut">
               <a:rPr lang="ko-KR" altLang="en-US" smtClean="0"/>
-              <a:t>2024-06-26</a:t>
+              <a:t>2024-06-29</a:t>
             </a:fld>
             <a:endParaRPr lang="ko-KR" altLang="en-US"/>
           </a:p>
@@ -1241,7 +1319,7 @@
           <a:p>
             <a:fld id="{DFC765C5-6852-43C5-8B75-F362625B4446}" type="datetimeFigureOut">
               <a:rPr lang="ko-KR" altLang="en-US" smtClean="0"/>
-              <a:t>2024-06-26</a:t>
+              <a:t>2024-06-29</a:t>
             </a:fld>
             <a:endParaRPr lang="ko-KR" altLang="en-US"/>
           </a:p>
@@ -1486,7 +1564,7 @@
           <a:p>
             <a:fld id="{DFC765C5-6852-43C5-8B75-F362625B4446}" type="datetimeFigureOut">
               <a:rPr lang="ko-KR" altLang="en-US" smtClean="0"/>
-              <a:t>2024-06-26</a:t>
+              <a:t>2024-06-29</a:t>
             </a:fld>
             <a:endParaRPr lang="ko-KR" altLang="en-US"/>
           </a:p>
@@ -1715,7 +1793,7 @@
           <a:p>
             <a:fld id="{DFC765C5-6852-43C5-8B75-F362625B4446}" type="datetimeFigureOut">
               <a:rPr lang="ko-KR" altLang="en-US" smtClean="0"/>
-              <a:t>2024-06-26</a:t>
+              <a:t>2024-06-29</a:t>
             </a:fld>
             <a:endParaRPr lang="ko-KR" altLang="en-US"/>
           </a:p>
@@ -2079,7 +2157,7 @@
           <a:p>
             <a:fld id="{DFC765C5-6852-43C5-8B75-F362625B4446}" type="datetimeFigureOut">
               <a:rPr lang="ko-KR" altLang="en-US" smtClean="0"/>
-              <a:t>2024-06-26</a:t>
+              <a:t>2024-06-29</a:t>
             </a:fld>
             <a:endParaRPr lang="ko-KR" altLang="en-US"/>
           </a:p>
@@ -2196,7 +2274,7 @@
           <a:p>
             <a:fld id="{DFC765C5-6852-43C5-8B75-F362625B4446}" type="datetimeFigureOut">
               <a:rPr lang="ko-KR" altLang="en-US" smtClean="0"/>
-              <a:t>2024-06-26</a:t>
+              <a:t>2024-06-29</a:t>
             </a:fld>
             <a:endParaRPr lang="ko-KR" altLang="en-US"/>
           </a:p>
@@ -2291,7 +2369,7 @@
           <a:p>
             <a:fld id="{DFC765C5-6852-43C5-8B75-F362625B4446}" type="datetimeFigureOut">
               <a:rPr lang="ko-KR" altLang="en-US" smtClean="0"/>
-              <a:t>2024-06-26</a:t>
+              <a:t>2024-06-29</a:t>
             </a:fld>
             <a:endParaRPr lang="ko-KR" altLang="en-US"/>
           </a:p>
@@ -2566,7 +2644,7 @@
           <a:p>
             <a:fld id="{DFC765C5-6852-43C5-8B75-F362625B4446}" type="datetimeFigureOut">
               <a:rPr lang="ko-KR" altLang="en-US" smtClean="0"/>
-              <a:t>2024-06-26</a:t>
+              <a:t>2024-06-29</a:t>
             </a:fld>
             <a:endParaRPr lang="ko-KR" altLang="en-US"/>
           </a:p>
@@ -2818,7 +2896,7 @@
           <a:p>
             <a:fld id="{DFC765C5-6852-43C5-8B75-F362625B4446}" type="datetimeFigureOut">
               <a:rPr lang="ko-KR" altLang="en-US" smtClean="0"/>
-              <a:t>2024-06-26</a:t>
+              <a:t>2024-06-29</a:t>
             </a:fld>
             <a:endParaRPr lang="ko-KR" altLang="en-US"/>
           </a:p>
@@ -3029,7 +3107,7 @@
           <a:p>
             <a:fld id="{DFC765C5-6852-43C5-8B75-F362625B4446}" type="datetimeFigureOut">
               <a:rPr lang="ko-KR" altLang="en-US" smtClean="0"/>
-              <a:t>2024-06-26</a:t>
+              <a:t>2024-06-29</a:t>
             </a:fld>
             <a:endParaRPr lang="ko-KR" altLang="en-US"/>
           </a:p>
@@ -14112,36 +14190,91 @@
             </a:r>
           </a:p>
           <a:p>
+            <a:pPr lvl="2">
+              <a:buFontTx/>
+              <a:buChar char="-"/>
+            </a:pPr>
+            <a:r>
+              <a:rPr lang="ko-KR" altLang="en-US" dirty="0"/>
+              <a:t>라이프 사이클에 해당하는 </a:t>
+            </a:r>
+            <a:r>
+              <a:rPr lang="en-US" altLang="ko-KR" dirty="0"/>
+              <a:t>Callback </a:t>
+            </a:r>
+            <a:r>
+              <a:rPr lang="ko-KR" altLang="en-US" dirty="0"/>
+              <a:t>메소드들을 적절하게 재정의</a:t>
+            </a:r>
+            <a:r>
+              <a:rPr lang="en-US" altLang="ko-KR" dirty="0"/>
+              <a:t>(Overriding) </a:t>
+            </a:r>
+            <a:r>
+              <a:rPr lang="ko-KR" altLang="en-US" dirty="0"/>
+              <a:t>해야 한다</a:t>
+            </a:r>
+            <a:r>
+              <a:rPr lang="en-US" altLang="ko-KR" dirty="0"/>
+              <a:t>. </a:t>
+            </a:r>
+          </a:p>
+          <a:p>
+            <a:pPr lvl="2">
+              <a:buFontTx/>
+              <a:buChar char="-"/>
+            </a:pPr>
+            <a:endParaRPr lang="en-US" altLang="ko-KR" dirty="0"/>
+          </a:p>
+          <a:p>
+            <a:pPr lvl="2">
+              <a:buFontTx/>
+              <a:buChar char="-"/>
+            </a:pPr>
+            <a:endParaRPr lang="en-US" altLang="ko-KR" dirty="0"/>
+          </a:p>
+          <a:p>
             <a:pPr marL="914400" lvl="2" indent="0">
               <a:buNone/>
             </a:pPr>
             <a:r>
-              <a:rPr lang="en-US" altLang="ko-KR" dirty="0"/>
-              <a:t>- </a:t>
-            </a:r>
-            <a:r>
               <a:rPr lang="ko-KR" altLang="en-US" dirty="0"/>
-              <a:t>라이프 사이클에 해당하는 </a:t>
-            </a:r>
-            <a:r>
-              <a:rPr lang="en-US" altLang="ko-KR" dirty="0"/>
-              <a:t>Callback </a:t>
-            </a:r>
+              <a:t>구조가 복잡하다</a:t>
+            </a:r>
+            <a:endParaRPr lang="en-US" altLang="ko-KR" dirty="0"/>
+          </a:p>
+          <a:p>
+            <a:pPr marL="914400" lvl="2" indent="0">
+              <a:buNone/>
+            </a:pPr>
             <a:r>
               <a:rPr lang="ko-KR" altLang="en-US" dirty="0"/>
-              <a:t>메소드들을 적절하게 재정의</a:t>
-            </a:r>
-            <a:r>
-              <a:rPr lang="en-US" altLang="ko-KR" dirty="0"/>
-              <a:t>(Overriding) </a:t>
-            </a:r>
+              <a:t>메모리 사용이 많다</a:t>
+            </a:r>
+            <a:r>
+              <a:rPr lang="en-US" altLang="ko-KR" dirty="0"/>
+              <a:t>(+ J2EE Pattern)</a:t>
+            </a:r>
+          </a:p>
+          <a:p>
+            <a:pPr marL="914400" lvl="2" indent="0">
+              <a:buNone/>
+            </a:pPr>
             <a:r>
               <a:rPr lang="ko-KR" altLang="en-US" dirty="0"/>
-              <a:t>해야 한다</a:t>
-            </a:r>
-            <a:r>
-              <a:rPr lang="en-US" altLang="ko-KR" dirty="0"/>
-              <a:t>. </a:t>
+              <a:t>비싸다</a:t>
+            </a:r>
+            <a:r>
+              <a:rPr lang="en-US" altLang="ko-KR" dirty="0"/>
+              <a:t>(WAS-EJB </a:t>
+            </a:r>
+            <a:r>
+              <a:rPr lang="ko-KR" altLang="en-US" dirty="0"/>
+              <a:t>컨테이너</a:t>
+            </a:r>
+            <a:r>
+              <a:rPr lang="en-US" altLang="ko-KR" dirty="0"/>
+              <a:t>)</a:t>
             </a:r>
           </a:p>
         </p:txBody>

--- a/notes/IoC.pptx
+++ b/notes/IoC.pptx
@@ -637,6 +637,247 @@
               <a:rPr lang="en-US" altLang="ko-KR" dirty="0"/>
               <a:t>(dependency)</a:t>
             </a:r>
+          </a:p>
+          <a:p>
+            <a:endParaRPr lang="en-US" altLang="ko-KR" dirty="0"/>
+          </a:p>
+          <a:p>
+            <a:r>
+              <a:rPr lang="ko-KR" altLang="en-US" dirty="0" err="1"/>
+              <a:t>다형성</a:t>
+            </a:r>
+            <a:r>
+              <a:rPr lang="en-US" altLang="ko-KR" dirty="0"/>
+              <a:t>(polymorphism) = </a:t>
+            </a:r>
+            <a:r>
+              <a:rPr lang="ko-KR" altLang="en-US" dirty="0"/>
+              <a:t>상속 </a:t>
+            </a:r>
+            <a:r>
+              <a:rPr lang="en-US" altLang="ko-KR" dirty="0"/>
+              <a:t>+ </a:t>
+            </a:r>
+            <a:r>
+              <a:rPr lang="ko-KR" altLang="en-US" dirty="0"/>
+              <a:t>재정의</a:t>
+            </a:r>
+            <a:r>
+              <a:rPr lang="en-US" altLang="ko-KR" dirty="0"/>
+              <a:t>(overriding) + </a:t>
+            </a:r>
+            <a:r>
+              <a:rPr lang="ko-KR" altLang="en-US" dirty="0" err="1"/>
+              <a:t>형변환</a:t>
+            </a:r>
+            <a:endParaRPr lang="en-US" altLang="ko-KR" dirty="0"/>
+          </a:p>
+          <a:p>
+            <a:endParaRPr lang="en-US" altLang="ko-KR" dirty="0"/>
+          </a:p>
+          <a:p>
+            <a:r>
+              <a:rPr lang="ko-KR" altLang="en-US" dirty="0"/>
+              <a:t>순제어와 </a:t>
+            </a:r>
+            <a:r>
+              <a:rPr lang="ko-KR" altLang="en-US" dirty="0" err="1"/>
+              <a:t>역제어</a:t>
+            </a:r>
+            <a:endParaRPr lang="en-US" altLang="ko-KR" dirty="0"/>
+          </a:p>
+          <a:p>
+            <a:pPr marL="171450" indent="-171450">
+              <a:buFontTx/>
+              <a:buChar char="-"/>
+            </a:pPr>
+            <a:r>
+              <a:rPr lang="ko-KR" altLang="en-US" dirty="0" err="1"/>
+              <a:t>순제어</a:t>
+            </a:r>
+            <a:r>
+              <a:rPr lang="en-US" altLang="ko-KR" dirty="0"/>
+              <a:t> : </a:t>
+            </a:r>
+            <a:r>
+              <a:rPr lang="ko-KR" altLang="en-US" dirty="0"/>
+              <a:t>개발자가 객체에 대한 모든 생성과 정의를 결정한다</a:t>
+            </a:r>
+            <a:r>
+              <a:rPr lang="en-US" altLang="ko-KR" dirty="0"/>
+              <a:t>.</a:t>
+            </a:r>
+          </a:p>
+          <a:p>
+            <a:pPr marL="171450" indent="-171450">
+              <a:buFontTx/>
+              <a:buChar char="-"/>
+            </a:pPr>
+            <a:r>
+              <a:rPr lang="ko-KR" altLang="en-US" dirty="0" err="1"/>
+              <a:t>역제어</a:t>
+            </a:r>
+            <a:r>
+              <a:rPr lang="ko-KR" altLang="en-US" dirty="0"/>
+              <a:t> </a:t>
+            </a:r>
+            <a:r>
+              <a:rPr lang="en-US" altLang="ko-KR" dirty="0"/>
+              <a:t>: Container</a:t>
+            </a:r>
+            <a:r>
+              <a:rPr lang="ko-KR" altLang="en-US" dirty="0"/>
+              <a:t>의 도움을 받아서 객체를 관리한다</a:t>
+            </a:r>
+            <a:r>
+              <a:rPr lang="en-US" altLang="ko-KR" dirty="0"/>
+              <a:t>. </a:t>
+            </a:r>
+            <a:r>
+              <a:rPr lang="ko-KR" altLang="en-US" dirty="0"/>
+              <a:t>객체 생성의 주도권을 </a:t>
+            </a:r>
+            <a:r>
+              <a:rPr lang="en-US" altLang="ko-KR" dirty="0"/>
+              <a:t>Container</a:t>
+            </a:r>
+            <a:r>
+              <a:rPr lang="ko-KR" altLang="en-US" dirty="0"/>
+              <a:t>가 가져갔다</a:t>
+            </a:r>
+            <a:r>
+              <a:rPr lang="en-US" altLang="ko-KR" dirty="0"/>
+              <a:t>.</a:t>
+            </a:r>
+          </a:p>
+          <a:p>
+            <a:pPr marL="171450" indent="-171450">
+              <a:buFontTx/>
+              <a:buChar char="-"/>
+            </a:pPr>
+            <a:endParaRPr lang="en-US" altLang="ko-KR" dirty="0"/>
+          </a:p>
+          <a:p>
+            <a:pPr marL="0" indent="0">
+              <a:buFontTx/>
+              <a:buNone/>
+            </a:pPr>
+            <a:endParaRPr lang="en-US" altLang="ko-KR" dirty="0"/>
+          </a:p>
+          <a:p>
+            <a:pPr marL="0" indent="0">
+              <a:buFontTx/>
+              <a:buNone/>
+            </a:pPr>
+            <a:r>
+              <a:rPr lang="ko-KR" altLang="en-US" dirty="0"/>
+              <a:t>역제어가 뭐가 좋은데</a:t>
+            </a:r>
+            <a:r>
+              <a:rPr lang="en-US" altLang="ko-KR" dirty="0"/>
+              <a:t>?</a:t>
+            </a:r>
+          </a:p>
+          <a:p>
+            <a:pPr marL="0" indent="0">
+              <a:buFontTx/>
+              <a:buNone/>
+            </a:pPr>
+            <a:r>
+              <a:rPr lang="ko-KR" altLang="en-US" dirty="0"/>
+              <a:t>유지보수에서 자바 소스를 수정하지 않아도 된다</a:t>
+            </a:r>
+            <a:r>
+              <a:rPr lang="en-US" altLang="ko-KR" dirty="0"/>
+              <a:t>.</a:t>
+            </a:r>
+          </a:p>
+          <a:p>
+            <a:pPr marL="0" indent="0">
+              <a:buFontTx/>
+              <a:buNone/>
+            </a:pPr>
+            <a:endParaRPr lang="en-US" altLang="ko-KR" dirty="0"/>
+          </a:p>
+          <a:p>
+            <a:pPr marL="0" indent="0">
+              <a:buFontTx/>
+              <a:buNone/>
+            </a:pPr>
+            <a:endParaRPr lang="en-US" altLang="ko-KR" dirty="0"/>
+          </a:p>
+          <a:p>
+            <a:pPr marL="0" indent="0">
+              <a:buFontTx/>
+              <a:buNone/>
+            </a:pPr>
+            <a:r>
+              <a:rPr lang="ko-KR" altLang="en-US" dirty="0"/>
+              <a:t>그러면</a:t>
+            </a:r>
+            <a:r>
+              <a:rPr lang="en-US" altLang="ko-KR" dirty="0"/>
+              <a:t>… TV</a:t>
+            </a:r>
+            <a:r>
+              <a:rPr lang="ko-KR" altLang="en-US" dirty="0"/>
+              <a:t> 종류가 생길 때마다 또 </a:t>
+            </a:r>
+            <a:r>
+              <a:rPr lang="en-US" altLang="ko-KR" dirty="0"/>
+              <a:t>Container</a:t>
+            </a:r>
+            <a:r>
+              <a:rPr lang="ko-KR" altLang="en-US" dirty="0"/>
+              <a:t>를 수정해야 </a:t>
+            </a:r>
+            <a:r>
+              <a:rPr lang="ko-KR" altLang="en-US" dirty="0" err="1"/>
+              <a:t>하는거야</a:t>
+            </a:r>
+            <a:r>
+              <a:rPr lang="en-US" altLang="ko-KR" dirty="0"/>
+              <a:t>…?</a:t>
+            </a:r>
+          </a:p>
+          <a:p>
+            <a:pPr marL="0" indent="0">
+              <a:buFontTx/>
+              <a:buNone/>
+            </a:pPr>
+            <a:r>
+              <a:rPr lang="ko-KR" altLang="en-US" dirty="0"/>
+              <a:t>어떻게 수정하지 않을 수 있을까</a:t>
+            </a:r>
+            <a:r>
+              <a:rPr lang="en-US" altLang="ko-KR" dirty="0"/>
+              <a:t>? </a:t>
+            </a:r>
+            <a:r>
+              <a:rPr lang="ko-KR" altLang="en-US" dirty="0"/>
+              <a:t>그러면 </a:t>
+            </a:r>
+            <a:r>
+              <a:rPr lang="en-US" altLang="ko-KR" dirty="0"/>
+              <a:t>Spring</a:t>
+            </a:r>
+            <a:r>
+              <a:rPr lang="ko-KR" altLang="en-US" dirty="0"/>
+              <a:t>에서 제공하는 </a:t>
+            </a:r>
+            <a:r>
+              <a:rPr lang="en-US" altLang="ko-KR" dirty="0"/>
+              <a:t>Container</a:t>
+            </a:r>
+            <a:r>
+              <a:rPr lang="ko-KR" altLang="en-US" dirty="0"/>
+              <a:t>를 사용하면 된다</a:t>
+            </a:r>
+            <a:r>
+              <a:rPr lang="en-US" altLang="ko-KR"/>
+              <a:t>.</a:t>
+            </a:r>
+            <a:endParaRPr lang="en-US" altLang="ko-KR" dirty="0"/>
           </a:p>
         </p:txBody>
       </p:sp>

--- a/notes/IoC.pptx
+++ b/notes/IoC.pptx
@@ -247,7 +247,7 @@
           <a:p>
             <a:fld id="{C43FDFFC-4157-4789-B17D-39F4816026EB}" type="datetimeFigureOut">
               <a:rPr lang="ko-KR" altLang="en-US" smtClean="0"/>
-              <a:t>2024-06-29</a:t>
+              <a:t>2024-06-30</a:t>
             </a:fld>
             <a:endParaRPr lang="ko-KR" altLang="en-US"/>
           </a:p>
@@ -874,10 +874,9 @@
               <a:t>를 사용하면 된다</a:t>
             </a:r>
             <a:r>
-              <a:rPr lang="en-US" altLang="ko-KR"/>
+              <a:rPr lang="en-US" altLang="ko-KR" dirty="0"/>
               <a:t>.</a:t>
             </a:r>
-            <a:endParaRPr lang="en-US" altLang="ko-KR" dirty="0"/>
           </a:p>
         </p:txBody>
       </p:sp>
@@ -908,6 +907,733 @@
     <p:extLst>
       <p:ext uri="{BB962C8B-B14F-4D97-AF65-F5344CB8AC3E}">
         <p14:creationId xmlns:p14="http://schemas.microsoft.com/office/powerpoint/2010/main" val="2544525516"/>
+      </p:ext>
+    </p:extLst>
+  </p:cSld>
+  <p:clrMapOvr>
+    <a:masterClrMapping/>
+  </p:clrMapOvr>
+</p:notes>
+</file>
+
+<file path=ppt/notesSlides/notesSlide2.xml><?xml version="1.0" encoding="utf-8"?>
+<p:notes xmlns:a="http://schemas.openxmlformats.org/drawingml/2006/main" xmlns:r="http://schemas.openxmlformats.org/officeDocument/2006/relationships" xmlns:p="http://schemas.openxmlformats.org/presentationml/2006/main">
+  <p:cSld>
+    <p:spTree>
+      <p:nvGrpSpPr>
+        <p:cNvPr id="1" name=""/>
+        <p:cNvGrpSpPr/>
+        <p:nvPr/>
+      </p:nvGrpSpPr>
+      <p:grpSpPr>
+        <a:xfrm>
+          <a:off x="0" y="0"/>
+          <a:ext cx="0" cy="0"/>
+          <a:chOff x="0" y="0"/>
+          <a:chExt cx="0" cy="0"/>
+        </a:xfrm>
+      </p:grpSpPr>
+      <p:sp>
+        <p:nvSpPr>
+          <p:cNvPr id="2" name="슬라이드 이미지 개체 틀 1"/>
+          <p:cNvSpPr>
+            <a:spLocks noGrp="1" noRot="1" noChangeAspect="1"/>
+          </p:cNvSpPr>
+          <p:nvPr>
+            <p:ph type="sldImg"/>
+          </p:nvPr>
+        </p:nvSpPr>
+        <p:spPr/>
+      </p:sp>
+      <p:sp>
+        <p:nvSpPr>
+          <p:cNvPr id="3" name="슬라이드 노트 개체 틀 2"/>
+          <p:cNvSpPr>
+            <a:spLocks noGrp="1"/>
+          </p:cNvSpPr>
+          <p:nvPr>
+            <p:ph type="body" idx="1"/>
+          </p:nvPr>
+        </p:nvSpPr>
+        <p:spPr/>
+        <p:txBody>
+          <a:bodyPr/>
+          <a:lstStyle/>
+          <a:p>
+            <a:r>
+              <a:rPr lang="en-US" altLang="ko-KR" dirty="0"/>
+              <a:t>Application </a:t>
+            </a:r>
+            <a:r>
+              <a:rPr lang="ko-KR" altLang="en-US" dirty="0"/>
+              <a:t>운용에 필요한 객체 생성을 모두 </a:t>
+            </a:r>
+            <a:r>
+              <a:rPr lang="en-US" altLang="ko-KR" dirty="0"/>
+              <a:t>Spring Container</a:t>
+            </a:r>
+            <a:r>
+              <a:rPr lang="ko-KR" altLang="en-US" dirty="0"/>
+              <a:t>에서 받는다</a:t>
+            </a:r>
+            <a:r>
+              <a:rPr lang="en-US" altLang="ko-KR" dirty="0"/>
+              <a:t>.</a:t>
+            </a:r>
+            <a:r>
+              <a:rPr lang="ko-KR" altLang="en-US" dirty="0"/>
+              <a:t> 여기에서 수행</a:t>
+            </a:r>
+            <a:r>
+              <a:rPr lang="en-US" altLang="ko-KR" dirty="0"/>
+              <a:t>.</a:t>
+            </a:r>
+          </a:p>
+          <a:p>
+            <a:r>
+              <a:rPr lang="en-US" altLang="ko-KR" dirty="0" err="1"/>
+              <a:t>GenericXmlApplicationContext</a:t>
+            </a:r>
+            <a:r>
+              <a:rPr lang="ko-KR" altLang="en-US" dirty="0"/>
+              <a:t>를 사용하면 </a:t>
+            </a:r>
+            <a:r>
+              <a:rPr lang="en-US" altLang="ko-KR" dirty="0"/>
+              <a:t>xml</a:t>
+            </a:r>
+            <a:r>
+              <a:rPr lang="ko-KR" altLang="en-US" dirty="0"/>
+              <a:t>관리만 하면 가능</a:t>
+            </a:r>
+            <a:endParaRPr lang="en-US" altLang="ko-KR" dirty="0"/>
+          </a:p>
+          <a:p>
+            <a:endParaRPr lang="en-US" altLang="ko-KR" dirty="0"/>
+          </a:p>
+          <a:p>
+            <a:endParaRPr lang="en-US" altLang="ko-KR" dirty="0"/>
+          </a:p>
+        </p:txBody>
+      </p:sp>
+      <p:sp>
+        <p:nvSpPr>
+          <p:cNvPr id="4" name="슬라이드 번호 개체 틀 3"/>
+          <p:cNvSpPr>
+            <a:spLocks noGrp="1"/>
+          </p:cNvSpPr>
+          <p:nvPr>
+            <p:ph type="sldNum" sz="quarter" idx="5"/>
+          </p:nvPr>
+        </p:nvSpPr>
+        <p:spPr/>
+        <p:txBody>
+          <a:bodyPr/>
+          <a:lstStyle/>
+          <a:p>
+            <a:fld id="{5C89D12D-55F5-4BD8-91FA-E7EC646B62F7}" type="slidenum">
+              <a:rPr lang="ko-KR" altLang="en-US" smtClean="0"/>
+              <a:t>9</a:t>
+            </a:fld>
+            <a:endParaRPr lang="ko-KR" altLang="en-US"/>
+          </a:p>
+        </p:txBody>
+      </p:sp>
+    </p:spTree>
+    <p:extLst>
+      <p:ext uri="{BB962C8B-B14F-4D97-AF65-F5344CB8AC3E}">
+        <p14:creationId xmlns:p14="http://schemas.microsoft.com/office/powerpoint/2010/main" val="2058303004"/>
+      </p:ext>
+    </p:extLst>
+  </p:cSld>
+  <p:clrMapOvr>
+    <a:masterClrMapping/>
+  </p:clrMapOvr>
+</p:notes>
+</file>
+
+<file path=ppt/notesSlides/notesSlide3.xml><?xml version="1.0" encoding="utf-8"?>
+<p:notes xmlns:a="http://schemas.openxmlformats.org/drawingml/2006/main" xmlns:r="http://schemas.openxmlformats.org/officeDocument/2006/relationships" xmlns:p="http://schemas.openxmlformats.org/presentationml/2006/main">
+  <p:cSld>
+    <p:spTree>
+      <p:nvGrpSpPr>
+        <p:cNvPr id="1" name=""/>
+        <p:cNvGrpSpPr/>
+        <p:nvPr/>
+      </p:nvGrpSpPr>
+      <p:grpSpPr>
+        <a:xfrm>
+          <a:off x="0" y="0"/>
+          <a:ext cx="0" cy="0"/>
+          <a:chOff x="0" y="0"/>
+          <a:chExt cx="0" cy="0"/>
+        </a:xfrm>
+      </p:grpSpPr>
+      <p:sp>
+        <p:nvSpPr>
+          <p:cNvPr id="2" name="슬라이드 이미지 개체 틀 1"/>
+          <p:cNvSpPr>
+            <a:spLocks noGrp="1" noRot="1" noChangeAspect="1"/>
+          </p:cNvSpPr>
+          <p:nvPr>
+            <p:ph type="sldImg"/>
+          </p:nvPr>
+        </p:nvSpPr>
+        <p:spPr/>
+      </p:sp>
+      <p:sp>
+        <p:nvSpPr>
+          <p:cNvPr id="3" name="슬라이드 노트 개체 틀 2"/>
+          <p:cNvSpPr>
+            <a:spLocks noGrp="1"/>
+          </p:cNvSpPr>
+          <p:nvPr>
+            <p:ph type="body" idx="1"/>
+          </p:nvPr>
+        </p:nvSpPr>
+        <p:spPr/>
+        <p:txBody>
+          <a:bodyPr/>
+          <a:lstStyle/>
+          <a:p>
+            <a:r>
+              <a:rPr lang="en-US" altLang="ko-KR" dirty="0"/>
+              <a:t>Servlet Container</a:t>
+            </a:r>
+            <a:r>
+              <a:rPr lang="ko-KR" altLang="en-US" dirty="0"/>
+              <a:t>를 생성하려면 반드시 </a:t>
+            </a:r>
+            <a:r>
+              <a:rPr lang="en-US" altLang="ko-KR" dirty="0"/>
+              <a:t>Tomcat</a:t>
+            </a:r>
+            <a:r>
+              <a:rPr lang="ko-KR" altLang="en-US" dirty="0"/>
+              <a:t>이 생성되어야 함</a:t>
+            </a:r>
+            <a:endParaRPr lang="en-US" altLang="ko-KR" dirty="0"/>
+          </a:p>
+          <a:p>
+            <a:r>
+              <a:rPr lang="ko-KR" altLang="en-US" dirty="0"/>
+              <a:t>이 </a:t>
+            </a:r>
+            <a:r>
+              <a:rPr lang="en-US" altLang="ko-KR" dirty="0"/>
+              <a:t>Tomcat</a:t>
+            </a:r>
+            <a:r>
+              <a:rPr lang="ko-KR" altLang="en-US" dirty="0"/>
+              <a:t>이 </a:t>
+            </a:r>
+            <a:r>
+              <a:rPr lang="en-US" altLang="ko-KR" dirty="0"/>
+              <a:t>Servlet Container</a:t>
+            </a:r>
+            <a:r>
+              <a:rPr lang="ko-KR" altLang="en-US" dirty="0"/>
+              <a:t>를 생성한다</a:t>
+            </a:r>
+            <a:r>
+              <a:rPr lang="en-US" altLang="ko-KR" dirty="0"/>
+              <a:t>.</a:t>
+            </a:r>
+          </a:p>
+          <a:p>
+            <a:endParaRPr lang="en-US" altLang="ko-KR" dirty="0"/>
+          </a:p>
+          <a:p>
+            <a:r>
+              <a:rPr lang="en-US" altLang="ko-KR" dirty="0"/>
+              <a:t>Tomcat</a:t>
+            </a:r>
+            <a:r>
+              <a:rPr lang="ko-KR" altLang="en-US" dirty="0"/>
+              <a:t>을 생성할 때 이 </a:t>
+            </a:r>
+            <a:r>
+              <a:rPr lang="en-US" altLang="ko-KR" dirty="0"/>
+              <a:t>Servlet Container</a:t>
+            </a:r>
+            <a:r>
+              <a:rPr lang="ko-KR" altLang="en-US" dirty="0"/>
+              <a:t>를 내부적으로 생성을 한다</a:t>
+            </a:r>
+            <a:r>
+              <a:rPr lang="en-US" altLang="ko-KR" dirty="0"/>
+              <a:t>.</a:t>
+            </a:r>
+          </a:p>
+          <a:p>
+            <a:r>
+              <a:rPr lang="ko-KR" altLang="en-US" dirty="0"/>
+              <a:t>우리가 생성을 하는 것이 아니다</a:t>
+            </a:r>
+            <a:r>
+              <a:rPr lang="en-US" altLang="ko-KR" dirty="0"/>
+              <a:t>.</a:t>
+            </a:r>
+          </a:p>
+          <a:p>
+            <a:endParaRPr lang="ko-KR" altLang="en-US" dirty="0"/>
+          </a:p>
+        </p:txBody>
+      </p:sp>
+      <p:sp>
+        <p:nvSpPr>
+          <p:cNvPr id="4" name="슬라이드 번호 개체 틀 3"/>
+          <p:cNvSpPr>
+            <a:spLocks noGrp="1"/>
+          </p:cNvSpPr>
+          <p:nvPr>
+            <p:ph type="sldNum" sz="quarter" idx="5"/>
+          </p:nvPr>
+        </p:nvSpPr>
+        <p:spPr/>
+        <p:txBody>
+          <a:bodyPr/>
+          <a:lstStyle/>
+          <a:p>
+            <a:fld id="{5C89D12D-55F5-4BD8-91FA-E7EC646B62F7}" type="slidenum">
+              <a:rPr lang="ko-KR" altLang="en-US" smtClean="0"/>
+              <a:t>10</a:t>
+            </a:fld>
+            <a:endParaRPr lang="ko-KR" altLang="en-US"/>
+          </a:p>
+        </p:txBody>
+      </p:sp>
+    </p:spTree>
+    <p:extLst>
+      <p:ext uri="{BB962C8B-B14F-4D97-AF65-F5344CB8AC3E}">
+        <p14:creationId xmlns:p14="http://schemas.microsoft.com/office/powerpoint/2010/main" val="18954014"/>
+      </p:ext>
+    </p:extLst>
+  </p:cSld>
+  <p:clrMapOvr>
+    <a:masterClrMapping/>
+  </p:clrMapOvr>
+</p:notes>
+</file>
+
+<file path=ppt/notesSlides/notesSlide4.xml><?xml version="1.0" encoding="utf-8"?>
+<p:notes xmlns:a="http://schemas.openxmlformats.org/drawingml/2006/main" xmlns:r="http://schemas.openxmlformats.org/officeDocument/2006/relationships" xmlns:p="http://schemas.openxmlformats.org/presentationml/2006/main">
+  <p:cSld>
+    <p:spTree>
+      <p:nvGrpSpPr>
+        <p:cNvPr id="1" name=""/>
+        <p:cNvGrpSpPr/>
+        <p:nvPr/>
+      </p:nvGrpSpPr>
+      <p:grpSpPr>
+        <a:xfrm>
+          <a:off x="0" y="0"/>
+          <a:ext cx="0" cy="0"/>
+          <a:chOff x="0" y="0"/>
+          <a:chExt cx="0" cy="0"/>
+        </a:xfrm>
+      </p:grpSpPr>
+      <p:sp>
+        <p:nvSpPr>
+          <p:cNvPr id="2" name="슬라이드 이미지 개체 틀 1"/>
+          <p:cNvSpPr>
+            <a:spLocks noGrp="1" noRot="1" noChangeAspect="1"/>
+          </p:cNvSpPr>
+          <p:nvPr>
+            <p:ph type="sldImg"/>
+          </p:nvPr>
+        </p:nvSpPr>
+        <p:spPr/>
+      </p:sp>
+      <p:sp>
+        <p:nvSpPr>
+          <p:cNvPr id="3" name="슬라이드 노트 개체 틀 2"/>
+          <p:cNvSpPr>
+            <a:spLocks noGrp="1"/>
+          </p:cNvSpPr>
+          <p:nvPr>
+            <p:ph type="body" idx="1"/>
+          </p:nvPr>
+        </p:nvSpPr>
+        <p:spPr/>
+        <p:txBody>
+          <a:bodyPr/>
+          <a:lstStyle/>
+          <a:p>
+            <a:r>
+              <a:rPr lang="ko-KR" altLang="en-US" dirty="0"/>
+              <a:t>이것 말고도 여러 개가 있지만</a:t>
+            </a:r>
+            <a:r>
+              <a:rPr lang="en-US" altLang="ko-KR" dirty="0"/>
+              <a:t>, </a:t>
+            </a:r>
+            <a:r>
+              <a:rPr lang="ko-KR" altLang="en-US" dirty="0"/>
+              <a:t>대표적으로 이 </a:t>
+            </a:r>
+            <a:r>
+              <a:rPr lang="en-US" altLang="ko-KR" dirty="0"/>
+              <a:t>2</a:t>
+            </a:r>
+            <a:r>
+              <a:rPr lang="ko-KR" altLang="en-US" dirty="0"/>
+              <a:t>개만 알고 있자</a:t>
+            </a:r>
+            <a:r>
+              <a:rPr lang="en-US" altLang="ko-KR" dirty="0"/>
+              <a:t>.</a:t>
+            </a:r>
+          </a:p>
+          <a:p>
+            <a:endParaRPr lang="ko-KR" altLang="en-US" dirty="0"/>
+          </a:p>
+        </p:txBody>
+      </p:sp>
+      <p:sp>
+        <p:nvSpPr>
+          <p:cNvPr id="4" name="슬라이드 번호 개체 틀 3"/>
+          <p:cNvSpPr>
+            <a:spLocks noGrp="1"/>
+          </p:cNvSpPr>
+          <p:nvPr>
+            <p:ph type="sldNum" sz="quarter" idx="5"/>
+          </p:nvPr>
+        </p:nvSpPr>
+        <p:spPr/>
+        <p:txBody>
+          <a:bodyPr/>
+          <a:lstStyle/>
+          <a:p>
+            <a:fld id="{5C89D12D-55F5-4BD8-91FA-E7EC646B62F7}" type="slidenum">
+              <a:rPr lang="ko-KR" altLang="en-US" smtClean="0"/>
+              <a:t>11</a:t>
+            </a:fld>
+            <a:endParaRPr lang="ko-KR" altLang="en-US"/>
+          </a:p>
+        </p:txBody>
+      </p:sp>
+    </p:spTree>
+    <p:extLst>
+      <p:ext uri="{BB962C8B-B14F-4D97-AF65-F5344CB8AC3E}">
+        <p14:creationId xmlns:p14="http://schemas.microsoft.com/office/powerpoint/2010/main" val="2884513559"/>
+      </p:ext>
+    </p:extLst>
+  </p:cSld>
+  <p:clrMapOvr>
+    <a:masterClrMapping/>
+  </p:clrMapOvr>
+</p:notes>
+</file>
+
+<file path=ppt/notesSlides/notesSlide5.xml><?xml version="1.0" encoding="utf-8"?>
+<p:notes xmlns:a="http://schemas.openxmlformats.org/drawingml/2006/main" xmlns:r="http://schemas.openxmlformats.org/officeDocument/2006/relationships" xmlns:p="http://schemas.openxmlformats.org/presentationml/2006/main">
+  <p:cSld>
+    <p:spTree>
+      <p:nvGrpSpPr>
+        <p:cNvPr id="1" name=""/>
+        <p:cNvGrpSpPr/>
+        <p:nvPr/>
+      </p:nvGrpSpPr>
+      <p:grpSpPr>
+        <a:xfrm>
+          <a:off x="0" y="0"/>
+          <a:ext cx="0" cy="0"/>
+          <a:chOff x="0" y="0"/>
+          <a:chExt cx="0" cy="0"/>
+        </a:xfrm>
+      </p:grpSpPr>
+      <p:sp>
+        <p:nvSpPr>
+          <p:cNvPr id="2" name="슬라이드 이미지 개체 틀 1"/>
+          <p:cNvSpPr>
+            <a:spLocks noGrp="1" noRot="1" noChangeAspect="1"/>
+          </p:cNvSpPr>
+          <p:nvPr>
+            <p:ph type="sldImg"/>
+          </p:nvPr>
+        </p:nvSpPr>
+        <p:spPr/>
+      </p:sp>
+      <p:sp>
+        <p:nvSpPr>
+          <p:cNvPr id="3" name="슬라이드 노트 개체 틀 2"/>
+          <p:cNvSpPr>
+            <a:spLocks noGrp="1"/>
+          </p:cNvSpPr>
+          <p:nvPr>
+            <p:ph type="body" idx="1"/>
+          </p:nvPr>
+        </p:nvSpPr>
+        <p:spPr/>
+        <p:txBody>
+          <a:bodyPr/>
+          <a:lstStyle/>
+          <a:p>
+            <a:r>
+              <a:rPr lang="en-US" altLang="ko-KR" dirty="0" err="1"/>
+              <a:t>Servelet</a:t>
+            </a:r>
+            <a:r>
+              <a:rPr lang="en-US" altLang="ko-KR" dirty="0"/>
+              <a:t> Container</a:t>
+            </a:r>
+            <a:r>
+              <a:rPr lang="ko-KR" altLang="en-US" dirty="0"/>
+              <a:t>와 동일하게</a:t>
+            </a:r>
+            <a:r>
+              <a:rPr lang="en-US" altLang="ko-KR" dirty="0"/>
+              <a:t>, Container </a:t>
+            </a:r>
+            <a:r>
+              <a:rPr lang="ko-KR" altLang="en-US" dirty="0"/>
+              <a:t>생성</a:t>
+            </a:r>
+            <a:endParaRPr lang="en-US" altLang="ko-KR" dirty="0"/>
+          </a:p>
+          <a:p>
+            <a:endParaRPr lang="en-US" altLang="ko-KR" dirty="0"/>
+          </a:p>
+          <a:p>
+            <a:endParaRPr lang="ko-KR" altLang="en-US" dirty="0"/>
+          </a:p>
+        </p:txBody>
+      </p:sp>
+      <p:sp>
+        <p:nvSpPr>
+          <p:cNvPr id="4" name="슬라이드 번호 개체 틀 3"/>
+          <p:cNvSpPr>
+            <a:spLocks noGrp="1"/>
+          </p:cNvSpPr>
+          <p:nvPr>
+            <p:ph type="sldNum" sz="quarter" idx="5"/>
+          </p:nvPr>
+        </p:nvSpPr>
+        <p:spPr/>
+        <p:txBody>
+          <a:bodyPr/>
+          <a:lstStyle/>
+          <a:p>
+            <a:fld id="{5C89D12D-55F5-4BD8-91FA-E7EC646B62F7}" type="slidenum">
+              <a:rPr lang="ko-KR" altLang="en-US" smtClean="0"/>
+              <a:t>12</a:t>
+            </a:fld>
+            <a:endParaRPr lang="ko-KR" altLang="en-US"/>
+          </a:p>
+        </p:txBody>
+      </p:sp>
+    </p:spTree>
+    <p:extLst>
+      <p:ext uri="{BB962C8B-B14F-4D97-AF65-F5344CB8AC3E}">
+        <p14:creationId xmlns:p14="http://schemas.microsoft.com/office/powerpoint/2010/main" val="3103473211"/>
+      </p:ext>
+    </p:extLst>
+  </p:cSld>
+  <p:clrMapOvr>
+    <a:masterClrMapping/>
+  </p:clrMapOvr>
+</p:notes>
+</file>
+
+<file path=ppt/notesSlides/notesSlide6.xml><?xml version="1.0" encoding="utf-8"?>
+<p:notes xmlns:a="http://schemas.openxmlformats.org/drawingml/2006/main" xmlns:r="http://schemas.openxmlformats.org/officeDocument/2006/relationships" xmlns:p="http://schemas.openxmlformats.org/presentationml/2006/main">
+  <p:cSld>
+    <p:spTree>
+      <p:nvGrpSpPr>
+        <p:cNvPr id="1" name=""/>
+        <p:cNvGrpSpPr/>
+        <p:nvPr/>
+      </p:nvGrpSpPr>
+      <p:grpSpPr>
+        <a:xfrm>
+          <a:off x="0" y="0"/>
+          <a:ext cx="0" cy="0"/>
+          <a:chOff x="0" y="0"/>
+          <a:chExt cx="0" cy="0"/>
+        </a:xfrm>
+      </p:grpSpPr>
+      <p:sp>
+        <p:nvSpPr>
+          <p:cNvPr id="2" name="슬라이드 이미지 개체 틀 1"/>
+          <p:cNvSpPr>
+            <a:spLocks noGrp="1" noRot="1" noChangeAspect="1"/>
+          </p:cNvSpPr>
+          <p:nvPr>
+            <p:ph type="sldImg"/>
+          </p:nvPr>
+        </p:nvSpPr>
+        <p:spPr/>
+      </p:sp>
+      <p:sp>
+        <p:nvSpPr>
+          <p:cNvPr id="3" name="슬라이드 노트 개체 틀 2"/>
+          <p:cNvSpPr>
+            <a:spLocks noGrp="1"/>
+          </p:cNvSpPr>
+          <p:nvPr>
+            <p:ph type="body" idx="1"/>
+          </p:nvPr>
+        </p:nvSpPr>
+        <p:spPr/>
+        <p:txBody>
+          <a:bodyPr/>
+          <a:lstStyle/>
+          <a:p>
+            <a:r>
+              <a:rPr lang="en-US" altLang="ko-KR" dirty="0"/>
+              <a:t>Lazy-loading : </a:t>
+            </a:r>
+            <a:r>
+              <a:rPr lang="ko-KR" altLang="en-US" dirty="0"/>
+              <a:t>메모리를 효율적으로 사용할 수 있지만 응답 속도가 느리다</a:t>
+            </a:r>
+            <a:r>
+              <a:rPr lang="en-US" altLang="ko-KR" dirty="0"/>
+              <a:t>.</a:t>
+            </a:r>
+          </a:p>
+          <a:p>
+            <a:r>
+              <a:rPr lang="en-US" altLang="ko-KR" dirty="0"/>
+              <a:t>Pre-loading : </a:t>
+            </a:r>
+            <a:r>
+              <a:rPr lang="ko-KR" altLang="en-US" dirty="0"/>
+              <a:t>응답 속도는 빠르지만 메모리 낭비가 발생할 수 있다</a:t>
+            </a:r>
+            <a:r>
+              <a:rPr lang="en-US" altLang="ko-KR" dirty="0"/>
+              <a:t>.</a:t>
+            </a:r>
+          </a:p>
+          <a:p>
+            <a:endParaRPr lang="ko-KR" altLang="en-US" dirty="0"/>
+          </a:p>
+        </p:txBody>
+      </p:sp>
+      <p:sp>
+        <p:nvSpPr>
+          <p:cNvPr id="4" name="슬라이드 번호 개체 틀 3"/>
+          <p:cNvSpPr>
+            <a:spLocks noGrp="1"/>
+          </p:cNvSpPr>
+          <p:nvPr>
+            <p:ph type="sldNum" sz="quarter" idx="5"/>
+          </p:nvPr>
+        </p:nvSpPr>
+        <p:spPr/>
+        <p:txBody>
+          <a:bodyPr/>
+          <a:lstStyle/>
+          <a:p>
+            <a:fld id="{5C89D12D-55F5-4BD8-91FA-E7EC646B62F7}" type="slidenum">
+              <a:rPr lang="ko-KR" altLang="en-US" smtClean="0"/>
+              <a:t>13</a:t>
+            </a:fld>
+            <a:endParaRPr lang="ko-KR" altLang="en-US"/>
+          </a:p>
+        </p:txBody>
+      </p:sp>
+    </p:spTree>
+    <p:extLst>
+      <p:ext uri="{BB962C8B-B14F-4D97-AF65-F5344CB8AC3E}">
+        <p14:creationId xmlns:p14="http://schemas.microsoft.com/office/powerpoint/2010/main" val="1035669540"/>
+      </p:ext>
+    </p:extLst>
+  </p:cSld>
+  <p:clrMapOvr>
+    <a:masterClrMapping/>
+  </p:clrMapOvr>
+</p:notes>
+</file>
+
+<file path=ppt/notesSlides/notesSlide7.xml><?xml version="1.0" encoding="utf-8"?>
+<p:notes xmlns:a="http://schemas.openxmlformats.org/drawingml/2006/main" xmlns:r="http://schemas.openxmlformats.org/officeDocument/2006/relationships" xmlns:p="http://schemas.openxmlformats.org/presentationml/2006/main">
+  <p:cSld>
+    <p:spTree>
+      <p:nvGrpSpPr>
+        <p:cNvPr id="1" name=""/>
+        <p:cNvGrpSpPr/>
+        <p:nvPr/>
+      </p:nvGrpSpPr>
+      <p:grpSpPr>
+        <a:xfrm>
+          <a:off x="0" y="0"/>
+          <a:ext cx="0" cy="0"/>
+          <a:chOff x="0" y="0"/>
+          <a:chExt cx="0" cy="0"/>
+        </a:xfrm>
+      </p:grpSpPr>
+      <p:sp>
+        <p:nvSpPr>
+          <p:cNvPr id="2" name="슬라이드 이미지 개체 틀 1"/>
+          <p:cNvSpPr>
+            <a:spLocks noGrp="1" noRot="1" noChangeAspect="1"/>
+          </p:cNvSpPr>
+          <p:nvPr>
+            <p:ph type="sldImg"/>
+          </p:nvPr>
+        </p:nvSpPr>
+        <p:spPr/>
+      </p:sp>
+      <p:sp>
+        <p:nvSpPr>
+          <p:cNvPr id="3" name="슬라이드 노트 개체 틀 2"/>
+          <p:cNvSpPr>
+            <a:spLocks noGrp="1"/>
+          </p:cNvSpPr>
+          <p:nvPr>
+            <p:ph type="body" idx="1"/>
+          </p:nvPr>
+        </p:nvSpPr>
+        <p:spPr/>
+        <p:txBody>
+          <a:bodyPr/>
+          <a:lstStyle/>
+          <a:p>
+            <a:r>
+              <a:rPr lang="ko-KR" altLang="en-US" dirty="0"/>
+              <a:t>프레임워크 </a:t>
+            </a:r>
+            <a:r>
+              <a:rPr lang="en-US" altLang="ko-KR" dirty="0"/>
+              <a:t>3</a:t>
+            </a:r>
+            <a:r>
+              <a:rPr lang="ko-KR" altLang="en-US" dirty="0"/>
+              <a:t>요소 중에 하나</a:t>
+            </a:r>
+          </a:p>
+        </p:txBody>
+      </p:sp>
+      <p:sp>
+        <p:nvSpPr>
+          <p:cNvPr id="4" name="슬라이드 번호 개체 틀 3"/>
+          <p:cNvSpPr>
+            <a:spLocks noGrp="1"/>
+          </p:cNvSpPr>
+          <p:nvPr>
+            <p:ph type="sldNum" sz="quarter" idx="5"/>
+          </p:nvPr>
+        </p:nvSpPr>
+        <p:spPr/>
+        <p:txBody>
+          <a:bodyPr/>
+          <a:lstStyle/>
+          <a:p>
+            <a:fld id="{5C89D12D-55F5-4BD8-91FA-E7EC646B62F7}" type="slidenum">
+              <a:rPr lang="ko-KR" altLang="en-US" smtClean="0"/>
+              <a:t>14</a:t>
+            </a:fld>
+            <a:endParaRPr lang="ko-KR" altLang="en-US"/>
+          </a:p>
+        </p:txBody>
+      </p:sp>
+    </p:spTree>
+    <p:extLst>
+      <p:ext uri="{BB962C8B-B14F-4D97-AF65-F5344CB8AC3E}">
+        <p14:creationId xmlns:p14="http://schemas.microsoft.com/office/powerpoint/2010/main" val="939342466"/>
       </p:ext>
     </p:extLst>
   </p:cSld>
@@ -1046,7 +1772,7 @@
           <a:p>
             <a:fld id="{DFC765C5-6852-43C5-8B75-F362625B4446}" type="datetimeFigureOut">
               <a:rPr lang="ko-KR" altLang="en-US" smtClean="0"/>
-              <a:t>2024-06-29</a:t>
+              <a:t>2024-06-30</a:t>
             </a:fld>
             <a:endParaRPr lang="ko-KR" altLang="en-US"/>
           </a:p>
@@ -1214,7 +1940,7 @@
           <a:p>
             <a:fld id="{DFC765C5-6852-43C5-8B75-F362625B4446}" type="datetimeFigureOut">
               <a:rPr lang="ko-KR" altLang="en-US" smtClean="0"/>
-              <a:t>2024-06-29</a:t>
+              <a:t>2024-06-30</a:t>
             </a:fld>
             <a:endParaRPr lang="ko-KR" altLang="en-US"/>
           </a:p>
@@ -1392,7 +2118,7 @@
           <a:p>
             <a:fld id="{DFC765C5-6852-43C5-8B75-F362625B4446}" type="datetimeFigureOut">
               <a:rPr lang="ko-KR" altLang="en-US" smtClean="0"/>
-              <a:t>2024-06-29</a:t>
+              <a:t>2024-06-30</a:t>
             </a:fld>
             <a:endParaRPr lang="ko-KR" altLang="en-US"/>
           </a:p>
@@ -1560,7 +2286,7 @@
           <a:p>
             <a:fld id="{DFC765C5-6852-43C5-8B75-F362625B4446}" type="datetimeFigureOut">
               <a:rPr lang="ko-KR" altLang="en-US" smtClean="0"/>
-              <a:t>2024-06-29</a:t>
+              <a:t>2024-06-30</a:t>
             </a:fld>
             <a:endParaRPr lang="ko-KR" altLang="en-US"/>
           </a:p>
@@ -1805,7 +2531,7 @@
           <a:p>
             <a:fld id="{DFC765C5-6852-43C5-8B75-F362625B4446}" type="datetimeFigureOut">
               <a:rPr lang="ko-KR" altLang="en-US" smtClean="0"/>
-              <a:t>2024-06-29</a:t>
+              <a:t>2024-06-30</a:t>
             </a:fld>
             <a:endParaRPr lang="ko-KR" altLang="en-US"/>
           </a:p>
@@ -2034,7 +2760,7 @@
           <a:p>
             <a:fld id="{DFC765C5-6852-43C5-8B75-F362625B4446}" type="datetimeFigureOut">
               <a:rPr lang="ko-KR" altLang="en-US" smtClean="0"/>
-              <a:t>2024-06-29</a:t>
+              <a:t>2024-06-30</a:t>
             </a:fld>
             <a:endParaRPr lang="ko-KR" altLang="en-US"/>
           </a:p>
@@ -2398,7 +3124,7 @@
           <a:p>
             <a:fld id="{DFC765C5-6852-43C5-8B75-F362625B4446}" type="datetimeFigureOut">
               <a:rPr lang="ko-KR" altLang="en-US" smtClean="0"/>
-              <a:t>2024-06-29</a:t>
+              <a:t>2024-06-30</a:t>
             </a:fld>
             <a:endParaRPr lang="ko-KR" altLang="en-US"/>
           </a:p>
@@ -2515,7 +3241,7 @@
           <a:p>
             <a:fld id="{DFC765C5-6852-43C5-8B75-F362625B4446}" type="datetimeFigureOut">
               <a:rPr lang="ko-KR" altLang="en-US" smtClean="0"/>
-              <a:t>2024-06-29</a:t>
+              <a:t>2024-06-30</a:t>
             </a:fld>
             <a:endParaRPr lang="ko-KR" altLang="en-US"/>
           </a:p>
@@ -2610,7 +3336,7 @@
           <a:p>
             <a:fld id="{DFC765C5-6852-43C5-8B75-F362625B4446}" type="datetimeFigureOut">
               <a:rPr lang="ko-KR" altLang="en-US" smtClean="0"/>
-              <a:t>2024-06-29</a:t>
+              <a:t>2024-06-30</a:t>
             </a:fld>
             <a:endParaRPr lang="ko-KR" altLang="en-US"/>
           </a:p>
@@ -2885,7 +3611,7 @@
           <a:p>
             <a:fld id="{DFC765C5-6852-43C5-8B75-F362625B4446}" type="datetimeFigureOut">
               <a:rPr lang="ko-KR" altLang="en-US" smtClean="0"/>
-              <a:t>2024-06-29</a:t>
+              <a:t>2024-06-30</a:t>
             </a:fld>
             <a:endParaRPr lang="ko-KR" altLang="en-US"/>
           </a:p>
@@ -3137,7 +3863,7 @@
           <a:p>
             <a:fld id="{DFC765C5-6852-43C5-8B75-F362625B4446}" type="datetimeFigureOut">
               <a:rPr lang="ko-KR" altLang="en-US" smtClean="0"/>
-              <a:t>2024-06-29</a:t>
+              <a:t>2024-06-30</a:t>
             </a:fld>
             <a:endParaRPr lang="ko-KR" altLang="en-US"/>
           </a:p>
@@ -3348,7 +4074,7 @@
           <a:p>
             <a:fld id="{DFC765C5-6852-43C5-8B75-F362625B4446}" type="datetimeFigureOut">
               <a:rPr lang="ko-KR" altLang="en-US" smtClean="0"/>
-              <a:t>2024-06-29</a:t>
+              <a:t>2024-06-30</a:t>
             </a:fld>
             <a:endParaRPr lang="ko-KR" altLang="en-US"/>
           </a:p>
@@ -3853,7 +4579,7 @@
           <p:nvPr/>
         </p:nvPicPr>
         <p:blipFill>
-          <a:blip r:embed="rId2">
+          <a:blip r:embed="rId3">
             <a:extLst>
               <a:ext uri="{28A0092B-C50C-407E-A947-70E740481C1C}">
                 <a14:useLocalDpi xmlns:a14="http://schemas.microsoft.com/office/drawing/2010/main" val="0"/>
@@ -4317,7 +5043,7 @@
           <p:nvPr/>
         </p:nvPicPr>
         <p:blipFill>
-          <a:blip r:embed="rId2">
+          <a:blip r:embed="rId3">
             <a:extLst>
               <a:ext uri="{28A0092B-C50C-407E-A947-70E740481C1C}">
                 <a14:useLocalDpi xmlns:a14="http://schemas.microsoft.com/office/drawing/2010/main" val="0"/>

--- a/notes/IoC.pptx
+++ b/notes/IoC.pptx
@@ -916,6 +916,183 @@
 </p:notes>
 </file>
 
+<file path=ppt/notesSlides/notesSlide10.xml><?xml version="1.0" encoding="utf-8"?>
+<p:notes xmlns:a="http://schemas.openxmlformats.org/drawingml/2006/main" xmlns:r="http://schemas.openxmlformats.org/officeDocument/2006/relationships" xmlns:p="http://schemas.openxmlformats.org/presentationml/2006/main">
+  <p:cSld>
+    <p:spTree>
+      <p:nvGrpSpPr>
+        <p:cNvPr id="1" name=""/>
+        <p:cNvGrpSpPr/>
+        <p:nvPr/>
+      </p:nvGrpSpPr>
+      <p:grpSpPr>
+        <a:xfrm>
+          <a:off x="0" y="0"/>
+          <a:ext cx="0" cy="0"/>
+          <a:chOff x="0" y="0"/>
+          <a:chExt cx="0" cy="0"/>
+        </a:xfrm>
+      </p:grpSpPr>
+      <p:sp>
+        <p:nvSpPr>
+          <p:cNvPr id="2" name="슬라이드 이미지 개체 틀 1"/>
+          <p:cNvSpPr>
+            <a:spLocks noGrp="1" noRot="1" noChangeAspect="1"/>
+          </p:cNvSpPr>
+          <p:nvPr>
+            <p:ph type="sldImg"/>
+          </p:nvPr>
+        </p:nvSpPr>
+        <p:spPr/>
+      </p:sp>
+      <p:sp>
+        <p:nvSpPr>
+          <p:cNvPr id="3" name="슬라이드 노트 개체 틀 2"/>
+          <p:cNvSpPr>
+            <a:spLocks noGrp="1"/>
+          </p:cNvSpPr>
+          <p:nvPr>
+            <p:ph type="body" idx="1"/>
+          </p:nvPr>
+        </p:nvSpPr>
+        <p:spPr/>
+        <p:txBody>
+          <a:bodyPr/>
+          <a:lstStyle/>
+          <a:p>
+            <a:r>
+              <a:rPr lang="en-US" altLang="ko-KR" dirty="0"/>
+              <a:t>Package</a:t>
+            </a:r>
+            <a:r>
+              <a:rPr lang="ko-KR" altLang="en-US" dirty="0"/>
+              <a:t> 이름에 대문자를 사용해도 되지만</a:t>
+            </a:r>
+            <a:r>
+              <a:rPr lang="en-US" altLang="ko-KR" dirty="0"/>
+              <a:t>, </a:t>
+            </a:r>
+            <a:r>
+              <a:rPr lang="ko-KR" altLang="en-US" dirty="0"/>
+              <a:t>개발자들끼리 약속해서 소문자를 사용하기로 하기는 했음</a:t>
+            </a:r>
+            <a:r>
+              <a:rPr lang="en-US" altLang="ko-KR" dirty="0"/>
+              <a:t>.</a:t>
+            </a:r>
+          </a:p>
+          <a:p>
+            <a:r>
+              <a:rPr lang="en-US" altLang="ko-KR" dirty="0"/>
+              <a:t>convention</a:t>
+            </a:r>
+            <a:r>
+              <a:rPr lang="ko-KR" altLang="en-US" dirty="0"/>
+              <a:t>에 의하여</a:t>
+            </a:r>
+            <a:r>
+              <a:rPr lang="en-US" altLang="ko-KR" dirty="0"/>
+              <a:t>…… </a:t>
+            </a:r>
+            <a:r>
+              <a:rPr lang="ko-KR" altLang="en-US" dirty="0"/>
+              <a:t>지키지 않아도 상관은 없음</a:t>
+            </a:r>
+            <a:endParaRPr lang="en-US" altLang="ko-KR" dirty="0"/>
+          </a:p>
+          <a:p>
+            <a:endParaRPr lang="en-US" altLang="ko-KR" dirty="0"/>
+          </a:p>
+          <a:p>
+            <a:r>
+              <a:rPr lang="en-US" altLang="ko-KR" dirty="0"/>
+              <a:t>id</a:t>
+            </a:r>
+            <a:r>
+              <a:rPr lang="ko-KR" altLang="en-US" dirty="0"/>
+              <a:t>는 필수는 아님</a:t>
+            </a:r>
+            <a:r>
+              <a:rPr lang="en-US" altLang="ko-KR" dirty="0"/>
+              <a:t>. </a:t>
+            </a:r>
+            <a:r>
+              <a:rPr lang="ko-KR" altLang="en-US" b="1" dirty="0"/>
+              <a:t>그러나 중요</a:t>
+            </a:r>
+            <a:endParaRPr lang="en-US" altLang="ko-KR" b="1" dirty="0"/>
+          </a:p>
+          <a:p>
+            <a:r>
+              <a:rPr lang="en-US" altLang="ko-KR" dirty="0"/>
+              <a:t>id</a:t>
+            </a:r>
+            <a:r>
+              <a:rPr lang="ko-KR" altLang="en-US" dirty="0"/>
+              <a:t>를 지정하지 않으면 </a:t>
+            </a:r>
+            <a:r>
+              <a:rPr lang="en-US" altLang="ko-KR" dirty="0"/>
+              <a:t>container</a:t>
+            </a:r>
+            <a:r>
+              <a:rPr lang="ko-KR" altLang="en-US" dirty="0"/>
+              <a:t>가 자동으로 </a:t>
+            </a:r>
+            <a:r>
+              <a:rPr lang="en-US" altLang="ko-KR" dirty="0"/>
+              <a:t>id</a:t>
+            </a:r>
+            <a:r>
+              <a:rPr lang="ko-KR" altLang="en-US" dirty="0"/>
+              <a:t>를 지정</a:t>
+            </a:r>
+            <a:r>
+              <a:rPr lang="en-US" altLang="ko-KR" dirty="0"/>
+              <a:t>.</a:t>
+            </a:r>
+          </a:p>
+          <a:p>
+            <a:endParaRPr lang="ko-KR" altLang="en-US" dirty="0"/>
+          </a:p>
+        </p:txBody>
+      </p:sp>
+      <p:sp>
+        <p:nvSpPr>
+          <p:cNvPr id="4" name="슬라이드 번호 개체 틀 3"/>
+          <p:cNvSpPr>
+            <a:spLocks noGrp="1"/>
+          </p:cNvSpPr>
+          <p:nvPr>
+            <p:ph type="sldNum" sz="quarter" idx="5"/>
+          </p:nvPr>
+        </p:nvSpPr>
+        <p:spPr/>
+        <p:txBody>
+          <a:bodyPr/>
+          <a:lstStyle/>
+          <a:p>
+            <a:fld id="{5C89D12D-55F5-4BD8-91FA-E7EC646B62F7}" type="slidenum">
+              <a:rPr lang="ko-KR" altLang="en-US" smtClean="0"/>
+              <a:t>17</a:t>
+            </a:fld>
+            <a:endParaRPr lang="ko-KR" altLang="en-US"/>
+          </a:p>
+        </p:txBody>
+      </p:sp>
+    </p:spTree>
+    <p:extLst>
+      <p:ext uri="{BB962C8B-B14F-4D97-AF65-F5344CB8AC3E}">
+        <p14:creationId xmlns:p14="http://schemas.microsoft.com/office/powerpoint/2010/main" val="189375963"/>
+      </p:ext>
+    </p:extLst>
+  </p:cSld>
+  <p:clrMapOvr>
+    <a:masterClrMapping/>
+  </p:clrMapOvr>
+</p:notes>
+</file>
+
 <file path=ppt/notesSlides/notesSlide2.xml><?xml version="1.0" encoding="utf-8"?>
 <p:notes xmlns:a="http://schemas.openxmlformats.org/drawingml/2006/main" xmlns:r="http://schemas.openxmlformats.org/officeDocument/2006/relationships" xmlns:p="http://schemas.openxmlformats.org/presentationml/2006/main">
   <p:cSld>
@@ -1604,6 +1781,129 @@
               <a:rPr lang="ko-KR" altLang="en-US" dirty="0"/>
               <a:t>요소 중에 하나</a:t>
             </a:r>
+            <a:endParaRPr lang="en-US" altLang="ko-KR" dirty="0"/>
+          </a:p>
+          <a:p>
+            <a:endParaRPr lang="en-US" altLang="ko-KR" dirty="0"/>
+          </a:p>
+          <a:p>
+            <a:r>
+              <a:rPr lang="en-US" altLang="ko-KR" dirty="0"/>
+              <a:t>SW</a:t>
+            </a:r>
+            <a:r>
+              <a:rPr lang="ko-KR" altLang="en-US" dirty="0"/>
+              <a:t>에서 </a:t>
+            </a:r>
+            <a:r>
+              <a:rPr lang="en-US" altLang="ko-KR" dirty="0"/>
+              <a:t>Container</a:t>
+            </a:r>
+            <a:r>
+              <a:rPr lang="ko-KR" altLang="en-US" dirty="0"/>
+              <a:t>를 사용하는 목적은 </a:t>
+            </a:r>
+            <a:r>
+              <a:rPr lang="en-US" altLang="ko-KR" dirty="0"/>
+              <a:t>Object</a:t>
+            </a:r>
+            <a:r>
+              <a:rPr lang="ko-KR" altLang="en-US" dirty="0"/>
+              <a:t>를 저장하고 관리할 목적으로 사용</a:t>
+            </a:r>
+            <a:endParaRPr lang="en-US" altLang="ko-KR" dirty="0"/>
+          </a:p>
+          <a:p>
+            <a:r>
+              <a:rPr lang="ko-KR" altLang="en-US" dirty="0"/>
+              <a:t>그런데 이에 대한 명세서 같은 것이 필요</a:t>
+            </a:r>
+            <a:endParaRPr lang="en-US" altLang="ko-KR" dirty="0"/>
+          </a:p>
+          <a:p>
+            <a:endParaRPr lang="en-US" altLang="ko-KR" dirty="0"/>
+          </a:p>
+          <a:p>
+            <a:r>
+              <a:rPr lang="ko-KR" altLang="en-US" dirty="0"/>
+              <a:t>이런 명세서 같은 것이 </a:t>
+            </a:r>
+            <a:r>
+              <a:rPr lang="en-US" altLang="ko-KR" dirty="0"/>
+              <a:t>XML </a:t>
+            </a:r>
+            <a:r>
+              <a:rPr lang="ko-KR" altLang="en-US" dirty="0"/>
+              <a:t>설정 파일이다</a:t>
+            </a:r>
+            <a:r>
+              <a:rPr lang="en-US" altLang="ko-KR" dirty="0"/>
+              <a:t>.</a:t>
+            </a:r>
+          </a:p>
+          <a:p>
+            <a:r>
+              <a:rPr lang="ko-KR" altLang="en-US" dirty="0"/>
+              <a:t>그래서 모든 </a:t>
+            </a:r>
+            <a:r>
+              <a:rPr lang="en-US" altLang="ko-KR" dirty="0"/>
+              <a:t>Framework</a:t>
+            </a:r>
+            <a:r>
+              <a:rPr lang="ko-KR" altLang="en-US" dirty="0"/>
+              <a:t>는 반드시 </a:t>
+            </a:r>
+            <a:r>
+              <a:rPr lang="en-US" altLang="ko-KR" dirty="0"/>
+              <a:t>Container</a:t>
+            </a:r>
+            <a:r>
+              <a:rPr lang="ko-KR" altLang="en-US" dirty="0"/>
+              <a:t>를 운용할 수 밖에 없고</a:t>
+            </a:r>
+            <a:r>
+              <a:rPr lang="en-US" altLang="ko-KR" dirty="0"/>
+              <a:t>, </a:t>
+            </a:r>
+            <a:r>
+              <a:rPr lang="ko-KR" altLang="en-US" dirty="0"/>
+              <a:t>그 </a:t>
+            </a:r>
+            <a:r>
+              <a:rPr lang="en-US" altLang="ko-KR" dirty="0"/>
+              <a:t>Container</a:t>
+            </a:r>
+            <a:r>
+              <a:rPr lang="ko-KR" altLang="en-US" dirty="0"/>
+              <a:t>가 </a:t>
+            </a:r>
+            <a:r>
+              <a:rPr lang="en-US" altLang="ko-KR" dirty="0"/>
+              <a:t>XML Metadata</a:t>
+            </a:r>
+            <a:r>
+              <a:rPr lang="ko-KR" altLang="en-US" dirty="0"/>
+              <a:t>를 </a:t>
+            </a:r>
+            <a:r>
+              <a:rPr lang="ko-KR" altLang="en-US" dirty="0" err="1"/>
+              <a:t>읽어들여야</a:t>
+            </a:r>
+            <a:r>
+              <a:rPr lang="ko-KR" altLang="en-US" dirty="0"/>
+              <a:t> 한다</a:t>
+            </a:r>
+            <a:r>
+              <a:rPr lang="en-US" altLang="ko-KR" dirty="0"/>
+              <a:t>.</a:t>
+            </a:r>
+          </a:p>
+          <a:p>
+            <a:endParaRPr lang="en-US" altLang="ko-KR" dirty="0"/>
+          </a:p>
+          <a:p>
+            <a:endParaRPr lang="ko-KR" altLang="en-US" dirty="0"/>
           </a:p>
         </p:txBody>
       </p:sp>
@@ -1634,6 +1934,396 @@
     <p:extLst>
       <p:ext uri="{BB962C8B-B14F-4D97-AF65-F5344CB8AC3E}">
         <p14:creationId xmlns:p14="http://schemas.microsoft.com/office/powerpoint/2010/main" val="939342466"/>
+      </p:ext>
+    </p:extLst>
+  </p:cSld>
+  <p:clrMapOvr>
+    <a:masterClrMapping/>
+  </p:clrMapOvr>
+</p:notes>
+</file>
+
+<file path=ppt/notesSlides/notesSlide8.xml><?xml version="1.0" encoding="utf-8"?>
+<p:notes xmlns:a="http://schemas.openxmlformats.org/drawingml/2006/main" xmlns:r="http://schemas.openxmlformats.org/officeDocument/2006/relationships" xmlns:p="http://schemas.openxmlformats.org/presentationml/2006/main">
+  <p:cSld>
+    <p:spTree>
+      <p:nvGrpSpPr>
+        <p:cNvPr id="1" name=""/>
+        <p:cNvGrpSpPr/>
+        <p:nvPr/>
+      </p:nvGrpSpPr>
+      <p:grpSpPr>
+        <a:xfrm>
+          <a:off x="0" y="0"/>
+          <a:ext cx="0" cy="0"/>
+          <a:chOff x="0" y="0"/>
+          <a:chExt cx="0" cy="0"/>
+        </a:xfrm>
+      </p:grpSpPr>
+      <p:sp>
+        <p:nvSpPr>
+          <p:cNvPr id="2" name="슬라이드 이미지 개체 틀 1"/>
+          <p:cNvSpPr>
+            <a:spLocks noGrp="1" noRot="1" noChangeAspect="1"/>
+          </p:cNvSpPr>
+          <p:nvPr>
+            <p:ph type="sldImg"/>
+          </p:nvPr>
+        </p:nvSpPr>
+        <p:spPr/>
+      </p:sp>
+      <p:sp>
+        <p:nvSpPr>
+          <p:cNvPr id="3" name="슬라이드 노트 개체 틀 2"/>
+          <p:cNvSpPr>
+            <a:spLocks noGrp="1"/>
+          </p:cNvSpPr>
+          <p:nvPr>
+            <p:ph type="body" idx="1"/>
+          </p:nvPr>
+        </p:nvSpPr>
+        <p:spPr/>
+        <p:txBody>
+          <a:bodyPr/>
+          <a:lstStyle/>
+          <a:p>
+            <a:r>
+              <a:rPr lang="en-US" altLang="ko-KR" dirty="0"/>
+              <a:t>XML </a:t>
+            </a:r>
+            <a:r>
+              <a:rPr lang="ko-KR" altLang="en-US" dirty="0"/>
+              <a:t>파일에 새로운 </a:t>
+            </a:r>
+            <a:r>
+              <a:rPr lang="en-US" altLang="ko-KR" dirty="0"/>
+              <a:t>namespace</a:t>
+            </a:r>
+            <a:r>
+              <a:rPr lang="ko-KR" altLang="en-US" dirty="0"/>
+              <a:t>를 사용할 수 있다는 것은 어떤 의미</a:t>
+            </a:r>
+            <a:r>
+              <a:rPr lang="en-US" altLang="ko-KR" dirty="0"/>
+              <a:t>?</a:t>
+            </a:r>
+          </a:p>
+          <a:p>
+            <a:r>
+              <a:rPr lang="en-US" altLang="ko-KR" dirty="0"/>
+              <a:t>Container</a:t>
+            </a:r>
+            <a:r>
+              <a:rPr lang="ko-KR" altLang="en-US" dirty="0"/>
+              <a:t>에게 새로운 종류의 작업을 지시할 수 있다는 이야기</a:t>
+            </a:r>
+            <a:endParaRPr lang="en-US" altLang="ko-KR" dirty="0"/>
+          </a:p>
+          <a:p>
+            <a:endParaRPr lang="en-US" altLang="ko-KR" dirty="0"/>
+          </a:p>
+          <a:p>
+            <a:r>
+              <a:rPr lang="ko-KR" altLang="en-US" dirty="0"/>
+              <a:t>모든 </a:t>
+            </a:r>
+            <a:r>
+              <a:rPr lang="en-US" altLang="ko-KR" dirty="0"/>
+              <a:t>framework</a:t>
+            </a:r>
+            <a:r>
+              <a:rPr lang="ko-KR" altLang="en-US" dirty="0"/>
+              <a:t>는 </a:t>
+            </a:r>
+            <a:r>
+              <a:rPr lang="en-US" altLang="ko-KR" dirty="0"/>
+              <a:t>container</a:t>
+            </a:r>
+            <a:r>
+              <a:rPr lang="ko-KR" altLang="en-US" dirty="0"/>
+              <a:t>를 운용할 수 밖에 없다는 것을 절대절대 잊으면 안된다</a:t>
+            </a:r>
+            <a:r>
+              <a:rPr lang="en-US" altLang="ko-KR" dirty="0"/>
+              <a:t>.</a:t>
+            </a:r>
+          </a:p>
+          <a:p>
+            <a:r>
+              <a:rPr lang="ko-KR" altLang="en-US" dirty="0"/>
+              <a:t>운용하려면 필연적으로 </a:t>
+            </a:r>
+            <a:r>
+              <a:rPr lang="en-US" altLang="ko-KR" dirty="0"/>
+              <a:t>xml </a:t>
+            </a:r>
+            <a:r>
+              <a:rPr lang="ko-KR" altLang="en-US" dirty="0"/>
+              <a:t>파일이 필요할 수 밖에 없고</a:t>
+            </a:r>
+            <a:r>
+              <a:rPr lang="en-US" altLang="ko-KR" dirty="0"/>
+              <a:t>, xml </a:t>
+            </a:r>
+            <a:r>
+              <a:rPr lang="ko-KR" altLang="en-US" dirty="0"/>
+              <a:t>파일을 통해서 </a:t>
+            </a:r>
+            <a:r>
+              <a:rPr lang="en-US" altLang="ko-KR" dirty="0"/>
+              <a:t>container</a:t>
+            </a:r>
+            <a:r>
+              <a:rPr lang="ko-KR" altLang="en-US" dirty="0"/>
+              <a:t>의 동작을 결정한다</a:t>
+            </a:r>
+            <a:r>
+              <a:rPr lang="en-US" altLang="ko-KR" dirty="0"/>
+              <a:t>.</a:t>
+            </a:r>
+          </a:p>
+          <a:p>
+            <a:endParaRPr lang="en-US" altLang="ko-KR" dirty="0"/>
+          </a:p>
+          <a:p>
+            <a:endParaRPr lang="ko-KR" altLang="en-US" dirty="0"/>
+          </a:p>
+        </p:txBody>
+      </p:sp>
+      <p:sp>
+        <p:nvSpPr>
+          <p:cNvPr id="4" name="슬라이드 번호 개체 틀 3"/>
+          <p:cNvSpPr>
+            <a:spLocks noGrp="1"/>
+          </p:cNvSpPr>
+          <p:nvPr>
+            <p:ph type="sldNum" sz="quarter" idx="5"/>
+          </p:nvPr>
+        </p:nvSpPr>
+        <p:spPr/>
+        <p:txBody>
+          <a:bodyPr/>
+          <a:lstStyle/>
+          <a:p>
+            <a:fld id="{5C89D12D-55F5-4BD8-91FA-E7EC646B62F7}" type="slidenum">
+              <a:rPr lang="ko-KR" altLang="en-US" smtClean="0"/>
+              <a:t>15</a:t>
+            </a:fld>
+            <a:endParaRPr lang="ko-KR" altLang="en-US"/>
+          </a:p>
+        </p:txBody>
+      </p:sp>
+    </p:spTree>
+    <p:extLst>
+      <p:ext uri="{BB962C8B-B14F-4D97-AF65-F5344CB8AC3E}">
+        <p14:creationId xmlns:p14="http://schemas.microsoft.com/office/powerpoint/2010/main" val="340167591"/>
+      </p:ext>
+    </p:extLst>
+  </p:cSld>
+  <p:clrMapOvr>
+    <a:masterClrMapping/>
+  </p:clrMapOvr>
+</p:notes>
+</file>
+
+<file path=ppt/notesSlides/notesSlide9.xml><?xml version="1.0" encoding="utf-8"?>
+<p:notes xmlns:a="http://schemas.openxmlformats.org/drawingml/2006/main" xmlns:r="http://schemas.openxmlformats.org/officeDocument/2006/relationships" xmlns:p="http://schemas.openxmlformats.org/presentationml/2006/main">
+  <p:cSld>
+    <p:spTree>
+      <p:nvGrpSpPr>
+        <p:cNvPr id="1" name=""/>
+        <p:cNvGrpSpPr/>
+        <p:nvPr/>
+      </p:nvGrpSpPr>
+      <p:grpSpPr>
+        <a:xfrm>
+          <a:off x="0" y="0"/>
+          <a:ext cx="0" cy="0"/>
+          <a:chOff x="0" y="0"/>
+          <a:chExt cx="0" cy="0"/>
+        </a:xfrm>
+      </p:grpSpPr>
+      <p:sp>
+        <p:nvSpPr>
+          <p:cNvPr id="2" name="슬라이드 이미지 개체 틀 1"/>
+          <p:cNvSpPr>
+            <a:spLocks noGrp="1" noRot="1" noChangeAspect="1"/>
+          </p:cNvSpPr>
+          <p:nvPr>
+            <p:ph type="sldImg"/>
+          </p:nvPr>
+        </p:nvSpPr>
+        <p:spPr/>
+      </p:sp>
+      <p:sp>
+        <p:nvSpPr>
+          <p:cNvPr id="3" name="슬라이드 노트 개체 틀 2"/>
+          <p:cNvSpPr>
+            <a:spLocks noGrp="1"/>
+          </p:cNvSpPr>
+          <p:nvPr>
+            <p:ph type="body" idx="1"/>
+          </p:nvPr>
+        </p:nvSpPr>
+        <p:spPr/>
+        <p:txBody>
+          <a:bodyPr/>
+          <a:lstStyle/>
+          <a:p>
+            <a:r>
+              <a:rPr lang="en-US" altLang="ko-KR" dirty="0"/>
+              <a:t>alias, description, import </a:t>
+            </a:r>
+            <a:r>
+              <a:rPr lang="ko-KR" altLang="en-US" dirty="0"/>
+              <a:t>태그에 대해서 알아보자</a:t>
+            </a:r>
+            <a:r>
+              <a:rPr lang="en-US" altLang="ko-KR" dirty="0"/>
+              <a:t>.</a:t>
+            </a:r>
+          </a:p>
+          <a:p>
+            <a:endParaRPr lang="en-US" altLang="ko-KR" dirty="0"/>
+          </a:p>
+          <a:p>
+            <a:pPr marL="171450" indent="-171450">
+              <a:buFontTx/>
+              <a:buChar char="-"/>
+            </a:pPr>
+            <a:r>
+              <a:rPr lang="en-US" altLang="ko-KR" dirty="0"/>
+              <a:t>alias : </a:t>
+            </a:r>
+            <a:r>
+              <a:rPr lang="ko-KR" altLang="en-US" dirty="0"/>
+              <a:t>별명 설정</a:t>
+            </a:r>
+            <a:endParaRPr lang="en-US" altLang="ko-KR" dirty="0"/>
+          </a:p>
+          <a:p>
+            <a:pPr marL="171450" indent="-171450">
+              <a:buFontTx/>
+              <a:buChar char="-"/>
+            </a:pPr>
+            <a:r>
+              <a:rPr lang="en-US" altLang="ko-KR" dirty="0"/>
+              <a:t>description : </a:t>
+            </a:r>
+            <a:r>
+              <a:rPr lang="ko-KR" altLang="en-US" dirty="0"/>
+              <a:t>주석 설정</a:t>
+            </a:r>
+            <a:r>
+              <a:rPr lang="en-US" altLang="ko-KR" dirty="0"/>
+              <a:t>(</a:t>
+            </a:r>
+            <a:r>
+              <a:rPr lang="ko-KR" altLang="en-US" dirty="0"/>
+              <a:t>근데 잘 사용하지 않음</a:t>
+            </a:r>
+            <a:r>
+              <a:rPr lang="en-US" altLang="ko-KR" dirty="0"/>
+              <a:t>)</a:t>
+            </a:r>
+          </a:p>
+          <a:p>
+            <a:pPr marL="171450" indent="-171450">
+              <a:buFontTx/>
+              <a:buChar char="-"/>
+            </a:pPr>
+            <a:r>
+              <a:rPr lang="en-US" altLang="ko-KR" dirty="0"/>
+              <a:t>import : container</a:t>
+            </a:r>
+            <a:r>
+              <a:rPr lang="ko-KR" altLang="en-US" dirty="0"/>
+              <a:t>가 </a:t>
+            </a:r>
+            <a:r>
+              <a:rPr lang="en-US" altLang="ko-KR" dirty="0"/>
+              <a:t>xml</a:t>
+            </a:r>
+            <a:r>
+              <a:rPr lang="ko-KR" altLang="en-US" dirty="0"/>
+              <a:t>을 </a:t>
+            </a:r>
+            <a:r>
+              <a:rPr lang="ko-KR" altLang="en-US" dirty="0" err="1"/>
+              <a:t>로딩할</a:t>
+            </a:r>
+            <a:r>
+              <a:rPr lang="ko-KR" altLang="en-US" dirty="0"/>
+              <a:t> 때</a:t>
+            </a:r>
+            <a:r>
+              <a:rPr lang="en-US" altLang="ko-KR" dirty="0"/>
+              <a:t>, </a:t>
+            </a:r>
+            <a:r>
+              <a:rPr lang="ko-KR" altLang="en-US" dirty="0"/>
+              <a:t>다른 </a:t>
+            </a:r>
+            <a:r>
+              <a:rPr lang="en-US" altLang="ko-KR" dirty="0"/>
+              <a:t>xml</a:t>
+            </a:r>
+            <a:r>
+              <a:rPr lang="ko-KR" altLang="en-US" dirty="0"/>
+              <a:t>을 불러오거나 할 때 사용</a:t>
+            </a:r>
+            <a:endParaRPr lang="en-US" altLang="ko-KR" dirty="0"/>
+          </a:p>
+          <a:p>
+            <a:pPr marL="171450" indent="-171450">
+              <a:buFontTx/>
+              <a:buChar char="-"/>
+            </a:pPr>
+            <a:endParaRPr lang="en-US" altLang="ko-KR" dirty="0"/>
+          </a:p>
+          <a:p>
+            <a:pPr marL="0" indent="0">
+              <a:buFontTx/>
+              <a:buNone/>
+            </a:pPr>
+            <a:endParaRPr lang="en-US" altLang="ko-KR" dirty="0"/>
+          </a:p>
+          <a:p>
+            <a:pPr marL="0" indent="0">
+              <a:buFontTx/>
+              <a:buNone/>
+            </a:pPr>
+            <a:endParaRPr lang="en-US" altLang="ko-KR" dirty="0"/>
+          </a:p>
+        </p:txBody>
+      </p:sp>
+      <p:sp>
+        <p:nvSpPr>
+          <p:cNvPr id="4" name="슬라이드 번호 개체 틀 3"/>
+          <p:cNvSpPr>
+            <a:spLocks noGrp="1"/>
+          </p:cNvSpPr>
+          <p:nvPr>
+            <p:ph type="sldNum" sz="quarter" idx="5"/>
+          </p:nvPr>
+        </p:nvSpPr>
+        <p:spPr/>
+        <p:txBody>
+          <a:bodyPr/>
+          <a:lstStyle/>
+          <a:p>
+            <a:fld id="{5C89D12D-55F5-4BD8-91FA-E7EC646B62F7}" type="slidenum">
+              <a:rPr lang="ko-KR" altLang="en-US" smtClean="0"/>
+              <a:t>16</a:t>
+            </a:fld>
+            <a:endParaRPr lang="ko-KR" altLang="en-US"/>
+          </a:p>
+        </p:txBody>
+      </p:sp>
+    </p:spTree>
+    <p:extLst>
+      <p:ext uri="{BB962C8B-B14F-4D97-AF65-F5344CB8AC3E}">
+        <p14:creationId xmlns:p14="http://schemas.microsoft.com/office/powerpoint/2010/main" val="3903242979"/>
       </p:ext>
     </p:extLst>
   </p:cSld>
@@ -5527,8 +6217,26 @@
             </a:r>
             <a:r>
               <a:rPr lang="en-US" altLang="ko-KR" dirty="0"/>
-              <a:t>. </a:t>
-            </a:r>
+              <a:t>. (pre-loading)</a:t>
+            </a:r>
+          </a:p>
+          <a:p>
+            <a:pPr marL="457200" lvl="1" indent="0">
+              <a:buNone/>
+            </a:pPr>
+            <a:r>
+              <a:rPr lang="en-US" altLang="ko-KR" dirty="0"/>
+              <a:t>- </a:t>
+            </a:r>
+            <a:r>
+              <a:rPr lang="ko-KR" altLang="en-US" dirty="0"/>
+              <a:t>클라이언트의 요청 </a:t>
+            </a:r>
+            <a:r>
+              <a:rPr lang="ko-KR" altLang="en-US" dirty="0" err="1"/>
+              <a:t>필요없음</a:t>
+            </a:r>
+            <a:endParaRPr lang="en-US" altLang="ko-KR" dirty="0"/>
           </a:p>
           <a:p>
             <a:pPr lvl="1"/>
@@ -5543,6 +6251,31 @@
             <a:r>
               <a:rPr lang="en-US" altLang="ko-KR" dirty="0"/>
               <a:t>. </a:t>
+            </a:r>
+          </a:p>
+          <a:p>
+            <a:pPr marL="457200" lvl="1" indent="0">
+              <a:buNone/>
+            </a:pPr>
+            <a:r>
+              <a:rPr lang="en-US" altLang="ko-KR" dirty="0"/>
+              <a:t>- </a:t>
+            </a:r>
+            <a:r>
+              <a:rPr lang="ko-KR" altLang="en-US" dirty="0"/>
+              <a:t>반드시 </a:t>
+            </a:r>
+            <a:r>
+              <a:rPr lang="en-US" altLang="ko-KR" dirty="0"/>
+              <a:t>default </a:t>
+            </a:r>
+            <a:r>
+              <a:rPr lang="ko-KR" altLang="en-US" dirty="0"/>
+              <a:t>생성자만</a:t>
+            </a:r>
+            <a:r>
+              <a:rPr lang="en-US" altLang="ko-KR" dirty="0"/>
+              <a:t>!!!</a:t>
             </a:r>
           </a:p>
         </p:txBody>
@@ -5651,24 +6384,28 @@
           <a:p>
             <a:pPr lvl="1"/>
             <a:r>
-              <a:rPr lang="en-US" altLang="ko-KR" dirty="0"/>
+              <a:rPr lang="en-US" altLang="ko-KR" b="1" dirty="0"/>
               <a:t>id : </a:t>
             </a:r>
             <a:r>
-              <a:rPr lang="ko-KR" altLang="en-US" dirty="0"/>
+              <a:rPr lang="ko-KR" altLang="en-US" b="1" dirty="0"/>
               <a:t>컨테이너가 생성한 객체들을 식별하기 위해 사용하는 이름으로</a:t>
             </a:r>
             <a:r>
-              <a:rPr lang="en-US" altLang="ko-KR" dirty="0"/>
+              <a:rPr lang="en-US" altLang="ko-KR" b="1" dirty="0"/>
               <a:t> </a:t>
             </a:r>
             <a:r>
-              <a:rPr lang="ko-KR" altLang="en-US" dirty="0"/>
+              <a:rPr lang="ko-KR" altLang="en-US" b="1" dirty="0"/>
               <a:t>자바의 식별자 작성 규칙이 적용된다</a:t>
             </a:r>
             <a:r>
-              <a:rPr lang="en-US" altLang="ko-KR" dirty="0"/>
-              <a:t>. </a:t>
+              <a:rPr lang="en-US" altLang="ko-KR" b="1" dirty="0"/>
+              <a:t>.</a:t>
+            </a:r>
+            <a:r>
+              <a:rPr lang="en-US" altLang="ko-KR" dirty="0"/>
+              <a:t> </a:t>
             </a:r>
           </a:p>
           <a:p>

--- a/notes/IoC.pptx
+++ b/notes/IoC.pptx
@@ -247,7 +247,7 @@
           <a:p>
             <a:fld id="{C43FDFFC-4157-4789-B17D-39F4816026EB}" type="datetimeFigureOut">
               <a:rPr lang="ko-KR" altLang="en-US" smtClean="0"/>
-              <a:t>2024-06-30</a:t>
+              <a:t>2024-07-01</a:t>
             </a:fld>
             <a:endParaRPr lang="ko-KR" altLang="en-US"/>
           </a:p>
@@ -1093,6 +1093,1321 @@
 </p:notes>
 </file>
 
+<file path=ppt/notesSlides/notesSlide11.xml><?xml version="1.0" encoding="utf-8"?>
+<p:notes xmlns:a="http://schemas.openxmlformats.org/drawingml/2006/main" xmlns:r="http://schemas.openxmlformats.org/officeDocument/2006/relationships" xmlns:p="http://schemas.openxmlformats.org/presentationml/2006/main">
+  <p:cSld>
+    <p:spTree>
+      <p:nvGrpSpPr>
+        <p:cNvPr id="1" name=""/>
+        <p:cNvGrpSpPr/>
+        <p:nvPr/>
+      </p:nvGrpSpPr>
+      <p:grpSpPr>
+        <a:xfrm>
+          <a:off x="0" y="0"/>
+          <a:ext cx="0" cy="0"/>
+          <a:chOff x="0" y="0"/>
+          <a:chExt cx="0" cy="0"/>
+        </a:xfrm>
+      </p:grpSpPr>
+      <p:sp>
+        <p:nvSpPr>
+          <p:cNvPr id="2" name="슬라이드 이미지 개체 틀 1"/>
+          <p:cNvSpPr>
+            <a:spLocks noGrp="1" noRot="1" noChangeAspect="1"/>
+          </p:cNvSpPr>
+          <p:nvPr>
+            <p:ph type="sldImg"/>
+          </p:nvPr>
+        </p:nvSpPr>
+        <p:spPr/>
+      </p:sp>
+      <p:sp>
+        <p:nvSpPr>
+          <p:cNvPr id="3" name="슬라이드 노트 개체 틀 2"/>
+          <p:cNvSpPr>
+            <a:spLocks noGrp="1"/>
+          </p:cNvSpPr>
+          <p:nvPr>
+            <p:ph type="body" idx="1"/>
+          </p:nvPr>
+        </p:nvSpPr>
+        <p:spPr/>
+        <p:txBody>
+          <a:bodyPr/>
+          <a:lstStyle/>
+          <a:p>
+            <a:r>
+              <a:rPr lang="ko-KR" altLang="en-US" dirty="0"/>
+              <a:t>객체를 삭제하기 위해 </a:t>
+            </a:r>
+            <a:r>
+              <a:rPr lang="en-US" altLang="ko-KR" dirty="0"/>
+              <a:t>destroy-method</a:t>
+            </a:r>
+            <a:r>
+              <a:rPr lang="ko-KR" altLang="en-US" dirty="0"/>
+              <a:t>를 설정하는데</a:t>
+            </a:r>
+            <a:endParaRPr lang="en-US" altLang="ko-KR" dirty="0"/>
+          </a:p>
+          <a:p>
+            <a:r>
+              <a:rPr lang="ko-KR" altLang="en-US" dirty="0"/>
+              <a:t>그러면 삭제는 어떻게 하냐</a:t>
+            </a:r>
+            <a:r>
+              <a:rPr lang="en-US" altLang="ko-KR" dirty="0"/>
+              <a:t>? </a:t>
+            </a:r>
+            <a:r>
+              <a:rPr lang="en-US" altLang="ko-KR" dirty="0" err="1"/>
+              <a:t>container.close</a:t>
+            </a:r>
+            <a:r>
+              <a:rPr lang="ko-KR" altLang="en-US" dirty="0"/>
+              <a:t>를 하면 컨테이너가 관리하던 모든 객체가 삭제된다</a:t>
+            </a:r>
+            <a:r>
+              <a:rPr lang="en-US" altLang="ko-KR" dirty="0"/>
+              <a:t>.</a:t>
+            </a:r>
+          </a:p>
+          <a:p>
+            <a:endParaRPr lang="en-US" altLang="ko-KR" dirty="0"/>
+          </a:p>
+          <a:p>
+            <a:r>
+              <a:rPr lang="en-US" altLang="ko-KR" dirty="0"/>
+              <a:t>lazy-</a:t>
+            </a:r>
+            <a:r>
+              <a:rPr lang="en-US" altLang="ko-KR" dirty="0" err="1"/>
+              <a:t>init</a:t>
+            </a:r>
+            <a:r>
+              <a:rPr lang="en-US" altLang="ko-KR" dirty="0"/>
+              <a:t> : false </a:t>
+            </a:r>
+            <a:r>
+              <a:rPr lang="ko-KR" altLang="en-US" dirty="0"/>
+              <a:t>라면 이것은 </a:t>
+            </a:r>
+            <a:r>
+              <a:rPr lang="en-US" altLang="ko-KR" dirty="0"/>
+              <a:t>pre-loading </a:t>
+            </a:r>
+            <a:r>
+              <a:rPr lang="ko-KR" altLang="en-US" dirty="0"/>
+              <a:t>이라는 이야기</a:t>
+            </a:r>
+            <a:r>
+              <a:rPr lang="en-US" altLang="ko-KR" dirty="0"/>
+              <a:t>(</a:t>
+            </a:r>
+            <a:r>
+              <a:rPr lang="ko-KR" altLang="en-US" dirty="0"/>
+              <a:t>그런데 실제로 개발할 때 사용할 일이 거의 없음</a:t>
+            </a:r>
+            <a:r>
+              <a:rPr lang="en-US" altLang="ko-KR" dirty="0"/>
+              <a:t>)</a:t>
+            </a:r>
+          </a:p>
+          <a:p>
+            <a:endParaRPr lang="en-US" altLang="ko-KR" dirty="0"/>
+          </a:p>
+          <a:p>
+            <a:endParaRPr lang="en-US" altLang="ko-KR" dirty="0"/>
+          </a:p>
+          <a:p>
+            <a:r>
+              <a:rPr lang="en-US" altLang="ko-KR" dirty="0"/>
+              <a:t>scope</a:t>
+            </a:r>
+            <a:r>
+              <a:rPr lang="ko-KR" altLang="en-US" dirty="0"/>
+              <a:t> </a:t>
+            </a:r>
+            <a:r>
+              <a:rPr lang="en-US" altLang="ko-KR" dirty="0"/>
+              <a:t>:</a:t>
+            </a:r>
+            <a:r>
+              <a:rPr lang="ko-KR" altLang="en-US" dirty="0"/>
+              <a:t> </a:t>
+            </a:r>
+            <a:r>
+              <a:rPr lang="ko-KR" altLang="en-US" dirty="0" err="1"/>
+              <a:t>매우매우</a:t>
+            </a:r>
+            <a:r>
+              <a:rPr lang="ko-KR" altLang="en-US" dirty="0"/>
+              <a:t> 중요함</a:t>
+            </a:r>
+            <a:endParaRPr lang="en-US" altLang="ko-KR" dirty="0"/>
+          </a:p>
+          <a:p>
+            <a:r>
+              <a:rPr lang="ko-KR" altLang="en-US" dirty="0"/>
+              <a:t>객체를 계속 생성하는 것은 메모리 </a:t>
+            </a:r>
+            <a:r>
+              <a:rPr lang="ko-KR" altLang="en-US" dirty="0" err="1"/>
+              <a:t>낭비니깐</a:t>
+            </a:r>
+            <a:r>
+              <a:rPr lang="en-US" altLang="ko-KR" dirty="0"/>
+              <a:t>.. </a:t>
+            </a:r>
+            <a:r>
+              <a:rPr lang="ko-KR" altLang="en-US" dirty="0"/>
+              <a:t>하나의 객체를 생성해서 계속해서 재사용하고 싶은데</a:t>
+            </a:r>
+            <a:r>
+              <a:rPr lang="en-US" altLang="ko-KR" dirty="0"/>
+              <a:t>…. </a:t>
+            </a:r>
+            <a:r>
+              <a:rPr lang="ko-KR" altLang="en-US" dirty="0"/>
+              <a:t>어떻게 하는 것이 좋을까</a:t>
+            </a:r>
+            <a:r>
+              <a:rPr lang="en-US" altLang="ko-KR" dirty="0"/>
+              <a:t>?</a:t>
+            </a:r>
+            <a:br>
+              <a:rPr lang="en-US" altLang="ko-KR" dirty="0"/>
+            </a:br>
+            <a:r>
+              <a:rPr lang="ko-KR" altLang="en-US" dirty="0" err="1"/>
+              <a:t>순제어</a:t>
+            </a:r>
+            <a:r>
+              <a:rPr lang="ko-KR" altLang="en-US" dirty="0"/>
+              <a:t> 방식으로 객체를 생성하면 메모리 남용이 잦아짐</a:t>
+            </a:r>
+            <a:r>
+              <a:rPr lang="en-US" altLang="ko-KR" dirty="0"/>
+              <a:t>.</a:t>
+            </a:r>
+          </a:p>
+          <a:p>
+            <a:r>
+              <a:rPr lang="ko-KR" altLang="en-US" dirty="0"/>
+              <a:t>그래서 </a:t>
+            </a:r>
+            <a:r>
+              <a:rPr lang="en-US" altLang="ko-KR" dirty="0"/>
+              <a:t>spring</a:t>
+            </a:r>
+            <a:r>
+              <a:rPr lang="ko-KR" altLang="en-US" dirty="0"/>
+              <a:t>이 해결하는 방식이 있음</a:t>
+            </a:r>
+            <a:endParaRPr lang="en-US" altLang="ko-KR" dirty="0"/>
+          </a:p>
+          <a:p>
+            <a:endParaRPr lang="en-US" altLang="ko-KR" dirty="0"/>
+          </a:p>
+          <a:p>
+            <a:r>
+              <a:rPr lang="en-US" altLang="ko-KR" dirty="0"/>
+              <a:t>container</a:t>
+            </a:r>
+            <a:r>
+              <a:rPr lang="ko-KR" altLang="en-US" dirty="0"/>
+              <a:t>로부터 </a:t>
+            </a:r>
+            <a:r>
+              <a:rPr lang="en-US" altLang="ko-KR" dirty="0" err="1"/>
+              <a:t>getBean</a:t>
+            </a:r>
+            <a:r>
+              <a:rPr lang="en-US" altLang="ko-KR" dirty="0"/>
+              <a:t> </a:t>
+            </a:r>
+            <a:r>
+              <a:rPr lang="ko-KR" altLang="en-US" dirty="0"/>
+              <a:t>을 수행하면 주소만 </a:t>
+            </a:r>
+            <a:r>
+              <a:rPr lang="en-US" altLang="ko-KR" dirty="0"/>
+              <a:t>return. </a:t>
+            </a:r>
+            <a:r>
+              <a:rPr lang="ko-KR" altLang="en-US" dirty="0"/>
+              <a:t>아무리 많이 객체를 생성해도 하나를 유지할 수 있다</a:t>
+            </a:r>
+            <a:r>
+              <a:rPr lang="en-US" altLang="ko-KR" dirty="0"/>
+              <a:t>.</a:t>
+            </a:r>
+          </a:p>
+          <a:p>
+            <a:r>
+              <a:rPr lang="en-US" altLang="ko-KR" dirty="0"/>
+              <a:t>scope</a:t>
+            </a:r>
+            <a:r>
+              <a:rPr lang="ko-KR" altLang="en-US" dirty="0"/>
+              <a:t>의 기본값은 </a:t>
+            </a:r>
+            <a:r>
+              <a:rPr lang="en-US" altLang="ko-KR" dirty="0"/>
+              <a:t>singleton</a:t>
+            </a:r>
+          </a:p>
+          <a:p>
+            <a:r>
+              <a:rPr lang="en-US" altLang="ko-KR" dirty="0"/>
+              <a:t>scope</a:t>
+            </a:r>
+            <a:r>
+              <a:rPr lang="ko-KR" altLang="en-US" dirty="0"/>
+              <a:t>의 값을 </a:t>
+            </a:r>
+            <a:r>
+              <a:rPr lang="en-US" altLang="ko-KR" dirty="0"/>
+              <a:t>prototype</a:t>
+            </a:r>
+            <a:r>
+              <a:rPr lang="ko-KR" altLang="en-US" dirty="0"/>
+              <a:t>으로 수정하면 그 때마다 새로운 객체를 생성한다</a:t>
+            </a:r>
+            <a:r>
+              <a:rPr lang="en-US" altLang="ko-KR" dirty="0"/>
+              <a:t>.</a:t>
+            </a:r>
+          </a:p>
+          <a:p>
+            <a:endParaRPr lang="en-US" altLang="ko-KR" dirty="0"/>
+          </a:p>
+        </p:txBody>
+      </p:sp>
+      <p:sp>
+        <p:nvSpPr>
+          <p:cNvPr id="4" name="슬라이드 번호 개체 틀 3"/>
+          <p:cNvSpPr>
+            <a:spLocks noGrp="1"/>
+          </p:cNvSpPr>
+          <p:nvPr>
+            <p:ph type="sldNum" sz="quarter" idx="5"/>
+          </p:nvPr>
+        </p:nvSpPr>
+        <p:spPr/>
+        <p:txBody>
+          <a:bodyPr/>
+          <a:lstStyle/>
+          <a:p>
+            <a:fld id="{5C89D12D-55F5-4BD8-91FA-E7EC646B62F7}" type="slidenum">
+              <a:rPr lang="ko-KR" altLang="en-US" smtClean="0"/>
+              <a:t>18</a:t>
+            </a:fld>
+            <a:endParaRPr lang="ko-KR" altLang="en-US"/>
+          </a:p>
+        </p:txBody>
+      </p:sp>
+    </p:spTree>
+    <p:extLst>
+      <p:ext uri="{BB962C8B-B14F-4D97-AF65-F5344CB8AC3E}">
+        <p14:creationId xmlns:p14="http://schemas.microsoft.com/office/powerpoint/2010/main" val="3375005725"/>
+      </p:ext>
+    </p:extLst>
+  </p:cSld>
+  <p:clrMapOvr>
+    <a:masterClrMapping/>
+  </p:clrMapOvr>
+</p:notes>
+</file>
+
+<file path=ppt/notesSlides/notesSlide12.xml><?xml version="1.0" encoding="utf-8"?>
+<p:notes xmlns:a="http://schemas.openxmlformats.org/drawingml/2006/main" xmlns:r="http://schemas.openxmlformats.org/officeDocument/2006/relationships" xmlns:p="http://schemas.openxmlformats.org/presentationml/2006/main">
+  <p:cSld>
+    <p:spTree>
+      <p:nvGrpSpPr>
+        <p:cNvPr id="1" name=""/>
+        <p:cNvGrpSpPr/>
+        <p:nvPr/>
+      </p:nvGrpSpPr>
+      <p:grpSpPr>
+        <a:xfrm>
+          <a:off x="0" y="0"/>
+          <a:ext cx="0" cy="0"/>
+          <a:chOff x="0" y="0"/>
+          <a:chExt cx="0" cy="0"/>
+        </a:xfrm>
+      </p:grpSpPr>
+      <p:sp>
+        <p:nvSpPr>
+          <p:cNvPr id="2" name="슬라이드 이미지 개체 틀 1"/>
+          <p:cNvSpPr>
+            <a:spLocks noGrp="1" noRot="1" noChangeAspect="1"/>
+          </p:cNvSpPr>
+          <p:nvPr>
+            <p:ph type="sldImg"/>
+          </p:nvPr>
+        </p:nvSpPr>
+        <p:spPr/>
+      </p:sp>
+      <p:sp>
+        <p:nvSpPr>
+          <p:cNvPr id="3" name="슬라이드 노트 개체 틀 2"/>
+          <p:cNvSpPr>
+            <a:spLocks noGrp="1"/>
+          </p:cNvSpPr>
+          <p:nvPr>
+            <p:ph type="body" idx="1"/>
+          </p:nvPr>
+        </p:nvSpPr>
+        <p:spPr/>
+        <p:txBody>
+          <a:bodyPr/>
+          <a:lstStyle/>
+          <a:p>
+            <a:r>
+              <a:rPr lang="en-US" altLang="ko-KR" dirty="0"/>
+              <a:t>container</a:t>
+            </a:r>
+            <a:r>
+              <a:rPr lang="ko-KR" altLang="en-US" dirty="0"/>
+              <a:t>가 제공하는 </a:t>
+            </a:r>
+            <a:r>
+              <a:rPr lang="en-US" altLang="ko-KR" dirty="0" err="1"/>
+              <a:t>getBean</a:t>
+            </a:r>
+            <a:r>
+              <a:rPr lang="en-US" altLang="ko-KR" dirty="0"/>
+              <a:t> method</a:t>
+            </a:r>
+            <a:r>
+              <a:rPr lang="ko-KR" altLang="en-US" dirty="0"/>
+              <a:t>가 </a:t>
+            </a:r>
+            <a:r>
+              <a:rPr lang="en-US" altLang="ko-KR" dirty="0"/>
+              <a:t>lookup </a:t>
+            </a:r>
+            <a:r>
+              <a:rPr lang="ko-KR" altLang="en-US" dirty="0"/>
+              <a:t>기능을 하는 것</a:t>
+            </a:r>
+            <a:endParaRPr lang="en-US" altLang="ko-KR" dirty="0"/>
+          </a:p>
+          <a:p>
+            <a:r>
+              <a:rPr lang="ko-KR" altLang="en-US" dirty="0"/>
+              <a:t>그런데 사실 거의 사용할 필요가 없어서 굳이 자세히 알지 않아도 된다</a:t>
+            </a:r>
+            <a:r>
+              <a:rPr lang="en-US" altLang="ko-KR" dirty="0"/>
+              <a:t>.</a:t>
+            </a:r>
+          </a:p>
+          <a:p>
+            <a:endParaRPr lang="en-US" altLang="ko-KR" dirty="0"/>
+          </a:p>
+          <a:p>
+            <a:endParaRPr lang="en-US" altLang="ko-KR" dirty="0"/>
+          </a:p>
+          <a:p>
+            <a:endParaRPr lang="en-US" altLang="ko-KR" dirty="0"/>
+          </a:p>
+        </p:txBody>
+      </p:sp>
+      <p:sp>
+        <p:nvSpPr>
+          <p:cNvPr id="4" name="슬라이드 번호 개체 틀 3"/>
+          <p:cNvSpPr>
+            <a:spLocks noGrp="1"/>
+          </p:cNvSpPr>
+          <p:nvPr>
+            <p:ph type="sldNum" sz="quarter" idx="5"/>
+          </p:nvPr>
+        </p:nvSpPr>
+        <p:spPr/>
+        <p:txBody>
+          <a:bodyPr/>
+          <a:lstStyle/>
+          <a:p>
+            <a:fld id="{5C89D12D-55F5-4BD8-91FA-E7EC646B62F7}" type="slidenum">
+              <a:rPr lang="ko-KR" altLang="en-US" smtClean="0"/>
+              <a:t>20</a:t>
+            </a:fld>
+            <a:endParaRPr lang="ko-KR" altLang="en-US"/>
+          </a:p>
+        </p:txBody>
+      </p:sp>
+    </p:spTree>
+    <p:extLst>
+      <p:ext uri="{BB962C8B-B14F-4D97-AF65-F5344CB8AC3E}">
+        <p14:creationId xmlns:p14="http://schemas.microsoft.com/office/powerpoint/2010/main" val="40121248"/>
+      </p:ext>
+    </p:extLst>
+  </p:cSld>
+  <p:clrMapOvr>
+    <a:masterClrMapping/>
+  </p:clrMapOvr>
+</p:notes>
+</file>
+
+<file path=ppt/notesSlides/notesSlide13.xml><?xml version="1.0" encoding="utf-8"?>
+<p:notes xmlns:a="http://schemas.openxmlformats.org/drawingml/2006/main" xmlns:r="http://schemas.openxmlformats.org/officeDocument/2006/relationships" xmlns:p="http://schemas.openxmlformats.org/presentationml/2006/main">
+  <p:cSld>
+    <p:spTree>
+      <p:nvGrpSpPr>
+        <p:cNvPr id="1" name=""/>
+        <p:cNvGrpSpPr/>
+        <p:nvPr/>
+      </p:nvGrpSpPr>
+      <p:grpSpPr>
+        <a:xfrm>
+          <a:off x="0" y="0"/>
+          <a:ext cx="0" cy="0"/>
+          <a:chOff x="0" y="0"/>
+          <a:chExt cx="0" cy="0"/>
+        </a:xfrm>
+      </p:grpSpPr>
+      <p:sp>
+        <p:nvSpPr>
+          <p:cNvPr id="2" name="슬라이드 이미지 개체 틀 1"/>
+          <p:cNvSpPr>
+            <a:spLocks noGrp="1" noRot="1" noChangeAspect="1"/>
+          </p:cNvSpPr>
+          <p:nvPr>
+            <p:ph type="sldImg"/>
+          </p:nvPr>
+        </p:nvSpPr>
+        <p:spPr/>
+      </p:sp>
+      <p:sp>
+        <p:nvSpPr>
+          <p:cNvPr id="3" name="슬라이드 노트 개체 틀 2"/>
+          <p:cNvSpPr>
+            <a:spLocks noGrp="1"/>
+          </p:cNvSpPr>
+          <p:nvPr>
+            <p:ph type="body" idx="1"/>
+          </p:nvPr>
+        </p:nvSpPr>
+        <p:spPr/>
+        <p:txBody>
+          <a:bodyPr/>
+          <a:lstStyle/>
+          <a:p>
+            <a:r>
+              <a:rPr lang="ko-KR" altLang="en-US" dirty="0"/>
+              <a:t>객체지향 프로그램은 기능을 더 잘 수행할 수 있는 객체를 만들어서 해당 객체의 </a:t>
+            </a:r>
+            <a:r>
+              <a:rPr lang="en-US" altLang="ko-KR" dirty="0"/>
+              <a:t>method</a:t>
+            </a:r>
+            <a:r>
+              <a:rPr lang="ko-KR" altLang="en-US" dirty="0"/>
+              <a:t>를 참조변수를 통해 호출하면 된다</a:t>
+            </a:r>
+            <a:r>
+              <a:rPr lang="en-US" altLang="ko-KR" dirty="0"/>
+              <a:t>.</a:t>
+            </a:r>
+          </a:p>
+          <a:p>
+            <a:endParaRPr lang="en-US" altLang="ko-KR" dirty="0"/>
+          </a:p>
+          <a:p>
+            <a:r>
+              <a:rPr lang="en-US" altLang="ko-KR" dirty="0" err="1"/>
+              <a:t>SamsungTV</a:t>
+            </a:r>
+            <a:r>
+              <a:rPr lang="en-US" altLang="ko-KR" dirty="0"/>
+              <a:t> </a:t>
+            </a:r>
+            <a:r>
+              <a:rPr lang="ko-KR" altLang="en-US" dirty="0"/>
+              <a:t>객체는 원래 직접 볼륨 조절을 </a:t>
+            </a:r>
+            <a:r>
+              <a:rPr lang="ko-KR" altLang="en-US" dirty="0" err="1"/>
+              <a:t>했었는데</a:t>
+            </a:r>
+            <a:r>
+              <a:rPr lang="ko-KR" altLang="en-US" dirty="0"/>
+              <a:t> 이제 </a:t>
+            </a:r>
+            <a:r>
+              <a:rPr lang="en-US" altLang="ko-KR" dirty="0" err="1"/>
+              <a:t>SonySpeaker</a:t>
+            </a:r>
+            <a:r>
+              <a:rPr lang="en-US" altLang="ko-KR" dirty="0"/>
+              <a:t> </a:t>
+            </a:r>
+            <a:r>
+              <a:rPr lang="ko-KR" altLang="en-US" dirty="0"/>
+              <a:t>객체의 도움을 받아서 볼륨 조절을 수행한다</a:t>
+            </a:r>
+            <a:r>
+              <a:rPr lang="en-US" altLang="ko-KR" dirty="0"/>
+              <a:t>.</a:t>
+            </a:r>
+          </a:p>
+          <a:p>
+            <a:endParaRPr lang="en-US" altLang="ko-KR" dirty="0"/>
+          </a:p>
+        </p:txBody>
+      </p:sp>
+      <p:sp>
+        <p:nvSpPr>
+          <p:cNvPr id="4" name="슬라이드 번호 개체 틀 3"/>
+          <p:cNvSpPr>
+            <a:spLocks noGrp="1"/>
+          </p:cNvSpPr>
+          <p:nvPr>
+            <p:ph type="sldNum" sz="quarter" idx="5"/>
+          </p:nvPr>
+        </p:nvSpPr>
+        <p:spPr/>
+        <p:txBody>
+          <a:bodyPr/>
+          <a:lstStyle/>
+          <a:p>
+            <a:fld id="{5C89D12D-55F5-4BD8-91FA-E7EC646B62F7}" type="slidenum">
+              <a:rPr lang="ko-KR" altLang="en-US" smtClean="0"/>
+              <a:t>21</a:t>
+            </a:fld>
+            <a:endParaRPr lang="ko-KR" altLang="en-US"/>
+          </a:p>
+        </p:txBody>
+      </p:sp>
+    </p:spTree>
+    <p:extLst>
+      <p:ext uri="{BB962C8B-B14F-4D97-AF65-F5344CB8AC3E}">
+        <p14:creationId xmlns:p14="http://schemas.microsoft.com/office/powerpoint/2010/main" val="3419563087"/>
+      </p:ext>
+    </p:extLst>
+  </p:cSld>
+  <p:clrMapOvr>
+    <a:masterClrMapping/>
+  </p:clrMapOvr>
+</p:notes>
+</file>
+
+<file path=ppt/notesSlides/notesSlide14.xml><?xml version="1.0" encoding="utf-8"?>
+<p:notes xmlns:a="http://schemas.openxmlformats.org/drawingml/2006/main" xmlns:r="http://schemas.openxmlformats.org/officeDocument/2006/relationships" xmlns:p="http://schemas.openxmlformats.org/presentationml/2006/main">
+  <p:cSld>
+    <p:spTree>
+      <p:nvGrpSpPr>
+        <p:cNvPr id="1" name=""/>
+        <p:cNvGrpSpPr/>
+        <p:nvPr/>
+      </p:nvGrpSpPr>
+      <p:grpSpPr>
+        <a:xfrm>
+          <a:off x="0" y="0"/>
+          <a:ext cx="0" cy="0"/>
+          <a:chOff x="0" y="0"/>
+          <a:chExt cx="0" cy="0"/>
+        </a:xfrm>
+      </p:grpSpPr>
+      <p:sp>
+        <p:nvSpPr>
+          <p:cNvPr id="2" name="슬라이드 이미지 개체 틀 1"/>
+          <p:cNvSpPr>
+            <a:spLocks noGrp="1" noRot="1" noChangeAspect="1"/>
+          </p:cNvSpPr>
+          <p:nvPr>
+            <p:ph type="sldImg"/>
+          </p:nvPr>
+        </p:nvSpPr>
+        <p:spPr/>
+      </p:sp>
+      <p:sp>
+        <p:nvSpPr>
+          <p:cNvPr id="3" name="슬라이드 노트 개체 틀 2"/>
+          <p:cNvSpPr>
+            <a:spLocks noGrp="1"/>
+          </p:cNvSpPr>
+          <p:nvPr>
+            <p:ph type="body" idx="1"/>
+          </p:nvPr>
+        </p:nvSpPr>
+        <p:spPr/>
+        <p:txBody>
+          <a:bodyPr/>
+          <a:lstStyle/>
+          <a:p>
+            <a:r>
+              <a:rPr lang="ko-KR" altLang="en-US" dirty="0"/>
+              <a:t>주소를 참조변수를 통해 등록</a:t>
+            </a:r>
+          </a:p>
+        </p:txBody>
+      </p:sp>
+      <p:sp>
+        <p:nvSpPr>
+          <p:cNvPr id="4" name="슬라이드 번호 개체 틀 3"/>
+          <p:cNvSpPr>
+            <a:spLocks noGrp="1"/>
+          </p:cNvSpPr>
+          <p:nvPr>
+            <p:ph type="sldNum" sz="quarter" idx="5"/>
+          </p:nvPr>
+        </p:nvSpPr>
+        <p:spPr/>
+        <p:txBody>
+          <a:bodyPr/>
+          <a:lstStyle/>
+          <a:p>
+            <a:fld id="{5C89D12D-55F5-4BD8-91FA-E7EC646B62F7}" type="slidenum">
+              <a:rPr lang="ko-KR" altLang="en-US" smtClean="0"/>
+              <a:t>23</a:t>
+            </a:fld>
+            <a:endParaRPr lang="ko-KR" altLang="en-US"/>
+          </a:p>
+        </p:txBody>
+      </p:sp>
+    </p:spTree>
+    <p:extLst>
+      <p:ext uri="{BB962C8B-B14F-4D97-AF65-F5344CB8AC3E}">
+        <p14:creationId xmlns:p14="http://schemas.microsoft.com/office/powerpoint/2010/main" val="1635841028"/>
+      </p:ext>
+    </p:extLst>
+  </p:cSld>
+  <p:clrMapOvr>
+    <a:masterClrMapping/>
+  </p:clrMapOvr>
+</p:notes>
+</file>
+
+<file path=ppt/notesSlides/notesSlide15.xml><?xml version="1.0" encoding="utf-8"?>
+<p:notes xmlns:a="http://schemas.openxmlformats.org/drawingml/2006/main" xmlns:r="http://schemas.openxmlformats.org/officeDocument/2006/relationships" xmlns:p="http://schemas.openxmlformats.org/presentationml/2006/main">
+  <p:cSld>
+    <p:spTree>
+      <p:nvGrpSpPr>
+        <p:cNvPr id="1" name=""/>
+        <p:cNvGrpSpPr/>
+        <p:nvPr/>
+      </p:nvGrpSpPr>
+      <p:grpSpPr>
+        <a:xfrm>
+          <a:off x="0" y="0"/>
+          <a:ext cx="0" cy="0"/>
+          <a:chOff x="0" y="0"/>
+          <a:chExt cx="0" cy="0"/>
+        </a:xfrm>
+      </p:grpSpPr>
+      <p:sp>
+        <p:nvSpPr>
+          <p:cNvPr id="2" name="슬라이드 이미지 개체 틀 1"/>
+          <p:cNvSpPr>
+            <a:spLocks noGrp="1" noRot="1" noChangeAspect="1"/>
+          </p:cNvSpPr>
+          <p:nvPr>
+            <p:ph type="sldImg"/>
+          </p:nvPr>
+        </p:nvSpPr>
+        <p:spPr/>
+      </p:sp>
+      <p:sp>
+        <p:nvSpPr>
+          <p:cNvPr id="3" name="슬라이드 노트 개체 틀 2"/>
+          <p:cNvSpPr>
+            <a:spLocks noGrp="1"/>
+          </p:cNvSpPr>
+          <p:nvPr>
+            <p:ph type="body" idx="1"/>
+          </p:nvPr>
+        </p:nvSpPr>
+        <p:spPr/>
+        <p:txBody>
+          <a:bodyPr/>
+          <a:lstStyle/>
+          <a:p>
+            <a:r>
+              <a:rPr lang="ko-KR" altLang="en-US" dirty="0"/>
+              <a:t>모든 객체 생성은 </a:t>
+            </a:r>
+            <a:r>
+              <a:rPr lang="en-US" altLang="ko-KR" dirty="0"/>
+              <a:t>container</a:t>
+            </a:r>
+            <a:r>
+              <a:rPr lang="ko-KR" altLang="en-US" dirty="0"/>
+              <a:t>가 하고</a:t>
+            </a:r>
+            <a:r>
+              <a:rPr lang="en-US" altLang="ko-KR" dirty="0"/>
+              <a:t>, </a:t>
+            </a:r>
+            <a:r>
+              <a:rPr lang="ko-KR" altLang="en-US" dirty="0"/>
+              <a:t>객체와 객체의 관계 설정도 </a:t>
+            </a:r>
+            <a:r>
+              <a:rPr lang="en-US" altLang="ko-KR" dirty="0"/>
+              <a:t>container xml</a:t>
+            </a:r>
+            <a:r>
+              <a:rPr lang="ko-KR" altLang="en-US" dirty="0"/>
+              <a:t>을 기반으로 알아서 해주기 때문에 다 가능</a:t>
+            </a:r>
+            <a:endParaRPr lang="en-US" altLang="ko-KR" dirty="0"/>
+          </a:p>
+          <a:p>
+            <a:r>
+              <a:rPr lang="ko-KR" altLang="en-US" dirty="0" err="1"/>
+              <a:t>순제어</a:t>
+            </a:r>
+            <a:r>
+              <a:rPr lang="ko-KR" altLang="en-US" dirty="0"/>
+              <a:t> 방식이 아니라 </a:t>
+            </a:r>
+            <a:r>
+              <a:rPr lang="ko-KR" altLang="en-US" dirty="0" err="1"/>
+              <a:t>역제어</a:t>
+            </a:r>
+            <a:r>
+              <a:rPr lang="ko-KR" altLang="en-US" dirty="0"/>
+              <a:t> 방식으로 </a:t>
+            </a:r>
+            <a:r>
+              <a:rPr lang="en-US" altLang="ko-KR" dirty="0"/>
+              <a:t>IoC!!</a:t>
+            </a:r>
+          </a:p>
+          <a:p>
+            <a:endParaRPr lang="en-US" altLang="ko-KR" dirty="0"/>
+          </a:p>
+          <a:p>
+            <a:endParaRPr lang="ko-KR" altLang="en-US" dirty="0"/>
+          </a:p>
+        </p:txBody>
+      </p:sp>
+      <p:sp>
+        <p:nvSpPr>
+          <p:cNvPr id="4" name="슬라이드 번호 개체 틀 3"/>
+          <p:cNvSpPr>
+            <a:spLocks noGrp="1"/>
+          </p:cNvSpPr>
+          <p:nvPr>
+            <p:ph type="sldNum" sz="quarter" idx="5"/>
+          </p:nvPr>
+        </p:nvSpPr>
+        <p:spPr/>
+        <p:txBody>
+          <a:bodyPr/>
+          <a:lstStyle/>
+          <a:p>
+            <a:fld id="{5C89D12D-55F5-4BD8-91FA-E7EC646B62F7}" type="slidenum">
+              <a:rPr lang="ko-KR" altLang="en-US" smtClean="0"/>
+              <a:t>24</a:t>
+            </a:fld>
+            <a:endParaRPr lang="ko-KR" altLang="en-US"/>
+          </a:p>
+        </p:txBody>
+      </p:sp>
+    </p:spTree>
+    <p:extLst>
+      <p:ext uri="{BB962C8B-B14F-4D97-AF65-F5344CB8AC3E}">
+        <p14:creationId xmlns:p14="http://schemas.microsoft.com/office/powerpoint/2010/main" val="2196986123"/>
+      </p:ext>
+    </p:extLst>
+  </p:cSld>
+  <p:clrMapOvr>
+    <a:masterClrMapping/>
+  </p:clrMapOvr>
+</p:notes>
+</file>
+
+<file path=ppt/notesSlides/notesSlide16.xml><?xml version="1.0" encoding="utf-8"?>
+<p:notes xmlns:a="http://schemas.openxmlformats.org/drawingml/2006/main" xmlns:r="http://schemas.openxmlformats.org/officeDocument/2006/relationships" xmlns:p="http://schemas.openxmlformats.org/presentationml/2006/main">
+  <p:cSld>
+    <p:spTree>
+      <p:nvGrpSpPr>
+        <p:cNvPr id="1" name=""/>
+        <p:cNvGrpSpPr/>
+        <p:nvPr/>
+      </p:nvGrpSpPr>
+      <p:grpSpPr>
+        <a:xfrm>
+          <a:off x="0" y="0"/>
+          <a:ext cx="0" cy="0"/>
+          <a:chOff x="0" y="0"/>
+          <a:chExt cx="0" cy="0"/>
+        </a:xfrm>
+      </p:grpSpPr>
+      <p:sp>
+        <p:nvSpPr>
+          <p:cNvPr id="2" name="슬라이드 이미지 개체 틀 1"/>
+          <p:cNvSpPr>
+            <a:spLocks noGrp="1" noRot="1" noChangeAspect="1"/>
+          </p:cNvSpPr>
+          <p:nvPr>
+            <p:ph type="sldImg"/>
+          </p:nvPr>
+        </p:nvSpPr>
+        <p:spPr/>
+      </p:sp>
+      <p:sp>
+        <p:nvSpPr>
+          <p:cNvPr id="3" name="슬라이드 노트 개체 틀 2"/>
+          <p:cNvSpPr>
+            <a:spLocks noGrp="1"/>
+          </p:cNvSpPr>
+          <p:nvPr>
+            <p:ph type="body" idx="1"/>
+          </p:nvPr>
+        </p:nvSpPr>
+        <p:spPr/>
+        <p:txBody>
+          <a:bodyPr/>
+          <a:lstStyle/>
+          <a:p>
+            <a:r>
+              <a:rPr lang="ko-KR" altLang="en-US" dirty="0"/>
+              <a:t>매개변수의 순서가 달라져도 괜찮다</a:t>
+            </a:r>
+            <a:r>
+              <a:rPr lang="en-US" altLang="ko-KR" dirty="0"/>
+              <a:t>.</a:t>
+            </a:r>
+          </a:p>
+          <a:p>
+            <a:r>
+              <a:rPr lang="ko-KR" altLang="en-US" dirty="0"/>
+              <a:t>그러나 매개변수가 다르면 오류가 난다</a:t>
+            </a:r>
+            <a:r>
+              <a:rPr lang="en-US" altLang="ko-KR" dirty="0"/>
+              <a:t>.</a:t>
+            </a:r>
+          </a:p>
+          <a:p>
+            <a:endParaRPr lang="en-US" altLang="ko-KR" dirty="0"/>
+          </a:p>
+          <a:p>
+            <a:r>
+              <a:rPr lang="ko-KR" altLang="en-US" dirty="0"/>
+              <a:t>가독성을 위해서라면 반드시 순서 신경을 써라</a:t>
+            </a:r>
+            <a:r>
+              <a:rPr lang="en-US" altLang="ko-KR" dirty="0"/>
+              <a:t>.</a:t>
+            </a:r>
+          </a:p>
+          <a:p>
+            <a:endParaRPr lang="en-US" altLang="ko-KR" dirty="0"/>
+          </a:p>
+          <a:p>
+            <a:endParaRPr lang="en-US" altLang="ko-KR" dirty="0"/>
+          </a:p>
+        </p:txBody>
+      </p:sp>
+      <p:sp>
+        <p:nvSpPr>
+          <p:cNvPr id="4" name="슬라이드 번호 개체 틀 3"/>
+          <p:cNvSpPr>
+            <a:spLocks noGrp="1"/>
+          </p:cNvSpPr>
+          <p:nvPr>
+            <p:ph type="sldNum" sz="quarter" idx="5"/>
+          </p:nvPr>
+        </p:nvSpPr>
+        <p:spPr/>
+        <p:txBody>
+          <a:bodyPr/>
+          <a:lstStyle/>
+          <a:p>
+            <a:fld id="{5C89D12D-55F5-4BD8-91FA-E7EC646B62F7}" type="slidenum">
+              <a:rPr lang="ko-KR" altLang="en-US" smtClean="0"/>
+              <a:t>26</a:t>
+            </a:fld>
+            <a:endParaRPr lang="ko-KR" altLang="en-US"/>
+          </a:p>
+        </p:txBody>
+      </p:sp>
+    </p:spTree>
+    <p:extLst>
+      <p:ext uri="{BB962C8B-B14F-4D97-AF65-F5344CB8AC3E}">
+        <p14:creationId xmlns:p14="http://schemas.microsoft.com/office/powerpoint/2010/main" val="1979951436"/>
+      </p:ext>
+    </p:extLst>
+  </p:cSld>
+  <p:clrMapOvr>
+    <a:masterClrMapping/>
+  </p:clrMapOvr>
+</p:notes>
+</file>
+
+<file path=ppt/notesSlides/notesSlide17.xml><?xml version="1.0" encoding="utf-8"?>
+<p:notes xmlns:a="http://schemas.openxmlformats.org/drawingml/2006/main" xmlns:r="http://schemas.openxmlformats.org/officeDocument/2006/relationships" xmlns:p="http://schemas.openxmlformats.org/presentationml/2006/main">
+  <p:cSld>
+    <p:spTree>
+      <p:nvGrpSpPr>
+        <p:cNvPr id="1" name=""/>
+        <p:cNvGrpSpPr/>
+        <p:nvPr/>
+      </p:nvGrpSpPr>
+      <p:grpSpPr>
+        <a:xfrm>
+          <a:off x="0" y="0"/>
+          <a:ext cx="0" cy="0"/>
+          <a:chOff x="0" y="0"/>
+          <a:chExt cx="0" cy="0"/>
+        </a:xfrm>
+      </p:grpSpPr>
+      <p:sp>
+        <p:nvSpPr>
+          <p:cNvPr id="2" name="슬라이드 이미지 개체 틀 1"/>
+          <p:cNvSpPr>
+            <a:spLocks noGrp="1" noRot="1" noChangeAspect="1"/>
+          </p:cNvSpPr>
+          <p:nvPr>
+            <p:ph type="sldImg"/>
+          </p:nvPr>
+        </p:nvSpPr>
+        <p:spPr/>
+      </p:sp>
+      <p:sp>
+        <p:nvSpPr>
+          <p:cNvPr id="3" name="슬라이드 노트 개체 틀 2"/>
+          <p:cNvSpPr>
+            <a:spLocks noGrp="1"/>
+          </p:cNvSpPr>
+          <p:nvPr>
+            <p:ph type="body" idx="1"/>
+          </p:nvPr>
+        </p:nvSpPr>
+        <p:spPr/>
+        <p:txBody>
+          <a:bodyPr/>
+          <a:lstStyle/>
+          <a:p>
+            <a:r>
+              <a:rPr lang="en-US" altLang="ko-KR" dirty="0" err="1"/>
+              <a:t>setSpeaker</a:t>
+            </a:r>
+            <a:r>
+              <a:rPr lang="ko-KR" altLang="en-US" dirty="0"/>
+              <a:t>를 호출하려고 한다면 </a:t>
+            </a:r>
+            <a:r>
+              <a:rPr lang="en-US" altLang="ko-KR" dirty="0"/>
+              <a:t>set</a:t>
+            </a:r>
+            <a:r>
+              <a:rPr lang="ko-KR" altLang="en-US" dirty="0"/>
+              <a:t>이라는 접두사를 제거하고</a:t>
+            </a:r>
+            <a:r>
+              <a:rPr lang="en-US" altLang="ko-KR" dirty="0"/>
+              <a:t>, </a:t>
+            </a:r>
+            <a:r>
+              <a:rPr lang="ko-KR" altLang="en-US" dirty="0"/>
+              <a:t>나머지 이름의 </a:t>
+            </a:r>
+            <a:r>
+              <a:rPr lang="ko-KR" altLang="en-US" dirty="0" err="1"/>
+              <a:t>첫글자를</a:t>
+            </a:r>
+            <a:r>
+              <a:rPr lang="ko-KR" altLang="en-US" dirty="0"/>
+              <a:t> 소문자로 변경해서 </a:t>
+            </a:r>
+            <a:r>
+              <a:rPr lang="en-US" altLang="ko-KR" dirty="0"/>
+              <a:t>name</a:t>
+            </a:r>
+            <a:r>
+              <a:rPr lang="ko-KR" altLang="en-US" dirty="0"/>
+              <a:t>에 등록</a:t>
+            </a:r>
+            <a:r>
+              <a:rPr lang="en-US" altLang="ko-KR" dirty="0"/>
+              <a:t>!</a:t>
+            </a:r>
+          </a:p>
+          <a:p>
+            <a:endParaRPr lang="ko-KR" altLang="en-US" dirty="0"/>
+          </a:p>
+        </p:txBody>
+      </p:sp>
+      <p:sp>
+        <p:nvSpPr>
+          <p:cNvPr id="4" name="슬라이드 번호 개체 틀 3"/>
+          <p:cNvSpPr>
+            <a:spLocks noGrp="1"/>
+          </p:cNvSpPr>
+          <p:nvPr>
+            <p:ph type="sldNum" sz="quarter" idx="5"/>
+          </p:nvPr>
+        </p:nvSpPr>
+        <p:spPr/>
+        <p:txBody>
+          <a:bodyPr/>
+          <a:lstStyle/>
+          <a:p>
+            <a:fld id="{5C89D12D-55F5-4BD8-91FA-E7EC646B62F7}" type="slidenum">
+              <a:rPr lang="ko-KR" altLang="en-US" smtClean="0"/>
+              <a:t>29</a:t>
+            </a:fld>
+            <a:endParaRPr lang="ko-KR" altLang="en-US"/>
+          </a:p>
+        </p:txBody>
+      </p:sp>
+    </p:spTree>
+    <p:extLst>
+      <p:ext uri="{BB962C8B-B14F-4D97-AF65-F5344CB8AC3E}">
+        <p14:creationId xmlns:p14="http://schemas.microsoft.com/office/powerpoint/2010/main" val="1054508867"/>
+      </p:ext>
+    </p:extLst>
+  </p:cSld>
+  <p:clrMapOvr>
+    <a:masterClrMapping/>
+  </p:clrMapOvr>
+</p:notes>
+</file>
+
+<file path=ppt/notesSlides/notesSlide18.xml><?xml version="1.0" encoding="utf-8"?>
+<p:notes xmlns:a="http://schemas.openxmlformats.org/drawingml/2006/main" xmlns:r="http://schemas.openxmlformats.org/officeDocument/2006/relationships" xmlns:p="http://schemas.openxmlformats.org/presentationml/2006/main">
+  <p:cSld>
+    <p:spTree>
+      <p:nvGrpSpPr>
+        <p:cNvPr id="1" name=""/>
+        <p:cNvGrpSpPr/>
+        <p:nvPr/>
+      </p:nvGrpSpPr>
+      <p:grpSpPr>
+        <a:xfrm>
+          <a:off x="0" y="0"/>
+          <a:ext cx="0" cy="0"/>
+          <a:chOff x="0" y="0"/>
+          <a:chExt cx="0" cy="0"/>
+        </a:xfrm>
+      </p:grpSpPr>
+      <p:sp>
+        <p:nvSpPr>
+          <p:cNvPr id="2" name="슬라이드 이미지 개체 틀 1"/>
+          <p:cNvSpPr>
+            <a:spLocks noGrp="1" noRot="1" noChangeAspect="1"/>
+          </p:cNvSpPr>
+          <p:nvPr>
+            <p:ph type="sldImg"/>
+          </p:nvPr>
+        </p:nvSpPr>
+        <p:spPr/>
+      </p:sp>
+      <p:sp>
+        <p:nvSpPr>
+          <p:cNvPr id="3" name="슬라이드 노트 개체 틀 2"/>
+          <p:cNvSpPr>
+            <a:spLocks noGrp="1"/>
+          </p:cNvSpPr>
+          <p:nvPr>
+            <p:ph type="body" idx="1"/>
+          </p:nvPr>
+        </p:nvSpPr>
+        <p:spPr/>
+        <p:txBody>
+          <a:bodyPr/>
+          <a:lstStyle/>
+          <a:p>
+            <a:endParaRPr lang="ko-KR" altLang="en-US" dirty="0"/>
+          </a:p>
+        </p:txBody>
+      </p:sp>
+      <p:sp>
+        <p:nvSpPr>
+          <p:cNvPr id="4" name="슬라이드 번호 개체 틀 3"/>
+          <p:cNvSpPr>
+            <a:spLocks noGrp="1"/>
+          </p:cNvSpPr>
+          <p:nvPr>
+            <p:ph type="sldNum" sz="quarter" idx="5"/>
+          </p:nvPr>
+        </p:nvSpPr>
+        <p:spPr/>
+        <p:txBody>
+          <a:bodyPr/>
+          <a:lstStyle/>
+          <a:p>
+            <a:fld id="{5C89D12D-55F5-4BD8-91FA-E7EC646B62F7}" type="slidenum">
+              <a:rPr lang="ko-KR" altLang="en-US" smtClean="0"/>
+              <a:t>30</a:t>
+            </a:fld>
+            <a:endParaRPr lang="ko-KR" altLang="en-US"/>
+          </a:p>
+        </p:txBody>
+      </p:sp>
+    </p:spTree>
+    <p:extLst>
+      <p:ext uri="{BB962C8B-B14F-4D97-AF65-F5344CB8AC3E}">
+        <p14:creationId xmlns:p14="http://schemas.microsoft.com/office/powerpoint/2010/main" val="958610695"/>
+      </p:ext>
+    </p:extLst>
+  </p:cSld>
+  <p:clrMapOvr>
+    <a:masterClrMapping/>
+  </p:clrMapOvr>
+</p:notes>
+</file>
+
+<file path=ppt/notesSlides/notesSlide19.xml><?xml version="1.0" encoding="utf-8"?>
+<p:notes xmlns:a="http://schemas.openxmlformats.org/drawingml/2006/main" xmlns:r="http://schemas.openxmlformats.org/officeDocument/2006/relationships" xmlns:p="http://schemas.openxmlformats.org/presentationml/2006/main">
+  <p:cSld>
+    <p:spTree>
+      <p:nvGrpSpPr>
+        <p:cNvPr id="1" name=""/>
+        <p:cNvGrpSpPr/>
+        <p:nvPr/>
+      </p:nvGrpSpPr>
+      <p:grpSpPr>
+        <a:xfrm>
+          <a:off x="0" y="0"/>
+          <a:ext cx="0" cy="0"/>
+          <a:chOff x="0" y="0"/>
+          <a:chExt cx="0" cy="0"/>
+        </a:xfrm>
+      </p:grpSpPr>
+      <p:sp>
+        <p:nvSpPr>
+          <p:cNvPr id="2" name="슬라이드 이미지 개체 틀 1"/>
+          <p:cNvSpPr>
+            <a:spLocks noGrp="1" noRot="1" noChangeAspect="1"/>
+          </p:cNvSpPr>
+          <p:nvPr>
+            <p:ph type="sldImg"/>
+          </p:nvPr>
+        </p:nvSpPr>
+        <p:spPr/>
+      </p:sp>
+      <p:sp>
+        <p:nvSpPr>
+          <p:cNvPr id="3" name="슬라이드 노트 개체 틀 2"/>
+          <p:cNvSpPr>
+            <a:spLocks noGrp="1"/>
+          </p:cNvSpPr>
+          <p:nvPr>
+            <p:ph type="body" idx="1"/>
+          </p:nvPr>
+        </p:nvSpPr>
+        <p:spPr/>
+        <p:txBody>
+          <a:bodyPr/>
+          <a:lstStyle/>
+          <a:p>
+            <a:r>
+              <a:rPr lang="en-US" altLang="ko-KR" dirty="0"/>
+              <a:t>setter injection</a:t>
+            </a:r>
+            <a:r>
+              <a:rPr lang="ko-KR" altLang="en-US" dirty="0"/>
+              <a:t>과 관련된 내용이다</a:t>
+            </a:r>
+            <a:r>
+              <a:rPr lang="en-US" altLang="ko-KR" dirty="0"/>
+              <a:t>.</a:t>
+            </a:r>
+          </a:p>
+          <a:p>
+            <a:endParaRPr lang="en-US" altLang="ko-KR" dirty="0"/>
+          </a:p>
+          <a:p>
+            <a:r>
+              <a:rPr lang="en-US" altLang="ko-KR" dirty="0"/>
+              <a:t>p</a:t>
+            </a:r>
+            <a:r>
+              <a:rPr lang="ko-KR" altLang="en-US" dirty="0"/>
+              <a:t> 네임스페이스는 </a:t>
+            </a:r>
+            <a:r>
+              <a:rPr lang="en-US" altLang="ko-KR" dirty="0" err="1"/>
+              <a:t>schemaLocation</a:t>
+            </a:r>
+            <a:r>
+              <a:rPr lang="ko-KR" altLang="en-US" dirty="0"/>
+              <a:t>을 필요로 하지 않음</a:t>
+            </a:r>
+            <a:r>
+              <a:rPr lang="en-US" altLang="ko-KR" dirty="0"/>
+              <a:t>. </a:t>
+            </a:r>
+            <a:r>
+              <a:rPr lang="ko-KR" altLang="en-US" dirty="0"/>
+              <a:t>그냥 접두사만 추가해주면 됨</a:t>
+            </a:r>
+            <a:endParaRPr lang="en-US" altLang="ko-KR" dirty="0"/>
+          </a:p>
+          <a:p>
+            <a:r>
+              <a:rPr lang="ko-KR" altLang="en-US" dirty="0"/>
+              <a:t>그런데 가독성 측면에서 </a:t>
+            </a:r>
+            <a:r>
+              <a:rPr lang="en-US" altLang="ko-KR" dirty="0"/>
+              <a:t>p </a:t>
+            </a:r>
+            <a:r>
+              <a:rPr lang="ko-KR" altLang="en-US" dirty="0"/>
+              <a:t>네임스페이스 사용하지 않고 추가하는 것이 더 </a:t>
+            </a:r>
+            <a:r>
+              <a:rPr lang="ko-KR" altLang="en-US" dirty="0" err="1"/>
+              <a:t>나은듯</a:t>
+            </a:r>
+            <a:r>
+              <a:rPr lang="en-US" altLang="ko-KR" dirty="0"/>
+              <a:t>… </a:t>
+            </a:r>
+            <a:r>
+              <a:rPr lang="ko-KR" altLang="en-US" dirty="0" err="1"/>
+              <a:t>ㅎㅎ</a:t>
+            </a:r>
+            <a:endParaRPr lang="ko-KR" altLang="en-US" dirty="0"/>
+          </a:p>
+        </p:txBody>
+      </p:sp>
+      <p:sp>
+        <p:nvSpPr>
+          <p:cNvPr id="4" name="슬라이드 번호 개체 틀 3"/>
+          <p:cNvSpPr>
+            <a:spLocks noGrp="1"/>
+          </p:cNvSpPr>
+          <p:nvPr>
+            <p:ph type="sldNum" sz="quarter" idx="5"/>
+          </p:nvPr>
+        </p:nvSpPr>
+        <p:spPr/>
+        <p:txBody>
+          <a:bodyPr/>
+          <a:lstStyle/>
+          <a:p>
+            <a:fld id="{5C89D12D-55F5-4BD8-91FA-E7EC646B62F7}" type="slidenum">
+              <a:rPr lang="ko-KR" altLang="en-US" smtClean="0"/>
+              <a:t>31</a:t>
+            </a:fld>
+            <a:endParaRPr lang="ko-KR" altLang="en-US"/>
+          </a:p>
+        </p:txBody>
+      </p:sp>
+    </p:spTree>
+    <p:extLst>
+      <p:ext uri="{BB962C8B-B14F-4D97-AF65-F5344CB8AC3E}">
+        <p14:creationId xmlns:p14="http://schemas.microsoft.com/office/powerpoint/2010/main" val="1831140625"/>
+      </p:ext>
+    </p:extLst>
+  </p:cSld>
+  <p:clrMapOvr>
+    <a:masterClrMapping/>
+  </p:clrMapOvr>
+</p:notes>
+</file>
+
 <file path=ppt/notesSlides/notesSlide2.xml><?xml version="1.0" encoding="utf-8"?>
 <p:notes xmlns:a="http://schemas.openxmlformats.org/drawingml/2006/main" xmlns:r="http://schemas.openxmlformats.org/officeDocument/2006/relationships" xmlns:p="http://schemas.openxmlformats.org/presentationml/2006/main">
   <p:cSld>
@@ -1220,6 +2535,342 @@
     <p:extLst>
       <p:ext uri="{BB962C8B-B14F-4D97-AF65-F5344CB8AC3E}">
         <p14:creationId xmlns:p14="http://schemas.microsoft.com/office/powerpoint/2010/main" val="2058303004"/>
+      </p:ext>
+    </p:extLst>
+  </p:cSld>
+  <p:clrMapOvr>
+    <a:masterClrMapping/>
+  </p:clrMapOvr>
+</p:notes>
+</file>
+
+<file path=ppt/notesSlides/notesSlide20.xml><?xml version="1.0" encoding="utf-8"?>
+<p:notes xmlns:a="http://schemas.openxmlformats.org/drawingml/2006/main" xmlns:r="http://schemas.openxmlformats.org/officeDocument/2006/relationships" xmlns:p="http://schemas.openxmlformats.org/presentationml/2006/main">
+  <p:cSld>
+    <p:spTree>
+      <p:nvGrpSpPr>
+        <p:cNvPr id="1" name=""/>
+        <p:cNvGrpSpPr/>
+        <p:nvPr/>
+      </p:nvGrpSpPr>
+      <p:grpSpPr>
+        <a:xfrm>
+          <a:off x="0" y="0"/>
+          <a:ext cx="0" cy="0"/>
+          <a:chOff x="0" y="0"/>
+          <a:chExt cx="0" cy="0"/>
+        </a:xfrm>
+      </p:grpSpPr>
+      <p:sp>
+        <p:nvSpPr>
+          <p:cNvPr id="2" name="슬라이드 이미지 개체 틀 1"/>
+          <p:cNvSpPr>
+            <a:spLocks noGrp="1" noRot="1" noChangeAspect="1"/>
+          </p:cNvSpPr>
+          <p:nvPr>
+            <p:ph type="sldImg"/>
+          </p:nvPr>
+        </p:nvSpPr>
+        <p:spPr/>
+      </p:sp>
+      <p:sp>
+        <p:nvSpPr>
+          <p:cNvPr id="3" name="슬라이드 노트 개체 틀 2"/>
+          <p:cNvSpPr>
+            <a:spLocks noGrp="1"/>
+          </p:cNvSpPr>
+          <p:nvPr>
+            <p:ph type="body" idx="1"/>
+          </p:nvPr>
+        </p:nvSpPr>
+        <p:spPr/>
+        <p:txBody>
+          <a:bodyPr/>
+          <a:lstStyle/>
+          <a:p>
+            <a:r>
+              <a:rPr lang="ko-KR" altLang="en-US" dirty="0"/>
+              <a:t>프로그램을 만들다 보면 다양한 종류의 </a:t>
+            </a:r>
+            <a:r>
+              <a:rPr lang="en-US" altLang="ko-KR" dirty="0"/>
+              <a:t>Collection</a:t>
+            </a:r>
+            <a:r>
+              <a:rPr lang="ko-KR" altLang="en-US" dirty="0"/>
+              <a:t>을 사용합니다</a:t>
+            </a:r>
+            <a:r>
+              <a:rPr lang="en-US" altLang="ko-KR" dirty="0"/>
+              <a:t>.</a:t>
+            </a:r>
+          </a:p>
+          <a:p>
+            <a:endParaRPr lang="en-US" altLang="ko-KR" dirty="0"/>
+          </a:p>
+          <a:p>
+            <a:r>
+              <a:rPr lang="en-US" altLang="ko-KR" dirty="0"/>
+              <a:t>List, Set</a:t>
+            </a:r>
+            <a:r>
+              <a:rPr lang="ko-KR" altLang="en-US" dirty="0"/>
+              <a:t>의 차이는</a:t>
+            </a:r>
+            <a:r>
+              <a:rPr lang="en-US" altLang="ko-KR" dirty="0"/>
+              <a:t>?</a:t>
+            </a:r>
+          </a:p>
+          <a:p>
+            <a:r>
+              <a:rPr lang="en-US" altLang="ko-KR" dirty="0"/>
+              <a:t>List</a:t>
+            </a:r>
+            <a:r>
+              <a:rPr lang="ko-KR" altLang="en-US" dirty="0"/>
+              <a:t>는 </a:t>
+            </a:r>
+            <a:r>
+              <a:rPr lang="en-US" altLang="ko-KR" dirty="0"/>
+              <a:t>0</a:t>
+            </a:r>
+            <a:r>
+              <a:rPr lang="ko-KR" altLang="en-US" dirty="0"/>
+              <a:t>번 </a:t>
+            </a:r>
+            <a:r>
+              <a:rPr lang="en-US" altLang="ko-KR" dirty="0"/>
+              <a:t>index</a:t>
+            </a:r>
+            <a:r>
+              <a:rPr lang="ko-KR" altLang="en-US" dirty="0"/>
+              <a:t>의 데이터를 꺼내면 항상 고정된 값이 나오지만 </a:t>
+            </a:r>
+            <a:r>
+              <a:rPr lang="en-US" altLang="ko-KR" dirty="0"/>
+              <a:t>Set</a:t>
+            </a:r>
+            <a:r>
+              <a:rPr lang="ko-KR" altLang="en-US" dirty="0"/>
+              <a:t>은 그렇지 않음</a:t>
+            </a:r>
+            <a:endParaRPr lang="en-US" altLang="ko-KR" dirty="0"/>
+          </a:p>
+          <a:p>
+            <a:r>
+              <a:rPr lang="en-US" altLang="ko-KR" dirty="0"/>
+              <a:t>List</a:t>
+            </a:r>
+            <a:r>
+              <a:rPr lang="ko-KR" altLang="en-US" dirty="0"/>
+              <a:t>는 중복데이터를 허용하지만 </a:t>
+            </a:r>
+            <a:r>
+              <a:rPr lang="en-US" altLang="ko-KR" dirty="0"/>
+              <a:t>Set</a:t>
+            </a:r>
+            <a:r>
+              <a:rPr lang="ko-KR" altLang="en-US" dirty="0"/>
+              <a:t>은 중복데이터를 허용하지 않는다</a:t>
+            </a:r>
+            <a:r>
+              <a:rPr lang="en-US" altLang="ko-KR" dirty="0"/>
+              <a:t>.</a:t>
+            </a:r>
+          </a:p>
+          <a:p>
+            <a:endParaRPr lang="en-US" altLang="ko-KR" dirty="0"/>
+          </a:p>
+          <a:p>
+            <a:r>
+              <a:rPr lang="en-US" altLang="ko-KR" dirty="0"/>
+              <a:t>map, properties</a:t>
+            </a:r>
+            <a:r>
+              <a:rPr lang="ko-KR" altLang="en-US" dirty="0"/>
+              <a:t> 모두 </a:t>
+            </a:r>
+            <a:r>
+              <a:rPr lang="en-US" altLang="ko-KR" dirty="0"/>
+              <a:t>Key, Value </a:t>
+            </a:r>
+            <a:r>
+              <a:rPr lang="ko-KR" altLang="en-US" dirty="0"/>
+              <a:t>페어로 데이터를 저장한다</a:t>
+            </a:r>
+            <a:r>
+              <a:rPr lang="en-US" altLang="ko-KR" dirty="0"/>
+              <a:t>.</a:t>
+            </a:r>
+          </a:p>
+          <a:p>
+            <a:r>
+              <a:rPr lang="en-US" altLang="ko-KR" dirty="0"/>
+              <a:t>map</a:t>
+            </a:r>
+            <a:r>
+              <a:rPr lang="ko-KR" altLang="en-US" dirty="0"/>
+              <a:t>은 </a:t>
+            </a:r>
+            <a:r>
+              <a:rPr lang="en-US" altLang="ko-KR" dirty="0"/>
+              <a:t>value</a:t>
+            </a:r>
+            <a:r>
+              <a:rPr lang="ko-KR" altLang="en-US" dirty="0"/>
+              <a:t>로 </a:t>
+            </a:r>
+            <a:r>
+              <a:rPr lang="en-US" altLang="ko-KR" dirty="0"/>
+              <a:t>Object</a:t>
+            </a:r>
+            <a:r>
+              <a:rPr lang="ko-KR" altLang="en-US" dirty="0"/>
+              <a:t>를 저장하지만</a:t>
+            </a:r>
+            <a:endParaRPr lang="en-US" altLang="ko-KR" dirty="0"/>
+          </a:p>
+          <a:p>
+            <a:r>
+              <a:rPr lang="en-US" altLang="ko-KR" dirty="0"/>
+              <a:t>properties</a:t>
+            </a:r>
+            <a:r>
+              <a:rPr lang="ko-KR" altLang="en-US" dirty="0"/>
+              <a:t>는 </a:t>
+            </a:r>
+            <a:r>
+              <a:rPr lang="en-US" altLang="ko-KR" dirty="0"/>
+              <a:t>value</a:t>
+            </a:r>
+            <a:r>
+              <a:rPr lang="ko-KR" altLang="en-US" dirty="0"/>
+              <a:t>로 문자</a:t>
+            </a:r>
+            <a:r>
+              <a:rPr lang="en-US" altLang="ko-KR" dirty="0"/>
+              <a:t>, </a:t>
+            </a:r>
+            <a:r>
+              <a:rPr lang="ko-KR" altLang="en-US" dirty="0"/>
+              <a:t>숫자를 저장</a:t>
+            </a:r>
+            <a:endParaRPr lang="en-US" altLang="ko-KR" dirty="0"/>
+          </a:p>
+        </p:txBody>
+      </p:sp>
+      <p:sp>
+        <p:nvSpPr>
+          <p:cNvPr id="4" name="슬라이드 번호 개체 틀 3"/>
+          <p:cNvSpPr>
+            <a:spLocks noGrp="1"/>
+          </p:cNvSpPr>
+          <p:nvPr>
+            <p:ph type="sldNum" sz="quarter" idx="5"/>
+          </p:nvPr>
+        </p:nvSpPr>
+        <p:spPr/>
+        <p:txBody>
+          <a:bodyPr/>
+          <a:lstStyle/>
+          <a:p>
+            <a:fld id="{5C89D12D-55F5-4BD8-91FA-E7EC646B62F7}" type="slidenum">
+              <a:rPr lang="ko-KR" altLang="en-US" smtClean="0"/>
+              <a:t>33</a:t>
+            </a:fld>
+            <a:endParaRPr lang="ko-KR" altLang="en-US"/>
+          </a:p>
+        </p:txBody>
+      </p:sp>
+    </p:spTree>
+    <p:extLst>
+      <p:ext uri="{BB962C8B-B14F-4D97-AF65-F5344CB8AC3E}">
+        <p14:creationId xmlns:p14="http://schemas.microsoft.com/office/powerpoint/2010/main" val="1211250123"/>
+      </p:ext>
+    </p:extLst>
+  </p:cSld>
+  <p:clrMapOvr>
+    <a:masterClrMapping/>
+  </p:clrMapOvr>
+</p:notes>
+</file>
+
+<file path=ppt/notesSlides/notesSlide21.xml><?xml version="1.0" encoding="utf-8"?>
+<p:notes xmlns:a="http://schemas.openxmlformats.org/drawingml/2006/main" xmlns:r="http://schemas.openxmlformats.org/officeDocument/2006/relationships" xmlns:p="http://schemas.openxmlformats.org/presentationml/2006/main">
+  <p:cSld>
+    <p:spTree>
+      <p:nvGrpSpPr>
+        <p:cNvPr id="1" name=""/>
+        <p:cNvGrpSpPr/>
+        <p:nvPr/>
+      </p:nvGrpSpPr>
+      <p:grpSpPr>
+        <a:xfrm>
+          <a:off x="0" y="0"/>
+          <a:ext cx="0" cy="0"/>
+          <a:chOff x="0" y="0"/>
+          <a:chExt cx="0" cy="0"/>
+        </a:xfrm>
+      </p:grpSpPr>
+      <p:sp>
+        <p:nvSpPr>
+          <p:cNvPr id="2" name="슬라이드 이미지 개체 틀 1"/>
+          <p:cNvSpPr>
+            <a:spLocks noGrp="1" noRot="1" noChangeAspect="1"/>
+          </p:cNvSpPr>
+          <p:nvPr>
+            <p:ph type="sldImg"/>
+          </p:nvPr>
+        </p:nvSpPr>
+        <p:spPr/>
+      </p:sp>
+      <p:sp>
+        <p:nvSpPr>
+          <p:cNvPr id="3" name="슬라이드 노트 개체 틀 2"/>
+          <p:cNvSpPr>
+            <a:spLocks noGrp="1"/>
+          </p:cNvSpPr>
+          <p:nvPr>
+            <p:ph type="body" idx="1"/>
+          </p:nvPr>
+        </p:nvSpPr>
+        <p:spPr/>
+        <p:txBody>
+          <a:bodyPr/>
+          <a:lstStyle/>
+          <a:p>
+            <a:endParaRPr lang="ko-KR" altLang="en-US" dirty="0"/>
+          </a:p>
+        </p:txBody>
+      </p:sp>
+      <p:sp>
+        <p:nvSpPr>
+          <p:cNvPr id="4" name="슬라이드 번호 개체 틀 3"/>
+          <p:cNvSpPr>
+            <a:spLocks noGrp="1"/>
+          </p:cNvSpPr>
+          <p:nvPr>
+            <p:ph type="sldNum" sz="quarter" idx="5"/>
+          </p:nvPr>
+        </p:nvSpPr>
+        <p:spPr/>
+        <p:txBody>
+          <a:bodyPr/>
+          <a:lstStyle/>
+          <a:p>
+            <a:fld id="{5C89D12D-55F5-4BD8-91FA-E7EC646B62F7}" type="slidenum">
+              <a:rPr lang="ko-KR" altLang="en-US" smtClean="0"/>
+              <a:t>34</a:t>
+            </a:fld>
+            <a:endParaRPr lang="ko-KR" altLang="en-US"/>
+          </a:p>
+        </p:txBody>
+      </p:sp>
+    </p:spTree>
+    <p:extLst>
+      <p:ext uri="{BB962C8B-B14F-4D97-AF65-F5344CB8AC3E}">
+        <p14:creationId xmlns:p14="http://schemas.microsoft.com/office/powerpoint/2010/main" val="1013132321"/>
       </p:ext>
     </p:extLst>
   </p:cSld>
@@ -2462,7 +4113,7 @@
           <a:p>
             <a:fld id="{DFC765C5-6852-43C5-8B75-F362625B4446}" type="datetimeFigureOut">
               <a:rPr lang="ko-KR" altLang="en-US" smtClean="0"/>
-              <a:t>2024-06-30</a:t>
+              <a:t>2024-07-01</a:t>
             </a:fld>
             <a:endParaRPr lang="ko-KR" altLang="en-US"/>
           </a:p>
@@ -2630,7 +4281,7 @@
           <a:p>
             <a:fld id="{DFC765C5-6852-43C5-8B75-F362625B4446}" type="datetimeFigureOut">
               <a:rPr lang="ko-KR" altLang="en-US" smtClean="0"/>
-              <a:t>2024-06-30</a:t>
+              <a:t>2024-07-01</a:t>
             </a:fld>
             <a:endParaRPr lang="ko-KR" altLang="en-US"/>
           </a:p>
@@ -2808,7 +4459,7 @@
           <a:p>
             <a:fld id="{DFC765C5-6852-43C5-8B75-F362625B4446}" type="datetimeFigureOut">
               <a:rPr lang="ko-KR" altLang="en-US" smtClean="0"/>
-              <a:t>2024-06-30</a:t>
+              <a:t>2024-07-01</a:t>
             </a:fld>
             <a:endParaRPr lang="ko-KR" altLang="en-US"/>
           </a:p>
@@ -2976,7 +4627,7 @@
           <a:p>
             <a:fld id="{DFC765C5-6852-43C5-8B75-F362625B4446}" type="datetimeFigureOut">
               <a:rPr lang="ko-KR" altLang="en-US" smtClean="0"/>
-              <a:t>2024-06-30</a:t>
+              <a:t>2024-07-01</a:t>
             </a:fld>
             <a:endParaRPr lang="ko-KR" altLang="en-US"/>
           </a:p>
@@ -3221,7 +4872,7 @@
           <a:p>
             <a:fld id="{DFC765C5-6852-43C5-8B75-F362625B4446}" type="datetimeFigureOut">
               <a:rPr lang="ko-KR" altLang="en-US" smtClean="0"/>
-              <a:t>2024-06-30</a:t>
+              <a:t>2024-07-01</a:t>
             </a:fld>
             <a:endParaRPr lang="ko-KR" altLang="en-US"/>
           </a:p>
@@ -3450,7 +5101,7 @@
           <a:p>
             <a:fld id="{DFC765C5-6852-43C5-8B75-F362625B4446}" type="datetimeFigureOut">
               <a:rPr lang="ko-KR" altLang="en-US" smtClean="0"/>
-              <a:t>2024-06-30</a:t>
+              <a:t>2024-07-01</a:t>
             </a:fld>
             <a:endParaRPr lang="ko-KR" altLang="en-US"/>
           </a:p>
@@ -3814,7 +5465,7 @@
           <a:p>
             <a:fld id="{DFC765C5-6852-43C5-8B75-F362625B4446}" type="datetimeFigureOut">
               <a:rPr lang="ko-KR" altLang="en-US" smtClean="0"/>
-              <a:t>2024-06-30</a:t>
+              <a:t>2024-07-01</a:t>
             </a:fld>
             <a:endParaRPr lang="ko-KR" altLang="en-US"/>
           </a:p>
@@ -3931,7 +5582,7 @@
           <a:p>
             <a:fld id="{DFC765C5-6852-43C5-8B75-F362625B4446}" type="datetimeFigureOut">
               <a:rPr lang="ko-KR" altLang="en-US" smtClean="0"/>
-              <a:t>2024-06-30</a:t>
+              <a:t>2024-07-01</a:t>
             </a:fld>
             <a:endParaRPr lang="ko-KR" altLang="en-US"/>
           </a:p>
@@ -4026,7 +5677,7 @@
           <a:p>
             <a:fld id="{DFC765C5-6852-43C5-8B75-F362625B4446}" type="datetimeFigureOut">
               <a:rPr lang="ko-KR" altLang="en-US" smtClean="0"/>
-              <a:t>2024-06-30</a:t>
+              <a:t>2024-07-01</a:t>
             </a:fld>
             <a:endParaRPr lang="ko-KR" altLang="en-US"/>
           </a:p>
@@ -4301,7 +5952,7 @@
           <a:p>
             <a:fld id="{DFC765C5-6852-43C5-8B75-F362625B4446}" type="datetimeFigureOut">
               <a:rPr lang="ko-KR" altLang="en-US" smtClean="0"/>
-              <a:t>2024-06-30</a:t>
+              <a:t>2024-07-01</a:t>
             </a:fld>
             <a:endParaRPr lang="ko-KR" altLang="en-US"/>
           </a:p>
@@ -4553,7 +6204,7 @@
           <a:p>
             <a:fld id="{DFC765C5-6852-43C5-8B75-F362625B4446}" type="datetimeFigureOut">
               <a:rPr lang="ko-KR" altLang="en-US" smtClean="0"/>
-              <a:t>2024-06-30</a:t>
+              <a:t>2024-07-01</a:t>
             </a:fld>
             <a:endParaRPr lang="ko-KR" altLang="en-US"/>
           </a:p>
@@ -4764,7 +6415,7 @@
           <a:p>
             <a:fld id="{DFC765C5-6852-43C5-8B75-F362625B4446}" type="datetimeFigureOut">
               <a:rPr lang="ko-KR" altLang="en-US" smtClean="0"/>
-              <a:t>2024-06-30</a:t>
+              <a:t>2024-07-01</a:t>
             </a:fld>
             <a:endParaRPr lang="ko-KR" altLang="en-US"/>
           </a:p>
@@ -6639,12 +8290,16 @@
               <a:t>. (</a:t>
             </a:r>
             <a:r>
-              <a:rPr lang="ko-KR" altLang="en-US" dirty="0"/>
+              <a:rPr lang="ko-KR" altLang="en-US" b="1" dirty="0"/>
               <a:t>기본값</a:t>
             </a:r>
             <a:r>
-              <a:rPr lang="en-US" altLang="ko-KR" dirty="0"/>
-              <a:t> : false)</a:t>
+              <a:rPr lang="en-US" altLang="ko-KR" b="1" dirty="0"/>
+              <a:t> : false</a:t>
+            </a:r>
+            <a:r>
+              <a:rPr lang="en-US" altLang="ko-KR" dirty="0"/>
+              <a:t>)</a:t>
             </a:r>
           </a:p>
           <a:p>
@@ -6682,12 +8337,16 @@
               <a:t>. (</a:t>
             </a:r>
             <a:r>
-              <a:rPr lang="ko-KR" altLang="en-US" dirty="0"/>
+              <a:rPr lang="ko-KR" altLang="en-US" b="1" dirty="0"/>
               <a:t>기본값 </a:t>
             </a:r>
             <a:r>
-              <a:rPr lang="en-US" altLang="ko-KR" dirty="0"/>
-              <a:t>: singleton)</a:t>
+              <a:rPr lang="en-US" altLang="ko-KR" b="1" dirty="0"/>
+              <a:t>: singleton</a:t>
+            </a:r>
+            <a:r>
+              <a:rPr lang="en-US" altLang="ko-KR" dirty="0"/>
+              <a:t>)</a:t>
             </a:r>
           </a:p>
           <a:p>
@@ -6884,7 +8543,7 @@
           <p:nvPr/>
         </p:nvPicPr>
         <p:blipFill>
-          <a:blip r:embed="rId2">
+          <a:blip r:embed="rId3">
             <a:extLst>
               <a:ext uri="{28A0092B-C50C-407E-A947-70E740481C1C}">
                 <a14:useLocalDpi xmlns:a14="http://schemas.microsoft.com/office/drawing/2010/main" val="0"/>
@@ -7003,7 +8662,7 @@
           <p:nvPr/>
         </p:nvPicPr>
         <p:blipFill>
-          <a:blip r:embed="rId2">
+          <a:blip r:embed="rId3">
             <a:extLst>
               <a:ext uri="{28A0092B-C50C-407E-A947-70E740481C1C}">
                 <a14:useLocalDpi xmlns:a14="http://schemas.microsoft.com/office/drawing/2010/main" val="0"/>
@@ -9472,15 +11131,35 @@
             </a:r>
             <a:r>
               <a:rPr lang="ko-KR" altLang="en-US" dirty="0"/>
-              <a:t> 보다 세터 </a:t>
-            </a:r>
-            <a:r>
-              <a:rPr lang="ko-KR" altLang="en-US" dirty="0" err="1"/>
+              <a:t> 보다 </a:t>
+            </a:r>
+            <a:r>
+              <a:rPr lang="ko-KR" altLang="en-US" b="1" u="sng" dirty="0">
+                <a:solidFill>
+                  <a:srgbClr val="FF0000"/>
+                </a:solidFill>
+              </a:rPr>
+              <a:t>세터 </a:t>
+            </a:r>
+            <a:r>
+              <a:rPr lang="ko-KR" altLang="en-US" b="1" u="sng" dirty="0" err="1">
+                <a:solidFill>
+                  <a:srgbClr val="FF0000"/>
+                </a:solidFill>
+              </a:rPr>
               <a:t>인젝션을</a:t>
             </a:r>
             <a:r>
-              <a:rPr lang="ko-KR" altLang="en-US" dirty="0"/>
-              <a:t> 선호한다</a:t>
+              <a:rPr lang="ko-KR" altLang="en-US" b="1" u="sng" dirty="0">
+                <a:solidFill>
+                  <a:srgbClr val="FF0000"/>
+                </a:solidFill>
+              </a:rPr>
+              <a:t> 선호</a:t>
+            </a:r>
+            <a:r>
+              <a:rPr lang="ko-KR" altLang="en-US" dirty="0"/>
+              <a:t>한다</a:t>
             </a:r>
             <a:r>
               <a:rPr lang="en-US" altLang="ko-KR" dirty="0"/>
@@ -9488,8 +11167,21 @@
             </a:r>
           </a:p>
           <a:p>
-            <a:pPr lvl="1"/>
-            <a:endParaRPr lang="en-US" altLang="ko-KR" dirty="0"/>
+            <a:pPr marL="457200" lvl="1" indent="0">
+              <a:buNone/>
+            </a:pPr>
+            <a:r>
+              <a:rPr lang="en-US" altLang="ko-KR" sz="1800" dirty="0"/>
+              <a:t>- why? </a:t>
+            </a:r>
+            <a:r>
+              <a:rPr lang="ko-KR" altLang="en-US" sz="1800" dirty="0"/>
+              <a:t>멤버 변수가 많을 수록 생성자의 수가 그에 맞게 필요하다</a:t>
+            </a:r>
+            <a:r>
+              <a:rPr lang="en-US" altLang="ko-KR" sz="1800" dirty="0"/>
+              <a:t>.</a:t>
+            </a:r>
           </a:p>
         </p:txBody>
       </p:sp>

--- a/notes/IoC.pptx
+++ b/notes/IoC.pptx
@@ -247,7 +247,7 @@
           <a:p>
             <a:fld id="{C43FDFFC-4157-4789-B17D-39F4816026EB}" type="datetimeFigureOut">
               <a:rPr lang="ko-KR" altLang="en-US" smtClean="0"/>
-              <a:t>2024-07-01</a:t>
+              <a:t>2024-07-02</a:t>
             </a:fld>
             <a:endParaRPr lang="ko-KR" altLang="en-US"/>
           </a:p>
@@ -2880,6 +2880,513 @@
 </p:notes>
 </file>
 
+<file path=ppt/notesSlides/notesSlide22.xml><?xml version="1.0" encoding="utf-8"?>
+<p:notes xmlns:a="http://schemas.openxmlformats.org/drawingml/2006/main" xmlns:r="http://schemas.openxmlformats.org/officeDocument/2006/relationships" xmlns:p="http://schemas.openxmlformats.org/presentationml/2006/main">
+  <p:cSld>
+    <p:spTree>
+      <p:nvGrpSpPr>
+        <p:cNvPr id="1" name=""/>
+        <p:cNvGrpSpPr/>
+        <p:nvPr/>
+      </p:nvGrpSpPr>
+      <p:grpSpPr>
+        <a:xfrm>
+          <a:off x="0" y="0"/>
+          <a:ext cx="0" cy="0"/>
+          <a:chOff x="0" y="0"/>
+          <a:chExt cx="0" cy="0"/>
+        </a:xfrm>
+      </p:grpSpPr>
+      <p:sp>
+        <p:nvSpPr>
+          <p:cNvPr id="2" name="슬라이드 이미지 개체 틀 1"/>
+          <p:cNvSpPr>
+            <a:spLocks noGrp="1" noRot="1" noChangeAspect="1"/>
+          </p:cNvSpPr>
+          <p:nvPr>
+            <p:ph type="sldImg"/>
+          </p:nvPr>
+        </p:nvSpPr>
+        <p:spPr/>
+      </p:sp>
+      <p:sp>
+        <p:nvSpPr>
+          <p:cNvPr id="3" name="슬라이드 노트 개체 틀 2"/>
+          <p:cNvSpPr>
+            <a:spLocks noGrp="1"/>
+          </p:cNvSpPr>
+          <p:nvPr>
+            <p:ph type="body" idx="1"/>
+          </p:nvPr>
+        </p:nvSpPr>
+        <p:spPr/>
+        <p:txBody>
+          <a:bodyPr/>
+          <a:lstStyle/>
+          <a:p>
+            <a:endParaRPr lang="ko-KR" altLang="en-US" dirty="0"/>
+          </a:p>
+        </p:txBody>
+      </p:sp>
+      <p:sp>
+        <p:nvSpPr>
+          <p:cNvPr id="4" name="슬라이드 번호 개체 틀 3"/>
+          <p:cNvSpPr>
+            <a:spLocks noGrp="1"/>
+          </p:cNvSpPr>
+          <p:nvPr>
+            <p:ph type="sldNum" sz="quarter" idx="5"/>
+          </p:nvPr>
+        </p:nvSpPr>
+        <p:spPr/>
+        <p:txBody>
+          <a:bodyPr/>
+          <a:lstStyle/>
+          <a:p>
+            <a:fld id="{5C89D12D-55F5-4BD8-91FA-E7EC646B62F7}" type="slidenum">
+              <a:rPr lang="ko-KR" altLang="en-US" smtClean="0"/>
+              <a:t>35</a:t>
+            </a:fld>
+            <a:endParaRPr lang="ko-KR" altLang="en-US"/>
+          </a:p>
+        </p:txBody>
+      </p:sp>
+    </p:spTree>
+    <p:extLst>
+      <p:ext uri="{BB962C8B-B14F-4D97-AF65-F5344CB8AC3E}">
+        <p14:creationId xmlns:p14="http://schemas.microsoft.com/office/powerpoint/2010/main" val="2252500231"/>
+      </p:ext>
+    </p:extLst>
+  </p:cSld>
+  <p:clrMapOvr>
+    <a:masterClrMapping/>
+  </p:clrMapOvr>
+</p:notes>
+</file>
+
+<file path=ppt/notesSlides/notesSlide23.xml><?xml version="1.0" encoding="utf-8"?>
+<p:notes xmlns:a="http://schemas.openxmlformats.org/drawingml/2006/main" xmlns:r="http://schemas.openxmlformats.org/officeDocument/2006/relationships" xmlns:p="http://schemas.openxmlformats.org/presentationml/2006/main">
+  <p:cSld>
+    <p:spTree>
+      <p:nvGrpSpPr>
+        <p:cNvPr id="1" name=""/>
+        <p:cNvGrpSpPr/>
+        <p:nvPr/>
+      </p:nvGrpSpPr>
+      <p:grpSpPr>
+        <a:xfrm>
+          <a:off x="0" y="0"/>
+          <a:ext cx="0" cy="0"/>
+          <a:chOff x="0" y="0"/>
+          <a:chExt cx="0" cy="0"/>
+        </a:xfrm>
+      </p:grpSpPr>
+      <p:sp>
+        <p:nvSpPr>
+          <p:cNvPr id="2" name="슬라이드 이미지 개체 틀 1"/>
+          <p:cNvSpPr>
+            <a:spLocks noGrp="1" noRot="1" noChangeAspect="1"/>
+          </p:cNvSpPr>
+          <p:nvPr>
+            <p:ph type="sldImg"/>
+          </p:nvPr>
+        </p:nvSpPr>
+        <p:spPr/>
+      </p:sp>
+      <p:sp>
+        <p:nvSpPr>
+          <p:cNvPr id="3" name="슬라이드 노트 개체 틀 2"/>
+          <p:cNvSpPr>
+            <a:spLocks noGrp="1"/>
+          </p:cNvSpPr>
+          <p:nvPr>
+            <p:ph type="body" idx="1"/>
+          </p:nvPr>
+        </p:nvSpPr>
+        <p:spPr/>
+        <p:txBody>
+          <a:bodyPr/>
+          <a:lstStyle/>
+          <a:p>
+            <a:endParaRPr lang="ko-KR" altLang="en-US" dirty="0"/>
+          </a:p>
+        </p:txBody>
+      </p:sp>
+      <p:sp>
+        <p:nvSpPr>
+          <p:cNvPr id="4" name="슬라이드 번호 개체 틀 3"/>
+          <p:cNvSpPr>
+            <a:spLocks noGrp="1"/>
+          </p:cNvSpPr>
+          <p:nvPr>
+            <p:ph type="sldNum" sz="quarter" idx="5"/>
+          </p:nvPr>
+        </p:nvSpPr>
+        <p:spPr/>
+        <p:txBody>
+          <a:bodyPr/>
+          <a:lstStyle/>
+          <a:p>
+            <a:fld id="{5C89D12D-55F5-4BD8-91FA-E7EC646B62F7}" type="slidenum">
+              <a:rPr lang="ko-KR" altLang="en-US" smtClean="0"/>
+              <a:t>36</a:t>
+            </a:fld>
+            <a:endParaRPr lang="ko-KR" altLang="en-US"/>
+          </a:p>
+        </p:txBody>
+      </p:sp>
+    </p:spTree>
+    <p:extLst>
+      <p:ext uri="{BB962C8B-B14F-4D97-AF65-F5344CB8AC3E}">
+        <p14:creationId xmlns:p14="http://schemas.microsoft.com/office/powerpoint/2010/main" val="3538232439"/>
+      </p:ext>
+    </p:extLst>
+  </p:cSld>
+  <p:clrMapOvr>
+    <a:masterClrMapping/>
+  </p:clrMapOvr>
+</p:notes>
+</file>
+
+<file path=ppt/notesSlides/notesSlide24.xml><?xml version="1.0" encoding="utf-8"?>
+<p:notes xmlns:a="http://schemas.openxmlformats.org/drawingml/2006/main" xmlns:r="http://schemas.openxmlformats.org/officeDocument/2006/relationships" xmlns:p="http://schemas.openxmlformats.org/presentationml/2006/main">
+  <p:cSld>
+    <p:spTree>
+      <p:nvGrpSpPr>
+        <p:cNvPr id="1" name=""/>
+        <p:cNvGrpSpPr/>
+        <p:nvPr/>
+      </p:nvGrpSpPr>
+      <p:grpSpPr>
+        <a:xfrm>
+          <a:off x="0" y="0"/>
+          <a:ext cx="0" cy="0"/>
+          <a:chOff x="0" y="0"/>
+          <a:chExt cx="0" cy="0"/>
+        </a:xfrm>
+      </p:grpSpPr>
+      <p:sp>
+        <p:nvSpPr>
+          <p:cNvPr id="2" name="슬라이드 이미지 개체 틀 1"/>
+          <p:cNvSpPr>
+            <a:spLocks noGrp="1" noRot="1" noChangeAspect="1"/>
+          </p:cNvSpPr>
+          <p:nvPr>
+            <p:ph type="sldImg"/>
+          </p:nvPr>
+        </p:nvSpPr>
+        <p:spPr/>
+      </p:sp>
+      <p:sp>
+        <p:nvSpPr>
+          <p:cNvPr id="3" name="슬라이드 노트 개체 틀 2"/>
+          <p:cNvSpPr>
+            <a:spLocks noGrp="1"/>
+          </p:cNvSpPr>
+          <p:nvPr>
+            <p:ph type="body" idx="1"/>
+          </p:nvPr>
+        </p:nvSpPr>
+        <p:spPr/>
+        <p:txBody>
+          <a:bodyPr/>
+          <a:lstStyle/>
+          <a:p>
+            <a:r>
+              <a:rPr lang="en-US" altLang="ko-KR" dirty="0"/>
+              <a:t>xml </a:t>
+            </a:r>
+            <a:r>
+              <a:rPr lang="ko-KR" altLang="en-US" dirty="0"/>
+              <a:t>설정을 통해 자바 코드를 컴파일 하지 않아도 되는 장점이 있음</a:t>
+            </a:r>
+            <a:endParaRPr lang="en-US" altLang="ko-KR" dirty="0"/>
+          </a:p>
+          <a:p>
+            <a:r>
+              <a:rPr lang="ko-KR" altLang="en-US" dirty="0"/>
+              <a:t>그러나 이 </a:t>
+            </a:r>
+            <a:r>
+              <a:rPr lang="en-US" altLang="ko-KR" dirty="0"/>
+              <a:t>xml </a:t>
+            </a:r>
+            <a:r>
+              <a:rPr lang="ko-KR" altLang="en-US" dirty="0"/>
+              <a:t>파일 자체도 막 </a:t>
+            </a:r>
+            <a:r>
+              <a:rPr lang="en-US" altLang="ko-KR" dirty="0"/>
+              <a:t>3000</a:t>
+            </a:r>
+            <a:r>
+              <a:rPr lang="ko-KR" altLang="en-US" dirty="0"/>
+              <a:t>줄이 넘어간다면</a:t>
+            </a:r>
+            <a:r>
+              <a:rPr lang="en-US" altLang="ko-KR" dirty="0"/>
+              <a:t>? </a:t>
+            </a:r>
+            <a:r>
+              <a:rPr lang="ko-KR" altLang="en-US" dirty="0"/>
+              <a:t>그래서 그것을 관리하는데 많은 에너지와 시간이 필요하다면 그것 또한 좋은 것은 아니다</a:t>
+            </a:r>
+            <a:r>
+              <a:rPr lang="en-US" altLang="ko-KR" dirty="0"/>
+              <a:t>.</a:t>
+            </a:r>
+          </a:p>
+          <a:p>
+            <a:endParaRPr lang="en-US" altLang="ko-KR" dirty="0"/>
+          </a:p>
+          <a:p>
+            <a:r>
+              <a:rPr lang="ko-KR" altLang="en-US" dirty="0"/>
+              <a:t>이런 </a:t>
+            </a:r>
+            <a:r>
+              <a:rPr lang="en-US" altLang="ko-KR" dirty="0"/>
+              <a:t>xml </a:t>
+            </a:r>
+            <a:r>
+              <a:rPr lang="ko-KR" altLang="en-US" dirty="0"/>
+              <a:t>설정을 최소화 할 필요가 있음</a:t>
+            </a:r>
+            <a:endParaRPr lang="en-US" altLang="ko-KR" dirty="0"/>
+          </a:p>
+          <a:p>
+            <a:r>
+              <a:rPr lang="ko-KR" altLang="en-US" dirty="0"/>
+              <a:t>그래서 </a:t>
+            </a:r>
+            <a:r>
+              <a:rPr lang="en-US" altLang="ko-KR" dirty="0"/>
+              <a:t>annotation </a:t>
+            </a:r>
+            <a:r>
+              <a:rPr lang="ko-KR" altLang="en-US" dirty="0"/>
+              <a:t>기반의 설정이 있는 것</a:t>
+            </a:r>
+            <a:r>
+              <a:rPr lang="en-US" altLang="ko-KR" dirty="0"/>
+              <a:t>.</a:t>
+            </a:r>
+          </a:p>
+          <a:p>
+            <a:endParaRPr lang="en-US" altLang="ko-KR" dirty="0"/>
+          </a:p>
+          <a:p>
+            <a:endParaRPr lang="en-US" altLang="ko-KR" dirty="0"/>
+          </a:p>
+        </p:txBody>
+      </p:sp>
+      <p:sp>
+        <p:nvSpPr>
+          <p:cNvPr id="4" name="슬라이드 번호 개체 틀 3"/>
+          <p:cNvSpPr>
+            <a:spLocks noGrp="1"/>
+          </p:cNvSpPr>
+          <p:nvPr>
+            <p:ph type="sldNum" sz="quarter" idx="5"/>
+          </p:nvPr>
+        </p:nvSpPr>
+        <p:spPr/>
+        <p:txBody>
+          <a:bodyPr/>
+          <a:lstStyle/>
+          <a:p>
+            <a:fld id="{5C89D12D-55F5-4BD8-91FA-E7EC646B62F7}" type="slidenum">
+              <a:rPr lang="ko-KR" altLang="en-US" smtClean="0"/>
+              <a:t>37</a:t>
+            </a:fld>
+            <a:endParaRPr lang="ko-KR" altLang="en-US"/>
+          </a:p>
+        </p:txBody>
+      </p:sp>
+    </p:spTree>
+    <p:extLst>
+      <p:ext uri="{BB962C8B-B14F-4D97-AF65-F5344CB8AC3E}">
+        <p14:creationId xmlns:p14="http://schemas.microsoft.com/office/powerpoint/2010/main" val="1926467784"/>
+      </p:ext>
+    </p:extLst>
+  </p:cSld>
+  <p:clrMapOvr>
+    <a:masterClrMapping/>
+  </p:clrMapOvr>
+</p:notes>
+</file>
+
+<file path=ppt/notesSlides/notesSlide25.xml><?xml version="1.0" encoding="utf-8"?>
+<p:notes xmlns:a="http://schemas.openxmlformats.org/drawingml/2006/main" xmlns:r="http://schemas.openxmlformats.org/officeDocument/2006/relationships" xmlns:p="http://schemas.openxmlformats.org/presentationml/2006/main">
+  <p:cSld>
+    <p:spTree>
+      <p:nvGrpSpPr>
+        <p:cNvPr id="1" name=""/>
+        <p:cNvGrpSpPr/>
+        <p:nvPr/>
+      </p:nvGrpSpPr>
+      <p:grpSpPr>
+        <a:xfrm>
+          <a:off x="0" y="0"/>
+          <a:ext cx="0" cy="0"/>
+          <a:chOff x="0" y="0"/>
+          <a:chExt cx="0" cy="0"/>
+        </a:xfrm>
+      </p:grpSpPr>
+      <p:sp>
+        <p:nvSpPr>
+          <p:cNvPr id="2" name="슬라이드 이미지 개체 틀 1"/>
+          <p:cNvSpPr>
+            <a:spLocks noGrp="1" noRot="1" noChangeAspect="1"/>
+          </p:cNvSpPr>
+          <p:nvPr>
+            <p:ph type="sldImg"/>
+          </p:nvPr>
+        </p:nvSpPr>
+        <p:spPr/>
+      </p:sp>
+      <p:sp>
+        <p:nvSpPr>
+          <p:cNvPr id="3" name="슬라이드 노트 개체 틀 2"/>
+          <p:cNvSpPr>
+            <a:spLocks noGrp="1"/>
+          </p:cNvSpPr>
+          <p:nvPr>
+            <p:ph type="body" idx="1"/>
+          </p:nvPr>
+        </p:nvSpPr>
+        <p:spPr/>
+        <p:txBody>
+          <a:bodyPr/>
+          <a:lstStyle/>
+          <a:p>
+            <a:r>
+              <a:rPr lang="en-US" altLang="ko-KR" dirty="0"/>
+              <a:t>xml</a:t>
+            </a:r>
+            <a:r>
+              <a:rPr lang="ko-KR" altLang="en-US" dirty="0"/>
+              <a:t> 파일에 적은 내용은 </a:t>
+            </a:r>
+            <a:r>
+              <a:rPr lang="en-US" altLang="ko-KR" dirty="0"/>
+              <a:t>container</a:t>
+            </a:r>
+            <a:r>
+              <a:rPr lang="ko-KR" altLang="en-US" dirty="0"/>
+              <a:t>에게 무언가를 지시하기 위한 것</a:t>
+            </a:r>
+            <a:endParaRPr lang="en-US" altLang="ko-KR" dirty="0"/>
+          </a:p>
+          <a:p>
+            <a:r>
+              <a:rPr lang="en-US" altLang="ko-KR" dirty="0"/>
+              <a:t>container</a:t>
+            </a:r>
+            <a:r>
+              <a:rPr lang="ko-KR" altLang="en-US" dirty="0"/>
+              <a:t>에게 </a:t>
+            </a:r>
+            <a:r>
+              <a:rPr lang="en-US" altLang="ko-KR" dirty="0"/>
+              <a:t>component annotation</a:t>
+            </a:r>
+            <a:r>
+              <a:rPr lang="ko-KR" altLang="en-US" dirty="0"/>
+              <a:t>이 붙은 </a:t>
+            </a:r>
+            <a:r>
+              <a:rPr lang="en-US" altLang="ko-KR" dirty="0"/>
+              <a:t>class </a:t>
+            </a:r>
+            <a:r>
+              <a:rPr lang="ko-KR" altLang="en-US" dirty="0"/>
+              <a:t>들을 찾아라 명령한 것</a:t>
+            </a:r>
+            <a:r>
+              <a:rPr lang="en-US" altLang="ko-KR" dirty="0"/>
+              <a:t>.</a:t>
+            </a:r>
+            <a:r>
+              <a:rPr lang="ko-KR" altLang="en-US" dirty="0"/>
+              <a:t> 그리고 그 클래스들이 </a:t>
+            </a:r>
+            <a:r>
+              <a:rPr lang="en-US" altLang="ko-KR" dirty="0"/>
+              <a:t>base-package</a:t>
+            </a:r>
+            <a:r>
+              <a:rPr lang="ko-KR" altLang="en-US" dirty="0"/>
+              <a:t>에 있는 패키지여야 한다</a:t>
+            </a:r>
+            <a:r>
+              <a:rPr lang="en-US" altLang="ko-KR" dirty="0"/>
+              <a:t>.</a:t>
+            </a:r>
+          </a:p>
+          <a:p>
+            <a:endParaRPr lang="en-US" altLang="ko-KR" dirty="0"/>
+          </a:p>
+          <a:p>
+            <a:r>
+              <a:rPr lang="en-US" altLang="ko-KR" dirty="0"/>
+              <a:t>base-package</a:t>
+            </a:r>
+            <a:r>
+              <a:rPr lang="ko-KR" altLang="en-US" dirty="0"/>
+              <a:t>를 이용해서 </a:t>
+            </a:r>
+            <a:r>
+              <a:rPr lang="en-US" altLang="ko-KR" dirty="0"/>
+              <a:t>scan </a:t>
+            </a:r>
+            <a:r>
+              <a:rPr lang="ko-KR" altLang="en-US" dirty="0"/>
+              <a:t>범위를 지정할 수 있음</a:t>
+            </a:r>
+            <a:endParaRPr lang="en-US" altLang="ko-KR"/>
+          </a:p>
+          <a:p>
+            <a:endParaRPr lang="en-US" altLang="ko-KR"/>
+          </a:p>
+        </p:txBody>
+      </p:sp>
+      <p:sp>
+        <p:nvSpPr>
+          <p:cNvPr id="4" name="슬라이드 번호 개체 틀 3"/>
+          <p:cNvSpPr>
+            <a:spLocks noGrp="1"/>
+          </p:cNvSpPr>
+          <p:nvPr>
+            <p:ph type="sldNum" sz="quarter" idx="5"/>
+          </p:nvPr>
+        </p:nvSpPr>
+        <p:spPr/>
+        <p:txBody>
+          <a:bodyPr/>
+          <a:lstStyle/>
+          <a:p>
+            <a:fld id="{5C89D12D-55F5-4BD8-91FA-E7EC646B62F7}" type="slidenum">
+              <a:rPr lang="ko-KR" altLang="en-US" smtClean="0"/>
+              <a:t>38</a:t>
+            </a:fld>
+            <a:endParaRPr lang="ko-KR" altLang="en-US"/>
+          </a:p>
+        </p:txBody>
+      </p:sp>
+    </p:spTree>
+    <p:extLst>
+      <p:ext uri="{BB962C8B-B14F-4D97-AF65-F5344CB8AC3E}">
+        <p14:creationId xmlns:p14="http://schemas.microsoft.com/office/powerpoint/2010/main" val="2883729559"/>
+      </p:ext>
+    </p:extLst>
+  </p:cSld>
+  <p:clrMapOvr>
+    <a:masterClrMapping/>
+  </p:clrMapOvr>
+</p:notes>
+</file>
+
 <file path=ppt/notesSlides/notesSlide3.xml><?xml version="1.0" encoding="utf-8"?>
 <p:notes xmlns:a="http://schemas.openxmlformats.org/drawingml/2006/main" xmlns:r="http://schemas.openxmlformats.org/officeDocument/2006/relationships" xmlns:p="http://schemas.openxmlformats.org/presentationml/2006/main">
   <p:cSld>
@@ -4113,7 +4620,7 @@
           <a:p>
             <a:fld id="{DFC765C5-6852-43C5-8B75-F362625B4446}" type="datetimeFigureOut">
               <a:rPr lang="ko-KR" altLang="en-US" smtClean="0"/>
-              <a:t>2024-07-01</a:t>
+              <a:t>2024-07-02</a:t>
             </a:fld>
             <a:endParaRPr lang="ko-KR" altLang="en-US"/>
           </a:p>
@@ -4281,7 +4788,7 @@
           <a:p>
             <a:fld id="{DFC765C5-6852-43C5-8B75-F362625B4446}" type="datetimeFigureOut">
               <a:rPr lang="ko-KR" altLang="en-US" smtClean="0"/>
-              <a:t>2024-07-01</a:t>
+              <a:t>2024-07-02</a:t>
             </a:fld>
             <a:endParaRPr lang="ko-KR" altLang="en-US"/>
           </a:p>
@@ -4459,7 +4966,7 @@
           <a:p>
             <a:fld id="{DFC765C5-6852-43C5-8B75-F362625B4446}" type="datetimeFigureOut">
               <a:rPr lang="ko-KR" altLang="en-US" smtClean="0"/>
-              <a:t>2024-07-01</a:t>
+              <a:t>2024-07-02</a:t>
             </a:fld>
             <a:endParaRPr lang="ko-KR" altLang="en-US"/>
           </a:p>
@@ -4627,7 +5134,7 @@
           <a:p>
             <a:fld id="{DFC765C5-6852-43C5-8B75-F362625B4446}" type="datetimeFigureOut">
               <a:rPr lang="ko-KR" altLang="en-US" smtClean="0"/>
-              <a:t>2024-07-01</a:t>
+              <a:t>2024-07-02</a:t>
             </a:fld>
             <a:endParaRPr lang="ko-KR" altLang="en-US"/>
           </a:p>
@@ -4872,7 +5379,7 @@
           <a:p>
             <a:fld id="{DFC765C5-6852-43C5-8B75-F362625B4446}" type="datetimeFigureOut">
               <a:rPr lang="ko-KR" altLang="en-US" smtClean="0"/>
-              <a:t>2024-07-01</a:t>
+              <a:t>2024-07-02</a:t>
             </a:fld>
             <a:endParaRPr lang="ko-KR" altLang="en-US"/>
           </a:p>
@@ -5101,7 +5608,7 @@
           <a:p>
             <a:fld id="{DFC765C5-6852-43C5-8B75-F362625B4446}" type="datetimeFigureOut">
               <a:rPr lang="ko-KR" altLang="en-US" smtClean="0"/>
-              <a:t>2024-07-01</a:t>
+              <a:t>2024-07-02</a:t>
             </a:fld>
             <a:endParaRPr lang="ko-KR" altLang="en-US"/>
           </a:p>
@@ -5465,7 +5972,7 @@
           <a:p>
             <a:fld id="{DFC765C5-6852-43C5-8B75-F362625B4446}" type="datetimeFigureOut">
               <a:rPr lang="ko-KR" altLang="en-US" smtClean="0"/>
-              <a:t>2024-07-01</a:t>
+              <a:t>2024-07-02</a:t>
             </a:fld>
             <a:endParaRPr lang="ko-KR" altLang="en-US"/>
           </a:p>
@@ -5582,7 +6089,7 @@
           <a:p>
             <a:fld id="{DFC765C5-6852-43C5-8B75-F362625B4446}" type="datetimeFigureOut">
               <a:rPr lang="ko-KR" altLang="en-US" smtClean="0"/>
-              <a:t>2024-07-01</a:t>
+              <a:t>2024-07-02</a:t>
             </a:fld>
             <a:endParaRPr lang="ko-KR" altLang="en-US"/>
           </a:p>
@@ -5677,7 +6184,7 @@
           <a:p>
             <a:fld id="{DFC765C5-6852-43C5-8B75-F362625B4446}" type="datetimeFigureOut">
               <a:rPr lang="ko-KR" altLang="en-US" smtClean="0"/>
-              <a:t>2024-07-01</a:t>
+              <a:t>2024-07-02</a:t>
             </a:fld>
             <a:endParaRPr lang="ko-KR" altLang="en-US"/>
           </a:p>
@@ -5952,7 +6459,7 @@
           <a:p>
             <a:fld id="{DFC765C5-6852-43C5-8B75-F362625B4446}" type="datetimeFigureOut">
               <a:rPr lang="ko-KR" altLang="en-US" smtClean="0"/>
-              <a:t>2024-07-01</a:t>
+              <a:t>2024-07-02</a:t>
             </a:fld>
             <a:endParaRPr lang="ko-KR" altLang="en-US"/>
           </a:p>
@@ -6204,7 +6711,7 @@
           <a:p>
             <a:fld id="{DFC765C5-6852-43C5-8B75-F362625B4446}" type="datetimeFigureOut">
               <a:rPr lang="ko-KR" altLang="en-US" smtClean="0"/>
-              <a:t>2024-07-01</a:t>
+              <a:t>2024-07-02</a:t>
             </a:fld>
             <a:endParaRPr lang="ko-KR" altLang="en-US"/>
           </a:p>
@@ -6415,7 +6922,7 @@
           <a:p>
             <a:fld id="{DFC765C5-6852-43C5-8B75-F362625B4446}" type="datetimeFigureOut">
               <a:rPr lang="ko-KR" altLang="en-US" smtClean="0"/>
-              <a:t>2024-07-01</a:t>
+              <a:t>2024-07-02</a:t>
             </a:fld>
             <a:endParaRPr lang="ko-KR" altLang="en-US"/>
           </a:p>
@@ -12848,10 +13355,42 @@
           <a:lstStyle/>
           <a:p>
             <a:r>
-              <a:rPr lang="en-US" altLang="ko-KR" dirty="0" err="1"/>
+              <a:rPr lang="en-US" altLang="ko-KR" b="1" dirty="0" err="1">
+                <a:solidFill>
+                  <a:srgbClr val="FF0000"/>
+                </a:solidFill>
+              </a:rPr>
               <a:t>java.util.Properties</a:t>
             </a:r>
-            <a:endParaRPr lang="ko-KR" altLang="en-US" dirty="0"/>
+            <a:r>
+              <a:rPr lang="en-US" altLang="ko-KR" b="1" dirty="0">
+                <a:solidFill>
+                  <a:srgbClr val="FF0000"/>
+                </a:solidFill>
+              </a:rPr>
+              <a:t>(***</a:t>
+            </a:r>
+            <a:r>
+              <a:rPr lang="ko-KR" altLang="en-US" b="1" dirty="0">
+                <a:solidFill>
+                  <a:srgbClr val="FF0000"/>
+                </a:solidFill>
+              </a:rPr>
+              <a:t>굉장히 중요</a:t>
+            </a:r>
+            <a:r>
+              <a:rPr lang="en-US" altLang="ko-KR" b="1" dirty="0">
+                <a:solidFill>
+                  <a:srgbClr val="FF0000"/>
+                </a:solidFill>
+              </a:rPr>
+              <a:t>***)</a:t>
+            </a:r>
+            <a:endParaRPr lang="ko-KR" altLang="en-US" b="1" dirty="0">
+              <a:solidFill>
+                <a:srgbClr val="FF0000"/>
+              </a:solidFill>
+            </a:endParaRPr>
           </a:p>
         </p:txBody>
       </p:sp>

--- a/notes/IoC.pptx
+++ b/notes/IoC.pptx
@@ -247,7 +247,7 @@
           <a:p>
             <a:fld id="{C43FDFFC-4157-4789-B17D-39F4816026EB}" type="datetimeFigureOut">
               <a:rPr lang="ko-KR" altLang="en-US" smtClean="0"/>
-              <a:t>2024-07-02</a:t>
+              <a:t>2024-07-16</a:t>
             </a:fld>
             <a:endParaRPr lang="ko-KR" altLang="en-US"/>
           </a:p>
@@ -3387,6 +3387,585 @@
 </p:notes>
 </file>
 
+<file path=ppt/notesSlides/notesSlide26.xml><?xml version="1.0" encoding="utf-8"?>
+<p:notes xmlns:a="http://schemas.openxmlformats.org/drawingml/2006/main" xmlns:r="http://schemas.openxmlformats.org/officeDocument/2006/relationships" xmlns:p="http://schemas.openxmlformats.org/presentationml/2006/main">
+  <p:cSld>
+    <p:spTree>
+      <p:nvGrpSpPr>
+        <p:cNvPr id="1" name=""/>
+        <p:cNvGrpSpPr/>
+        <p:nvPr/>
+      </p:nvGrpSpPr>
+      <p:grpSpPr>
+        <a:xfrm>
+          <a:off x="0" y="0"/>
+          <a:ext cx="0" cy="0"/>
+          <a:chOff x="0" y="0"/>
+          <a:chExt cx="0" cy="0"/>
+        </a:xfrm>
+      </p:grpSpPr>
+      <p:sp>
+        <p:nvSpPr>
+          <p:cNvPr id="2" name="슬라이드 이미지 개체 틀 1"/>
+          <p:cNvSpPr>
+            <a:spLocks noGrp="1" noRot="1" noChangeAspect="1"/>
+          </p:cNvSpPr>
+          <p:nvPr>
+            <p:ph type="sldImg"/>
+          </p:nvPr>
+        </p:nvSpPr>
+        <p:spPr/>
+      </p:sp>
+      <p:sp>
+        <p:nvSpPr>
+          <p:cNvPr id="3" name="슬라이드 노트 개체 틀 2"/>
+          <p:cNvSpPr>
+            <a:spLocks noGrp="1"/>
+          </p:cNvSpPr>
+          <p:nvPr>
+            <p:ph type="body" idx="1"/>
+          </p:nvPr>
+        </p:nvSpPr>
+        <p:spPr/>
+        <p:txBody>
+          <a:bodyPr/>
+          <a:lstStyle/>
+          <a:p>
+            <a:r>
+              <a:rPr lang="en-US" altLang="ko-KR" dirty="0"/>
+              <a:t>@Inject,</a:t>
+            </a:r>
+            <a:r>
+              <a:rPr lang="ko-KR" altLang="en-US" dirty="0"/>
+              <a:t> </a:t>
+            </a:r>
+            <a:r>
+              <a:rPr lang="en-US" altLang="ko-KR" dirty="0"/>
+              <a:t>@Resource</a:t>
+            </a:r>
+            <a:r>
+              <a:rPr lang="ko-KR" altLang="en-US" dirty="0"/>
+              <a:t>는 </a:t>
+            </a:r>
+            <a:r>
+              <a:rPr lang="en-US" altLang="ko-KR" dirty="0"/>
+              <a:t>Spring</a:t>
+            </a:r>
+            <a:r>
+              <a:rPr lang="ko-KR" altLang="en-US" dirty="0"/>
+              <a:t>에서 제공하는 </a:t>
+            </a:r>
+            <a:r>
+              <a:rPr lang="en-US" altLang="ko-KR" dirty="0"/>
+              <a:t>Annotation</a:t>
+            </a:r>
+            <a:r>
+              <a:rPr lang="ko-KR" altLang="en-US" dirty="0"/>
+              <a:t>은 아님</a:t>
+            </a:r>
+            <a:endParaRPr lang="en-US" altLang="ko-KR" dirty="0"/>
+          </a:p>
+          <a:p>
+            <a:r>
+              <a:rPr lang="ko-KR" altLang="en-US" dirty="0"/>
+              <a:t>어쨌든 </a:t>
+            </a:r>
+            <a:r>
+              <a:rPr lang="en-US" altLang="ko-KR" dirty="0"/>
+              <a:t>3</a:t>
+            </a:r>
+            <a:r>
+              <a:rPr lang="ko-KR" altLang="en-US" dirty="0"/>
+              <a:t>가지 모두 </a:t>
+            </a:r>
+            <a:r>
+              <a:rPr lang="en-US" altLang="ko-KR" dirty="0"/>
+              <a:t>Injection</a:t>
+            </a:r>
+            <a:r>
+              <a:rPr lang="ko-KR" altLang="en-US" dirty="0"/>
+              <a:t>을 위한 </a:t>
+            </a:r>
+            <a:r>
+              <a:rPr lang="en-US" altLang="ko-KR" dirty="0"/>
+              <a:t>Annotation. </a:t>
+            </a:r>
+            <a:r>
+              <a:rPr lang="ko-KR" altLang="en-US" dirty="0"/>
+              <a:t>기능도 똑같음</a:t>
+            </a:r>
+            <a:endParaRPr lang="en-US" altLang="ko-KR" dirty="0"/>
+          </a:p>
+          <a:p>
+            <a:endParaRPr lang="en-US" altLang="ko-KR" dirty="0"/>
+          </a:p>
+          <a:p>
+            <a:r>
+              <a:rPr lang="ko-KR" altLang="en-US" dirty="0"/>
+              <a:t> </a:t>
+            </a:r>
+          </a:p>
+        </p:txBody>
+      </p:sp>
+      <p:sp>
+        <p:nvSpPr>
+          <p:cNvPr id="4" name="슬라이드 번호 개체 틀 3"/>
+          <p:cNvSpPr>
+            <a:spLocks noGrp="1"/>
+          </p:cNvSpPr>
+          <p:nvPr>
+            <p:ph type="sldNum" sz="quarter" idx="5"/>
+          </p:nvPr>
+        </p:nvSpPr>
+        <p:spPr/>
+        <p:txBody>
+          <a:bodyPr/>
+          <a:lstStyle/>
+          <a:p>
+            <a:fld id="{5C89D12D-55F5-4BD8-91FA-E7EC646B62F7}" type="slidenum">
+              <a:rPr lang="ko-KR" altLang="en-US" smtClean="0"/>
+              <a:t>41</a:t>
+            </a:fld>
+            <a:endParaRPr lang="ko-KR" altLang="en-US"/>
+          </a:p>
+        </p:txBody>
+      </p:sp>
+    </p:spTree>
+    <p:extLst>
+      <p:ext uri="{BB962C8B-B14F-4D97-AF65-F5344CB8AC3E}">
+        <p14:creationId xmlns:p14="http://schemas.microsoft.com/office/powerpoint/2010/main" val="2898924968"/>
+      </p:ext>
+    </p:extLst>
+  </p:cSld>
+  <p:clrMapOvr>
+    <a:masterClrMapping/>
+  </p:clrMapOvr>
+</p:notes>
+</file>
+
+<file path=ppt/notesSlides/notesSlide27.xml><?xml version="1.0" encoding="utf-8"?>
+<p:notes xmlns:a="http://schemas.openxmlformats.org/drawingml/2006/main" xmlns:r="http://schemas.openxmlformats.org/officeDocument/2006/relationships" xmlns:p="http://schemas.openxmlformats.org/presentationml/2006/main">
+  <p:cSld>
+    <p:spTree>
+      <p:nvGrpSpPr>
+        <p:cNvPr id="1" name=""/>
+        <p:cNvGrpSpPr/>
+        <p:nvPr/>
+      </p:nvGrpSpPr>
+      <p:grpSpPr>
+        <a:xfrm>
+          <a:off x="0" y="0"/>
+          <a:ext cx="0" cy="0"/>
+          <a:chOff x="0" y="0"/>
+          <a:chExt cx="0" cy="0"/>
+        </a:xfrm>
+      </p:grpSpPr>
+      <p:sp>
+        <p:nvSpPr>
+          <p:cNvPr id="2" name="슬라이드 이미지 개체 틀 1"/>
+          <p:cNvSpPr>
+            <a:spLocks noGrp="1" noRot="1" noChangeAspect="1"/>
+          </p:cNvSpPr>
+          <p:nvPr>
+            <p:ph type="sldImg"/>
+          </p:nvPr>
+        </p:nvSpPr>
+        <p:spPr/>
+      </p:sp>
+      <p:sp>
+        <p:nvSpPr>
+          <p:cNvPr id="3" name="슬라이드 노트 개체 틀 2"/>
+          <p:cNvSpPr>
+            <a:spLocks noGrp="1"/>
+          </p:cNvSpPr>
+          <p:nvPr>
+            <p:ph type="body" idx="1"/>
+          </p:nvPr>
+        </p:nvSpPr>
+        <p:spPr/>
+        <p:txBody>
+          <a:bodyPr/>
+          <a:lstStyle/>
+          <a:p>
+            <a:r>
+              <a:rPr lang="en-US" altLang="ko-KR" dirty="0"/>
+              <a:t>class</a:t>
+            </a:r>
+            <a:r>
+              <a:rPr lang="ko-KR" altLang="en-US" dirty="0"/>
+              <a:t>를 만들어서 메모리에 띄우고 싶어</a:t>
+            </a:r>
+            <a:r>
+              <a:rPr lang="en-US" altLang="ko-KR" dirty="0"/>
+              <a:t>.</a:t>
+            </a:r>
+          </a:p>
+          <a:p>
+            <a:r>
+              <a:rPr lang="en-US" altLang="ko-KR" dirty="0"/>
+              <a:t>2</a:t>
+            </a:r>
+            <a:r>
+              <a:rPr lang="ko-KR" altLang="en-US" dirty="0"/>
+              <a:t>가지 방법</a:t>
+            </a:r>
+            <a:endParaRPr lang="en-US" altLang="ko-KR" dirty="0"/>
+          </a:p>
+          <a:p>
+            <a:pPr marL="228600" indent="-228600">
+              <a:buAutoNum type="arabicPeriod"/>
+            </a:pPr>
+            <a:r>
+              <a:rPr lang="en-US" altLang="ko-KR" dirty="0"/>
+              <a:t>bean </a:t>
+            </a:r>
+            <a:r>
+              <a:rPr lang="ko-KR" altLang="en-US" dirty="0"/>
+              <a:t>등록</a:t>
+            </a:r>
+            <a:endParaRPr lang="en-US" altLang="ko-KR" dirty="0"/>
+          </a:p>
+          <a:p>
+            <a:pPr marL="228600" indent="-228600">
+              <a:buAutoNum type="arabicPeriod"/>
+            </a:pPr>
+            <a:r>
+              <a:rPr lang="en-US" altLang="ko-KR" dirty="0"/>
+              <a:t>@Component </a:t>
+            </a:r>
+            <a:r>
+              <a:rPr lang="ko-KR" altLang="en-US" dirty="0"/>
+              <a:t>사용</a:t>
+            </a:r>
+            <a:endParaRPr lang="en-US" altLang="ko-KR" dirty="0"/>
+          </a:p>
+          <a:p>
+            <a:pPr marL="228600" indent="-228600">
+              <a:buAutoNum type="arabicPeriod"/>
+            </a:pPr>
+            <a:endParaRPr lang="en-US" altLang="ko-KR" dirty="0"/>
+          </a:p>
+          <a:p>
+            <a:pPr marL="0" indent="0">
+              <a:buNone/>
+            </a:pPr>
+            <a:endParaRPr lang="en-US" altLang="ko-KR" dirty="0"/>
+          </a:p>
+        </p:txBody>
+      </p:sp>
+      <p:sp>
+        <p:nvSpPr>
+          <p:cNvPr id="4" name="슬라이드 번호 개체 틀 3"/>
+          <p:cNvSpPr>
+            <a:spLocks noGrp="1"/>
+          </p:cNvSpPr>
+          <p:nvPr>
+            <p:ph type="sldNum" sz="quarter" idx="5"/>
+          </p:nvPr>
+        </p:nvSpPr>
+        <p:spPr/>
+        <p:txBody>
+          <a:bodyPr/>
+          <a:lstStyle/>
+          <a:p>
+            <a:fld id="{5C89D12D-55F5-4BD8-91FA-E7EC646B62F7}" type="slidenum">
+              <a:rPr lang="ko-KR" altLang="en-US" smtClean="0"/>
+              <a:t>44</a:t>
+            </a:fld>
+            <a:endParaRPr lang="ko-KR" altLang="en-US"/>
+          </a:p>
+        </p:txBody>
+      </p:sp>
+    </p:spTree>
+    <p:extLst>
+      <p:ext uri="{BB962C8B-B14F-4D97-AF65-F5344CB8AC3E}">
+        <p14:creationId xmlns:p14="http://schemas.microsoft.com/office/powerpoint/2010/main" val="2321729739"/>
+      </p:ext>
+    </p:extLst>
+  </p:cSld>
+  <p:clrMapOvr>
+    <a:masterClrMapping/>
+  </p:clrMapOvr>
+</p:notes>
+</file>
+
+<file path=ppt/notesSlides/notesSlide28.xml><?xml version="1.0" encoding="utf-8"?>
+<p:notes xmlns:a="http://schemas.openxmlformats.org/drawingml/2006/main" xmlns:r="http://schemas.openxmlformats.org/officeDocument/2006/relationships" xmlns:p="http://schemas.openxmlformats.org/presentationml/2006/main">
+  <p:cSld>
+    <p:spTree>
+      <p:nvGrpSpPr>
+        <p:cNvPr id="1" name=""/>
+        <p:cNvGrpSpPr/>
+        <p:nvPr/>
+      </p:nvGrpSpPr>
+      <p:grpSpPr>
+        <a:xfrm>
+          <a:off x="0" y="0"/>
+          <a:ext cx="0" cy="0"/>
+          <a:chOff x="0" y="0"/>
+          <a:chExt cx="0" cy="0"/>
+        </a:xfrm>
+      </p:grpSpPr>
+      <p:sp>
+        <p:nvSpPr>
+          <p:cNvPr id="2" name="슬라이드 이미지 개체 틀 1"/>
+          <p:cNvSpPr>
+            <a:spLocks noGrp="1" noRot="1" noChangeAspect="1"/>
+          </p:cNvSpPr>
+          <p:nvPr>
+            <p:ph type="sldImg"/>
+          </p:nvPr>
+        </p:nvSpPr>
+        <p:spPr/>
+      </p:sp>
+      <p:sp>
+        <p:nvSpPr>
+          <p:cNvPr id="3" name="슬라이드 노트 개체 틀 2"/>
+          <p:cNvSpPr>
+            <a:spLocks noGrp="1"/>
+          </p:cNvSpPr>
+          <p:nvPr>
+            <p:ph type="body" idx="1"/>
+          </p:nvPr>
+        </p:nvSpPr>
+        <p:spPr/>
+        <p:txBody>
+          <a:bodyPr/>
+          <a:lstStyle/>
+          <a:p>
+            <a:r>
+              <a:rPr lang="en-US" altLang="ko-KR" dirty="0" err="1"/>
+              <a:t>SpringBoot</a:t>
+            </a:r>
+            <a:r>
+              <a:rPr lang="en-US" altLang="ko-KR" dirty="0"/>
+              <a:t> </a:t>
+            </a:r>
+            <a:r>
+              <a:rPr lang="ko-KR" altLang="en-US" dirty="0"/>
+              <a:t>할 때 굉장히 중요</a:t>
+            </a:r>
+            <a:r>
+              <a:rPr lang="en-US" altLang="ko-KR" dirty="0"/>
+              <a:t>(Configuration</a:t>
+            </a:r>
+            <a:r>
+              <a:rPr lang="ko-KR" altLang="en-US" dirty="0"/>
+              <a:t> </a:t>
+            </a:r>
+            <a:r>
+              <a:rPr lang="en-US" altLang="ko-KR" dirty="0"/>
+              <a:t>Class)</a:t>
+            </a:r>
+          </a:p>
+          <a:p>
+            <a:r>
+              <a:rPr lang="ko-KR" altLang="en-US" dirty="0"/>
+              <a:t>복잡한 </a:t>
+            </a:r>
+            <a:r>
+              <a:rPr lang="en-US" altLang="ko-KR" dirty="0"/>
+              <a:t>xml</a:t>
+            </a:r>
+            <a:r>
+              <a:rPr lang="ko-KR" altLang="en-US" dirty="0"/>
+              <a:t>을 대체할 수 있는 방법은 없을까</a:t>
+            </a:r>
+            <a:r>
+              <a:rPr lang="en-US" altLang="ko-KR" dirty="0"/>
+              <a:t>? </a:t>
+            </a:r>
+            <a:r>
+              <a:rPr lang="ko-KR" altLang="en-US" dirty="0"/>
+              <a:t>에 대한 질문으로 나옴</a:t>
+            </a:r>
+            <a:endParaRPr lang="en-US" altLang="ko-KR" dirty="0"/>
+          </a:p>
+        </p:txBody>
+      </p:sp>
+      <p:sp>
+        <p:nvSpPr>
+          <p:cNvPr id="4" name="슬라이드 번호 개체 틀 3"/>
+          <p:cNvSpPr>
+            <a:spLocks noGrp="1"/>
+          </p:cNvSpPr>
+          <p:nvPr>
+            <p:ph type="sldNum" sz="quarter" idx="5"/>
+          </p:nvPr>
+        </p:nvSpPr>
+        <p:spPr/>
+        <p:txBody>
+          <a:bodyPr/>
+          <a:lstStyle/>
+          <a:p>
+            <a:fld id="{5C89D12D-55F5-4BD8-91FA-E7EC646B62F7}" type="slidenum">
+              <a:rPr lang="ko-KR" altLang="en-US" smtClean="0"/>
+              <a:t>45</a:t>
+            </a:fld>
+            <a:endParaRPr lang="ko-KR" altLang="en-US"/>
+          </a:p>
+        </p:txBody>
+      </p:sp>
+    </p:spTree>
+    <p:extLst>
+      <p:ext uri="{BB962C8B-B14F-4D97-AF65-F5344CB8AC3E}">
+        <p14:creationId xmlns:p14="http://schemas.microsoft.com/office/powerpoint/2010/main" val="1979984278"/>
+      </p:ext>
+    </p:extLst>
+  </p:cSld>
+  <p:clrMapOvr>
+    <a:masterClrMapping/>
+  </p:clrMapOvr>
+</p:notes>
+</file>
+
+<file path=ppt/notesSlides/notesSlide29.xml><?xml version="1.0" encoding="utf-8"?>
+<p:notes xmlns:a="http://schemas.openxmlformats.org/drawingml/2006/main" xmlns:r="http://schemas.openxmlformats.org/officeDocument/2006/relationships" xmlns:p="http://schemas.openxmlformats.org/presentationml/2006/main">
+  <p:cSld>
+    <p:spTree>
+      <p:nvGrpSpPr>
+        <p:cNvPr id="1" name=""/>
+        <p:cNvGrpSpPr/>
+        <p:nvPr/>
+      </p:nvGrpSpPr>
+      <p:grpSpPr>
+        <a:xfrm>
+          <a:off x="0" y="0"/>
+          <a:ext cx="0" cy="0"/>
+          <a:chOff x="0" y="0"/>
+          <a:chExt cx="0" cy="0"/>
+        </a:xfrm>
+      </p:grpSpPr>
+      <p:sp>
+        <p:nvSpPr>
+          <p:cNvPr id="2" name="슬라이드 이미지 개체 틀 1"/>
+          <p:cNvSpPr>
+            <a:spLocks noGrp="1" noRot="1" noChangeAspect="1"/>
+          </p:cNvSpPr>
+          <p:nvPr>
+            <p:ph type="sldImg"/>
+          </p:nvPr>
+        </p:nvSpPr>
+        <p:spPr/>
+      </p:sp>
+      <p:sp>
+        <p:nvSpPr>
+          <p:cNvPr id="3" name="슬라이드 노트 개체 틀 2"/>
+          <p:cNvSpPr>
+            <a:spLocks noGrp="1"/>
+          </p:cNvSpPr>
+          <p:nvPr>
+            <p:ph type="body" idx="1"/>
+          </p:nvPr>
+        </p:nvSpPr>
+        <p:spPr/>
+        <p:txBody>
+          <a:bodyPr/>
+          <a:lstStyle/>
+          <a:p>
+            <a:r>
+              <a:rPr lang="ko-KR" altLang="en-US" dirty="0"/>
+              <a:t>결국 설정클래스를 사용하면 유지보수 과정에서 </a:t>
+            </a:r>
+            <a:r>
+              <a:rPr lang="en-US" altLang="ko-KR" dirty="0"/>
+              <a:t>java source</a:t>
+            </a:r>
+            <a:r>
+              <a:rPr lang="ko-KR" altLang="en-US" dirty="0"/>
+              <a:t>를 수정해야 하는 상황 발생</a:t>
+            </a:r>
+            <a:r>
+              <a:rPr lang="en-US" altLang="ko-KR" dirty="0"/>
+              <a:t>.</a:t>
+            </a:r>
+          </a:p>
+          <a:p>
+            <a:endParaRPr lang="en-US" altLang="ko-KR" dirty="0"/>
+          </a:p>
+          <a:p>
+            <a:r>
+              <a:rPr lang="ko-KR" altLang="en-US" dirty="0"/>
+              <a:t>그러나 </a:t>
+            </a:r>
+            <a:r>
+              <a:rPr lang="en-US" altLang="ko-KR" dirty="0"/>
+              <a:t>XML </a:t>
+            </a:r>
+            <a:r>
+              <a:rPr lang="ko-KR" altLang="en-US" dirty="0"/>
+              <a:t>파일이 매우 </a:t>
+            </a:r>
+            <a:r>
+              <a:rPr lang="ko-KR" altLang="en-US" dirty="0" err="1"/>
+              <a:t>복잡해진다고</a:t>
+            </a:r>
+            <a:r>
+              <a:rPr lang="ko-KR" altLang="en-US" dirty="0"/>
+              <a:t> 봤을 때</a:t>
+            </a:r>
+            <a:r>
+              <a:rPr lang="en-US" altLang="ko-KR" dirty="0"/>
+              <a:t>, </a:t>
+            </a:r>
+            <a:r>
+              <a:rPr lang="ko-KR" altLang="en-US" dirty="0"/>
+              <a:t>오히려 이게 나을 수도 있다</a:t>
+            </a:r>
+            <a:r>
+              <a:rPr lang="en-US" altLang="ko-KR" dirty="0"/>
+              <a:t>.</a:t>
+            </a:r>
+          </a:p>
+          <a:p>
+            <a:r>
+              <a:rPr lang="ko-KR" altLang="en-US" dirty="0"/>
+              <a:t>어디까지나 개발자의 선택의 문제일 뿐</a:t>
+            </a:r>
+            <a:r>
+              <a:rPr lang="en-US" altLang="ko-KR" dirty="0"/>
+              <a:t>…</a:t>
+            </a:r>
+            <a:endParaRPr lang="ko-KR" altLang="en-US" dirty="0"/>
+          </a:p>
+        </p:txBody>
+      </p:sp>
+      <p:sp>
+        <p:nvSpPr>
+          <p:cNvPr id="4" name="슬라이드 번호 개체 틀 3"/>
+          <p:cNvSpPr>
+            <a:spLocks noGrp="1"/>
+          </p:cNvSpPr>
+          <p:nvPr>
+            <p:ph type="sldNum" sz="quarter" idx="5"/>
+          </p:nvPr>
+        </p:nvSpPr>
+        <p:spPr/>
+        <p:txBody>
+          <a:bodyPr/>
+          <a:lstStyle/>
+          <a:p>
+            <a:fld id="{5C89D12D-55F5-4BD8-91FA-E7EC646B62F7}" type="slidenum">
+              <a:rPr lang="ko-KR" altLang="en-US" smtClean="0"/>
+              <a:t>46</a:t>
+            </a:fld>
+            <a:endParaRPr lang="ko-KR" altLang="en-US"/>
+          </a:p>
+        </p:txBody>
+      </p:sp>
+    </p:spTree>
+    <p:extLst>
+      <p:ext uri="{BB962C8B-B14F-4D97-AF65-F5344CB8AC3E}">
+        <p14:creationId xmlns:p14="http://schemas.microsoft.com/office/powerpoint/2010/main" val="113796451"/>
+      </p:ext>
+    </p:extLst>
+  </p:cSld>
+  <p:clrMapOvr>
+    <a:masterClrMapping/>
+  </p:clrMapOvr>
+</p:notes>
+</file>
+
 <file path=ppt/notesSlides/notesSlide3.xml><?xml version="1.0" encoding="utf-8"?>
 <p:notes xmlns:a="http://schemas.openxmlformats.org/drawingml/2006/main" xmlns:r="http://schemas.openxmlformats.org/officeDocument/2006/relationships" xmlns:p="http://schemas.openxmlformats.org/presentationml/2006/main">
   <p:cSld>
@@ -4620,7 +5199,7 @@
           <a:p>
             <a:fld id="{DFC765C5-6852-43C5-8B75-F362625B4446}" type="datetimeFigureOut">
               <a:rPr lang="ko-KR" altLang="en-US" smtClean="0"/>
-              <a:t>2024-07-02</a:t>
+              <a:t>2024-07-16</a:t>
             </a:fld>
             <a:endParaRPr lang="ko-KR" altLang="en-US"/>
           </a:p>
@@ -4788,7 +5367,7 @@
           <a:p>
             <a:fld id="{DFC765C5-6852-43C5-8B75-F362625B4446}" type="datetimeFigureOut">
               <a:rPr lang="ko-KR" altLang="en-US" smtClean="0"/>
-              <a:t>2024-07-02</a:t>
+              <a:t>2024-07-16</a:t>
             </a:fld>
             <a:endParaRPr lang="ko-KR" altLang="en-US"/>
           </a:p>
@@ -4966,7 +5545,7 @@
           <a:p>
             <a:fld id="{DFC765C5-6852-43C5-8B75-F362625B4446}" type="datetimeFigureOut">
               <a:rPr lang="ko-KR" altLang="en-US" smtClean="0"/>
-              <a:t>2024-07-02</a:t>
+              <a:t>2024-07-16</a:t>
             </a:fld>
             <a:endParaRPr lang="ko-KR" altLang="en-US"/>
           </a:p>
@@ -5134,7 +5713,7 @@
           <a:p>
             <a:fld id="{DFC765C5-6852-43C5-8B75-F362625B4446}" type="datetimeFigureOut">
               <a:rPr lang="ko-KR" altLang="en-US" smtClean="0"/>
-              <a:t>2024-07-02</a:t>
+              <a:t>2024-07-16</a:t>
             </a:fld>
             <a:endParaRPr lang="ko-KR" altLang="en-US"/>
           </a:p>
@@ -5379,7 +5958,7 @@
           <a:p>
             <a:fld id="{DFC765C5-6852-43C5-8B75-F362625B4446}" type="datetimeFigureOut">
               <a:rPr lang="ko-KR" altLang="en-US" smtClean="0"/>
-              <a:t>2024-07-02</a:t>
+              <a:t>2024-07-16</a:t>
             </a:fld>
             <a:endParaRPr lang="ko-KR" altLang="en-US"/>
           </a:p>
@@ -5608,7 +6187,7 @@
           <a:p>
             <a:fld id="{DFC765C5-6852-43C5-8B75-F362625B4446}" type="datetimeFigureOut">
               <a:rPr lang="ko-KR" altLang="en-US" smtClean="0"/>
-              <a:t>2024-07-02</a:t>
+              <a:t>2024-07-16</a:t>
             </a:fld>
             <a:endParaRPr lang="ko-KR" altLang="en-US"/>
           </a:p>
@@ -5972,7 +6551,7 @@
           <a:p>
             <a:fld id="{DFC765C5-6852-43C5-8B75-F362625B4446}" type="datetimeFigureOut">
               <a:rPr lang="ko-KR" altLang="en-US" smtClean="0"/>
-              <a:t>2024-07-02</a:t>
+              <a:t>2024-07-16</a:t>
             </a:fld>
             <a:endParaRPr lang="ko-KR" altLang="en-US"/>
           </a:p>
@@ -6089,7 +6668,7 @@
           <a:p>
             <a:fld id="{DFC765C5-6852-43C5-8B75-F362625B4446}" type="datetimeFigureOut">
               <a:rPr lang="ko-KR" altLang="en-US" smtClean="0"/>
-              <a:t>2024-07-02</a:t>
+              <a:t>2024-07-16</a:t>
             </a:fld>
             <a:endParaRPr lang="ko-KR" altLang="en-US"/>
           </a:p>
@@ -6184,7 +6763,7 @@
           <a:p>
             <a:fld id="{DFC765C5-6852-43C5-8B75-F362625B4446}" type="datetimeFigureOut">
               <a:rPr lang="ko-KR" altLang="en-US" smtClean="0"/>
-              <a:t>2024-07-02</a:t>
+              <a:t>2024-07-16</a:t>
             </a:fld>
             <a:endParaRPr lang="ko-KR" altLang="en-US"/>
           </a:p>
@@ -6459,7 +7038,7 @@
           <a:p>
             <a:fld id="{DFC765C5-6852-43C5-8B75-F362625B4446}" type="datetimeFigureOut">
               <a:rPr lang="ko-KR" altLang="en-US" smtClean="0"/>
-              <a:t>2024-07-02</a:t>
+              <a:t>2024-07-16</a:t>
             </a:fld>
             <a:endParaRPr lang="ko-KR" altLang="en-US"/>
           </a:p>
@@ -6711,7 +7290,7 @@
           <a:p>
             <a:fld id="{DFC765C5-6852-43C5-8B75-F362625B4446}" type="datetimeFigureOut">
               <a:rPr lang="ko-KR" altLang="en-US" smtClean="0"/>
-              <a:t>2024-07-02</a:t>
+              <a:t>2024-07-16</a:t>
             </a:fld>
             <a:endParaRPr lang="ko-KR" altLang="en-US"/>
           </a:p>
@@ -6922,7 +7501,7 @@
           <a:p>
             <a:fld id="{DFC765C5-6852-43C5-8B75-F362625B4446}" type="datetimeFigureOut">
               <a:rPr lang="ko-KR" altLang="en-US" smtClean="0"/>
-              <a:t>2024-07-02</a:t>
+              <a:t>2024-07-16</a:t>
             </a:fld>
             <a:endParaRPr lang="ko-KR" altLang="en-US"/>
           </a:p>
@@ -14930,12 +15509,12 @@
                         </a:spcAft>
                       </a:pPr>
                       <a:r>
-                        <a:rPr lang="en-US" sz="2000" kern="100">
+                        <a:rPr lang="en-US" sz="2000" kern="100" dirty="0">
                           <a:effectLst/>
                         </a:rPr>
                         <a:t>@Inject</a:t>
                       </a:r>
-                      <a:endParaRPr lang="ko-KR" sz="2000" kern="100">
+                      <a:endParaRPr lang="ko-KR" sz="2000" kern="100" dirty="0">
                         <a:effectLst/>
                         <a:latin typeface="맑은 고딕" panose="020B0503020000020004" pitchFamily="50" charset="-127"/>
                         <a:ea typeface="맑은 고딕" panose="020B0503020000020004" pitchFamily="50" charset="-127"/>
@@ -15775,6 +16354,15 @@
             </a:r>
           </a:p>
           <a:p>
+            <a:pPr marL="457200" lvl="1" indent="0">
+              <a:buNone/>
+            </a:pPr>
+            <a:r>
+              <a:rPr lang="en-US" altLang="ko-KR" b="1" u="sng" dirty="0"/>
+              <a:t>(@Component)</a:t>
+            </a:r>
+          </a:p>
+          <a:p>
             <a:pPr lvl="1"/>
             <a:endParaRPr lang="en-US" altLang="ko-KR" dirty="0"/>
           </a:p>
@@ -15796,7 +16384,11 @@
               <a:rPr lang="en-US" altLang="ko-KR" dirty="0"/>
               <a:t>. </a:t>
             </a:r>
-            <a:endParaRPr lang="ko-KR" altLang="en-US" dirty="0"/>
+            <a:r>
+              <a:rPr lang="en-US" altLang="ko-KR" b="1" u="sng" dirty="0"/>
+              <a:t>(@Autowired)</a:t>
+            </a:r>
+            <a:endParaRPr lang="ko-KR" altLang="en-US" b="1" u="sng" dirty="0"/>
           </a:p>
         </p:txBody>
       </p:sp>
